--- a/StoryCards_Smart_City_TeamPhoenix.pptx
+++ b/StoryCards_Smart_City_TeamPhoenix.pptx
@@ -36,6 +36,7 @@
     <p:sldId id="288" r:id="rId30"/>
     <p:sldId id="289" r:id="rId31"/>
     <p:sldId id="290" r:id="rId32"/>
+    <p:sldId id="291" r:id="rId33"/>
   </p:sldIdLst>
   <p:sldSz cx="9906000" cy="6858000" type="A4"/>
   <p:notesSz cx="6858000" cy="9144000"/>
@@ -335,7 +336,7 @@
             <a:fld id="{1585DAA5-6BE2-467A-90B2-00E985D86198}" type="datetimeFigureOut">
               <a:rPr lang="en-AU" smtClean="0"/>
               <a:pPr/>
-              <a:t>21/08/2017</a:t>
+              <a:t>29/08/2017</a:t>
             </a:fld>
             <a:endParaRPr lang="en-AU"/>
           </a:p>
@@ -502,7 +503,7 @@
             <a:fld id="{1585DAA5-6BE2-467A-90B2-00E985D86198}" type="datetimeFigureOut">
               <a:rPr lang="en-AU" smtClean="0"/>
               <a:pPr/>
-              <a:t>21/08/2017</a:t>
+              <a:t>29/08/2017</a:t>
             </a:fld>
             <a:endParaRPr lang="en-AU"/>
           </a:p>
@@ -679,7 +680,7 @@
             <a:fld id="{1585DAA5-6BE2-467A-90B2-00E985D86198}" type="datetimeFigureOut">
               <a:rPr lang="en-AU" smtClean="0"/>
               <a:pPr/>
-              <a:t>21/08/2017</a:t>
+              <a:t>29/08/2017</a:t>
             </a:fld>
             <a:endParaRPr lang="en-AU"/>
           </a:p>
@@ -846,7 +847,7 @@
             <a:fld id="{1585DAA5-6BE2-467A-90B2-00E985D86198}" type="datetimeFigureOut">
               <a:rPr lang="en-AU" smtClean="0"/>
               <a:pPr/>
-              <a:t>21/08/2017</a:t>
+              <a:t>29/08/2017</a:t>
             </a:fld>
             <a:endParaRPr lang="en-AU"/>
           </a:p>
@@ -1089,7 +1090,7 @@
             <a:fld id="{1585DAA5-6BE2-467A-90B2-00E985D86198}" type="datetimeFigureOut">
               <a:rPr lang="en-AU" smtClean="0"/>
               <a:pPr/>
-              <a:t>21/08/2017</a:t>
+              <a:t>29/08/2017</a:t>
             </a:fld>
             <a:endParaRPr lang="en-AU"/>
           </a:p>
@@ -1374,7 +1375,7 @@
             <a:fld id="{1585DAA5-6BE2-467A-90B2-00E985D86198}" type="datetimeFigureOut">
               <a:rPr lang="en-AU" smtClean="0"/>
               <a:pPr/>
-              <a:t>21/08/2017</a:t>
+              <a:t>29/08/2017</a:t>
             </a:fld>
             <a:endParaRPr lang="en-AU"/>
           </a:p>
@@ -1793,7 +1794,7 @@
             <a:fld id="{1585DAA5-6BE2-467A-90B2-00E985D86198}" type="datetimeFigureOut">
               <a:rPr lang="en-AU" smtClean="0"/>
               <a:pPr/>
-              <a:t>21/08/2017</a:t>
+              <a:t>29/08/2017</a:t>
             </a:fld>
             <a:endParaRPr lang="en-AU"/>
           </a:p>
@@ -1908,7 +1909,7 @@
             <a:fld id="{1585DAA5-6BE2-467A-90B2-00E985D86198}" type="datetimeFigureOut">
               <a:rPr lang="en-AU" smtClean="0"/>
               <a:pPr/>
-              <a:t>21/08/2017</a:t>
+              <a:t>29/08/2017</a:t>
             </a:fld>
             <a:endParaRPr lang="en-AU"/>
           </a:p>
@@ -2000,7 +2001,7 @@
             <a:fld id="{1585DAA5-6BE2-467A-90B2-00E985D86198}" type="datetimeFigureOut">
               <a:rPr lang="en-AU" smtClean="0"/>
               <a:pPr/>
-              <a:t>21/08/2017</a:t>
+              <a:t>29/08/2017</a:t>
             </a:fld>
             <a:endParaRPr lang="en-AU"/>
           </a:p>
@@ -2274,7 +2275,7 @@
             <a:fld id="{1585DAA5-6BE2-467A-90B2-00E985D86198}" type="datetimeFigureOut">
               <a:rPr lang="en-AU" smtClean="0"/>
               <a:pPr/>
-              <a:t>21/08/2017</a:t>
+              <a:t>29/08/2017</a:t>
             </a:fld>
             <a:endParaRPr lang="en-AU"/>
           </a:p>
@@ -2524,7 +2525,7 @@
             <a:fld id="{1585DAA5-6BE2-467A-90B2-00E985D86198}" type="datetimeFigureOut">
               <a:rPr lang="en-AU" smtClean="0"/>
               <a:pPr/>
-              <a:t>21/08/2017</a:t>
+              <a:t>29/08/2017</a:t>
             </a:fld>
             <a:endParaRPr lang="en-AU"/>
           </a:p>
@@ -2734,7 +2735,7 @@
             <a:fld id="{1585DAA5-6BE2-467A-90B2-00E985D86198}" type="datetimeFigureOut">
               <a:rPr lang="en-AU" smtClean="0"/>
               <a:pPr/>
-              <a:t>21/08/2017</a:t>
+              <a:t>29/08/2017</a:t>
             </a:fld>
             <a:endParaRPr lang="en-AU"/>
           </a:p>
@@ -3490,6 +3491,20 @@
               <a:t>Modifying data only permitted for ‘Admin’ user account type</a:t>
             </a:r>
           </a:p>
+          <a:p>
+            <a:pPr marL="179388" indent="-179388">
+              <a:buFont typeface="Arial" pitchFamily="34" charset="0"/>
+              <a:buChar char="•"/>
+            </a:pPr>
+            <a:r>
+              <a:rPr lang="en-AU" sz="2000" dirty="0" smtClean="0">
+                <a:solidFill>
+                  <a:schemeClr val="tx1"/>
+                </a:solidFill>
+              </a:rPr>
+              <a:t>Admin must have access to tools for adding/ modifying city data</a:t>
+            </a:r>
+          </a:p>
         </p:txBody>
       </p:sp>
       <p:sp>
@@ -3552,18 +3567,13 @@
           <a:p>
             <a:pPr algn="ctr"/>
             <a:r>
-              <a:rPr lang="en-AU" sz="1200" dirty="0" smtClean="0">
-                <a:solidFill>
-                  <a:schemeClr val="tx1"/>
-                </a:solidFill>
-              </a:rPr>
-              <a:t>4</a:t>
-            </a:r>
-            <a:endParaRPr lang="en-AU" sz="1200" dirty="0">
-              <a:solidFill>
-                <a:schemeClr val="tx1"/>
-              </a:solidFill>
-            </a:endParaRPr>
+              <a:rPr lang="en-AU" sz="1200" dirty="0">
+                <a:solidFill>
+                  <a:schemeClr val="tx1"/>
+                </a:solidFill>
+              </a:rPr>
+              <a:t>2</a:t>
+            </a:r>
           </a:p>
         </p:txBody>
       </p:sp>
@@ -3695,6 +3705,50 @@
                 </a:solidFill>
               </a:rPr>
               <a:t>Notes</a:t>
+            </a:r>
+          </a:p>
+          <a:p>
+            <a:pPr marL="342900" indent="-342900">
+              <a:buFont typeface="Arial" pitchFamily="34" charset="0"/>
+              <a:buChar char="•"/>
+            </a:pPr>
+            <a:r>
+              <a:rPr lang="en-AU" sz="2000" dirty="0" smtClean="0">
+                <a:solidFill>
+                  <a:schemeClr val="tx1"/>
+                </a:solidFill>
+              </a:rPr>
+              <a:t>City data refers to ‘Colleges, libraries, industries, hotels, parks, zoos, museums, restaurants &amp; malls’</a:t>
+            </a:r>
+          </a:p>
+          <a:p>
+            <a:pPr marL="342900" indent="-342900">
+              <a:buFont typeface="Arial" pitchFamily="34" charset="0"/>
+              <a:buChar char="•"/>
+            </a:pPr>
+            <a:r>
+              <a:rPr lang="en-AU" sz="2000" dirty="0" smtClean="0">
+                <a:solidFill>
+                  <a:schemeClr val="tx1"/>
+                </a:solidFill>
+              </a:rPr>
+              <a:t>Each data </a:t>
+            </a:r>
+            <a:r>
+              <a:rPr lang="en-AU" sz="2000" dirty="0" smtClean="0">
+                <a:solidFill>
+                  <a:schemeClr val="tx1"/>
+                </a:solidFill>
+              </a:rPr>
+              <a:t>set in MySQL database </a:t>
+            </a:r>
+            <a:r>
+              <a:rPr lang="en-AU" sz="2000" dirty="0" smtClean="0">
+                <a:solidFill>
+                  <a:schemeClr val="tx1"/>
+                </a:solidFill>
+              </a:rPr>
+              <a:t>should have at least ‘name, address, phone/ department and email address’</a:t>
             </a:r>
           </a:p>
         </p:txBody>
@@ -4051,145 +4105,221 @@
           <a:p>
             <a:pPr algn="ctr"/>
             <a:r>
-              <a:rPr lang="en-AU" sz="1200" dirty="0" smtClean="0">
-                <a:solidFill>
-                  <a:schemeClr val="tx1"/>
-                </a:solidFill>
-              </a:rPr>
-              <a:t>2</a:t>
-            </a:r>
-            <a:endParaRPr lang="en-AU" sz="1200" dirty="0">
+              <a:rPr lang="en-AU" sz="1200" dirty="0">
+                <a:solidFill>
+                  <a:schemeClr val="tx1"/>
+                </a:solidFill>
+              </a:rPr>
+              <a:t>1</a:t>
+            </a:r>
+          </a:p>
+        </p:txBody>
+      </p:sp>
+      <p:sp>
+        <p:nvSpPr>
+          <p:cNvPr id="12" name="Rectangle 11"/>
+          <p:cNvSpPr/>
+          <p:nvPr/>
+        </p:nvSpPr>
+        <p:spPr>
+          <a:xfrm>
+            <a:off x="8283153" y="109410"/>
+            <a:ext cx="792000" cy="540000"/>
+          </a:xfrm>
+          <a:prstGeom prst="rect">
+            <a:avLst/>
+          </a:prstGeom>
+          <a:solidFill>
+            <a:schemeClr val="accent4">
+              <a:lumMod val="20000"/>
+              <a:lumOff val="80000"/>
+            </a:schemeClr>
+          </a:solidFill>
+          <a:ln>
+            <a:solidFill>
+              <a:schemeClr val="accent1">
+                <a:lumMod val="50000"/>
+              </a:schemeClr>
+            </a:solidFill>
+          </a:ln>
+        </p:spPr>
+        <p:style>
+          <a:lnRef idx="2">
+            <a:schemeClr val="accent1">
+              <a:shade val="50000"/>
+            </a:schemeClr>
+          </a:lnRef>
+          <a:fillRef idx="1">
+            <a:schemeClr val="accent1"/>
+          </a:fillRef>
+          <a:effectRef idx="0">
+            <a:schemeClr val="accent1"/>
+          </a:effectRef>
+          <a:fontRef idx="minor">
+            <a:schemeClr val="lt1"/>
+          </a:fontRef>
+        </p:style>
+        <p:txBody>
+          <a:bodyPr wrap="none" lIns="0" rIns="0" rtlCol="0" anchor="ctr"/>
+          <a:lstStyle/>
+          <a:p>
+            <a:pPr algn="ctr"/>
+            <a:r>
+              <a:rPr lang="en-AU" sz="2000" dirty="0" smtClean="0">
+                <a:solidFill>
+                  <a:schemeClr val="tx1"/>
+                </a:solidFill>
+              </a:rPr>
+              <a:t>Priority</a:t>
+            </a:r>
+          </a:p>
+          <a:p>
+            <a:pPr algn="ctr"/>
+            <a:r>
+              <a:rPr lang="en-AU" sz="2000" dirty="0">
+                <a:solidFill>
+                  <a:schemeClr val="tx1"/>
+                </a:solidFill>
+              </a:rPr>
+              <a:t>M</a:t>
+            </a:r>
+          </a:p>
+        </p:txBody>
+      </p:sp>
+      <p:sp>
+        <p:nvSpPr>
+          <p:cNvPr id="13" name="Rectangle 12"/>
+          <p:cNvSpPr/>
+          <p:nvPr/>
+        </p:nvSpPr>
+        <p:spPr>
+          <a:xfrm>
+            <a:off x="39153" y="5128590"/>
+            <a:ext cx="9828000" cy="1620000"/>
+          </a:xfrm>
+          <a:prstGeom prst="rect">
+            <a:avLst/>
+          </a:prstGeom>
+          <a:solidFill>
+            <a:schemeClr val="bg1"/>
+          </a:solidFill>
+          <a:ln>
+            <a:solidFill>
+              <a:schemeClr val="accent1">
+                <a:lumMod val="50000"/>
+              </a:schemeClr>
+            </a:solidFill>
+          </a:ln>
+        </p:spPr>
+        <p:style>
+          <a:lnRef idx="2">
+            <a:schemeClr val="accent1">
+              <a:shade val="50000"/>
+            </a:schemeClr>
+          </a:lnRef>
+          <a:fillRef idx="1">
+            <a:schemeClr val="accent1"/>
+          </a:fillRef>
+          <a:effectRef idx="0">
+            <a:schemeClr val="accent1"/>
+          </a:effectRef>
+          <a:fontRef idx="minor">
+            <a:schemeClr val="lt1"/>
+          </a:fontRef>
+        </p:style>
+        <p:txBody>
+          <a:bodyPr tIns="36000" rtlCol="0" anchor="t" anchorCtr="0"/>
+          <a:lstStyle/>
+          <a:p>
+            <a:r>
+              <a:rPr lang="en-AU" sz="2000" dirty="0" smtClean="0">
+                <a:solidFill>
+                  <a:schemeClr val="tx1"/>
+                </a:solidFill>
+              </a:rPr>
+              <a:t>Notes</a:t>
+            </a:r>
+          </a:p>
+          <a:p>
+            <a:pPr marL="342900" indent="-342900">
+              <a:buFont typeface="Arial" pitchFamily="34" charset="0"/>
+              <a:buChar char="•"/>
+            </a:pPr>
+            <a:r>
+              <a:rPr lang="en-AU" sz="2000" dirty="0" smtClean="0">
+                <a:solidFill>
+                  <a:schemeClr val="tx1"/>
+                </a:solidFill>
+              </a:rPr>
+              <a:t>Dependent on ‘Admin account setup page’ (S06</a:t>
+            </a:r>
+            <a:r>
+              <a:rPr lang="en-AU" sz="2000" dirty="0" smtClean="0">
+                <a:solidFill>
+                  <a:schemeClr val="tx1"/>
+                </a:solidFill>
+              </a:rPr>
+              <a:t>)</a:t>
+            </a:r>
+          </a:p>
+          <a:p>
+            <a:pPr marL="342900" indent="-342900">
+              <a:buFont typeface="Arial" pitchFamily="34" charset="0"/>
+              <a:buChar char="•"/>
+            </a:pPr>
+            <a:r>
+              <a:rPr lang="en-AU" sz="2000" dirty="0">
+                <a:solidFill>
+                  <a:schemeClr val="tx1"/>
+                </a:solidFill>
+              </a:rPr>
+              <a:t>Use </a:t>
+            </a:r>
+            <a:r>
+              <a:rPr lang="en-AU" sz="2000" dirty="0" err="1">
+                <a:solidFill>
+                  <a:schemeClr val="tx1"/>
+                </a:solidFill>
+              </a:rPr>
+              <a:t>django</a:t>
+            </a:r>
+            <a:r>
+              <a:rPr lang="en-AU" sz="2000" dirty="0">
+                <a:solidFill>
+                  <a:schemeClr val="tx1"/>
+                </a:solidFill>
+              </a:rPr>
+              <a:t> user authentication framework </a:t>
+            </a:r>
+            <a:r>
+              <a:rPr lang="en-AU" sz="2000" dirty="0" smtClean="0">
+                <a:solidFill>
+                  <a:schemeClr val="tx1"/>
+                </a:solidFill>
+              </a:rPr>
+              <a:t>to create </a:t>
+            </a:r>
+            <a:r>
+              <a:rPr lang="en-AU" sz="2000" dirty="0" err="1" smtClean="0">
+                <a:solidFill>
+                  <a:schemeClr val="tx1"/>
+                </a:solidFill>
+              </a:rPr>
+              <a:t>superuser</a:t>
+            </a:r>
+            <a:r>
+              <a:rPr lang="en-AU" sz="2000" dirty="0" smtClean="0">
+                <a:solidFill>
+                  <a:schemeClr val="tx1"/>
+                </a:solidFill>
+              </a:rPr>
+              <a:t> </a:t>
+            </a:r>
+            <a:endParaRPr lang="en-AU" sz="2000" dirty="0" smtClean="0">
               <a:solidFill>
                 <a:schemeClr val="tx1"/>
               </a:solidFill>
             </a:endParaRPr>
-          </a:p>
-        </p:txBody>
-      </p:sp>
-      <p:sp>
-        <p:nvSpPr>
-          <p:cNvPr id="12" name="Rectangle 11"/>
-          <p:cNvSpPr/>
-          <p:nvPr/>
-        </p:nvSpPr>
-        <p:spPr>
-          <a:xfrm>
-            <a:off x="8283153" y="109410"/>
-            <a:ext cx="792000" cy="540000"/>
-          </a:xfrm>
-          <a:prstGeom prst="rect">
-            <a:avLst/>
-          </a:prstGeom>
-          <a:solidFill>
-            <a:schemeClr val="accent4">
-              <a:lumMod val="20000"/>
-              <a:lumOff val="80000"/>
-            </a:schemeClr>
-          </a:solidFill>
-          <a:ln>
-            <a:solidFill>
-              <a:schemeClr val="accent1">
-                <a:lumMod val="50000"/>
-              </a:schemeClr>
-            </a:solidFill>
-          </a:ln>
-        </p:spPr>
-        <p:style>
-          <a:lnRef idx="2">
-            <a:schemeClr val="accent1">
-              <a:shade val="50000"/>
-            </a:schemeClr>
-          </a:lnRef>
-          <a:fillRef idx="1">
-            <a:schemeClr val="accent1"/>
-          </a:fillRef>
-          <a:effectRef idx="0">
-            <a:schemeClr val="accent1"/>
-          </a:effectRef>
-          <a:fontRef idx="minor">
-            <a:schemeClr val="lt1"/>
-          </a:fontRef>
-        </p:style>
-        <p:txBody>
-          <a:bodyPr wrap="none" lIns="0" rIns="0" rtlCol="0" anchor="ctr"/>
-          <a:lstStyle/>
-          <a:p>
-            <a:pPr algn="ctr"/>
-            <a:r>
-              <a:rPr lang="en-AU" sz="2000" dirty="0" smtClean="0">
-                <a:solidFill>
-                  <a:schemeClr val="tx1"/>
-                </a:solidFill>
-              </a:rPr>
-              <a:t>Priority</a:t>
-            </a:r>
-          </a:p>
-          <a:p>
-            <a:pPr algn="ctr"/>
-            <a:r>
-              <a:rPr lang="en-AU" sz="2000" dirty="0">
-                <a:solidFill>
-                  <a:schemeClr val="tx1"/>
-                </a:solidFill>
-              </a:rPr>
-              <a:t>M</a:t>
-            </a:r>
-          </a:p>
-        </p:txBody>
-      </p:sp>
-      <p:sp>
-        <p:nvSpPr>
-          <p:cNvPr id="13" name="Rectangle 12"/>
-          <p:cNvSpPr/>
-          <p:nvPr/>
-        </p:nvSpPr>
-        <p:spPr>
-          <a:xfrm>
-            <a:off x="39153" y="5128590"/>
-            <a:ext cx="9828000" cy="1620000"/>
-          </a:xfrm>
-          <a:prstGeom prst="rect">
-            <a:avLst/>
-          </a:prstGeom>
-          <a:solidFill>
-            <a:schemeClr val="bg1"/>
-          </a:solidFill>
-          <a:ln>
-            <a:solidFill>
-              <a:schemeClr val="accent1">
-                <a:lumMod val="50000"/>
-              </a:schemeClr>
-            </a:solidFill>
-          </a:ln>
-        </p:spPr>
-        <p:style>
-          <a:lnRef idx="2">
-            <a:schemeClr val="accent1">
-              <a:shade val="50000"/>
-            </a:schemeClr>
-          </a:lnRef>
-          <a:fillRef idx="1">
-            <a:schemeClr val="accent1"/>
-          </a:fillRef>
-          <a:effectRef idx="0">
-            <a:schemeClr val="accent1"/>
-          </a:effectRef>
-          <a:fontRef idx="minor">
-            <a:schemeClr val="lt1"/>
-          </a:fontRef>
-        </p:style>
-        <p:txBody>
-          <a:bodyPr tIns="36000" rtlCol="0" anchor="t" anchorCtr="0"/>
-          <a:lstStyle/>
-          <a:p>
-            <a:r>
-              <a:rPr lang="en-AU" sz="2000" dirty="0" smtClean="0">
-                <a:solidFill>
-                  <a:schemeClr val="tx1"/>
-                </a:solidFill>
-              </a:rPr>
-              <a:t>Notes</a:t>
-            </a:r>
           </a:p>
         </p:txBody>
       </p:sp>
@@ -4676,6 +4806,52 @@
               <a:t>Notes</a:t>
             </a:r>
           </a:p>
+          <a:p>
+            <a:pPr marL="342900" indent="-342900">
+              <a:buFont typeface="Arial" pitchFamily="34" charset="0"/>
+              <a:buChar char="•"/>
+            </a:pPr>
+            <a:r>
+              <a:rPr lang="en-AU" sz="2000" dirty="0" smtClean="0">
+                <a:solidFill>
+                  <a:schemeClr val="tx1"/>
+                </a:solidFill>
+              </a:rPr>
+              <a:t>Data sets for account-specific information could be separated into different tables in MySQL database</a:t>
+            </a:r>
+          </a:p>
+          <a:p>
+            <a:pPr marL="342900" indent="-342900">
+              <a:buFont typeface="Arial" pitchFamily="34" charset="0"/>
+              <a:buChar char="•"/>
+            </a:pPr>
+            <a:r>
+              <a:rPr lang="en-AU" sz="2000" dirty="0" smtClean="0">
+                <a:solidFill>
+                  <a:schemeClr val="tx1"/>
+                </a:solidFill>
+              </a:rPr>
+              <a:t>Generic city information comprises data for ‘Parks, zoos, museums, malls, restaurants and city map’</a:t>
+            </a:r>
+          </a:p>
+          <a:p>
+            <a:pPr marL="342900" indent="-342900">
+              <a:buFont typeface="Arial" pitchFamily="34" charset="0"/>
+              <a:buChar char="•"/>
+            </a:pPr>
+            <a:endParaRPr lang="en-AU" sz="2000" dirty="0" smtClean="0">
+              <a:solidFill>
+                <a:schemeClr val="tx1"/>
+              </a:solidFill>
+            </a:endParaRPr>
+          </a:p>
+          <a:p>
+            <a:endParaRPr lang="en-AU" sz="2000" dirty="0" smtClean="0">
+              <a:solidFill>
+                <a:schemeClr val="tx1"/>
+              </a:solidFill>
+            </a:endParaRPr>
+          </a:p>
         </p:txBody>
       </p:sp>
     </p:spTree>
@@ -4826,7 +5002,7 @@
             <a:pPr algn="ctr"/>
             <a:r>
               <a:rPr lang="en-AU" sz="2800" dirty="0" smtClean="0"/>
-              <a:t>Generic city information</a:t>
+              <a:t>Account information</a:t>
             </a:r>
             <a:endParaRPr lang="en-AU" sz="2800" dirty="0"/>
           </a:p>
@@ -5194,8 +5370,51 @@
                   <a:schemeClr val="tx1"/>
                 </a:solidFill>
               </a:rPr>
-              <a:t>Tables can be made in SQL</a:t>
-            </a:r>
+              <a:t>Tables for each data set can be made in MySQL </a:t>
+            </a:r>
+            <a:r>
+              <a:rPr lang="en-AU" sz="2000" dirty="0" smtClean="0">
+                <a:solidFill>
+                  <a:schemeClr val="tx1"/>
+                </a:solidFill>
+              </a:rPr>
+              <a:t>database</a:t>
+            </a:r>
+          </a:p>
+          <a:p>
+            <a:pPr marL="342900" indent="-342900">
+              <a:buFont typeface="Arial" pitchFamily="34" charset="0"/>
+              <a:buChar char="•"/>
+            </a:pPr>
+            <a:r>
+              <a:rPr lang="en-AU" sz="2000" dirty="0" smtClean="0">
+                <a:solidFill>
+                  <a:schemeClr val="tx1"/>
+                </a:solidFill>
+              </a:rPr>
+              <a:t>Can use </a:t>
+            </a:r>
+            <a:r>
+              <a:rPr lang="en-AU" sz="2000" dirty="0" err="1" smtClean="0">
+                <a:solidFill>
+                  <a:schemeClr val="tx1"/>
+                </a:solidFill>
+              </a:rPr>
+              <a:t>django</a:t>
+            </a:r>
+            <a:r>
+              <a:rPr lang="en-AU" sz="2000" dirty="0" smtClean="0">
+                <a:solidFill>
+                  <a:schemeClr val="tx1"/>
+                </a:solidFill>
+              </a:rPr>
+              <a:t> account authentication system to set permission access to generic city data</a:t>
+            </a:r>
+            <a:endParaRPr lang="en-AU" sz="2000" dirty="0" smtClean="0">
+              <a:solidFill>
+                <a:schemeClr val="tx1"/>
+              </a:solidFill>
+            </a:endParaRPr>
           </a:p>
         </p:txBody>
       </p:sp>
@@ -5399,7 +5618,7 @@
                   <a:schemeClr val="tx1"/>
                 </a:solidFill>
               </a:rPr>
-              <a:t>As a user, I want a map feature so that I can navigate and locate the destinations that interest me.</a:t>
+              <a:t>As a user, I want a map feature on the system so that I can navigate and locate the destinations that interest me.</a:t>
             </a:r>
           </a:p>
         </p:txBody>
@@ -5486,7 +5705,7 @@
                   <a:schemeClr val="tx1"/>
                 </a:solidFill>
               </a:rPr>
-              <a:t>Must display data points</a:t>
+              <a:t>Must display relevant data points</a:t>
             </a:r>
           </a:p>
         </p:txBody>
@@ -5558,11 +5777,6 @@
               </a:rPr>
               <a:t>2</a:t>
             </a:r>
-            <a:endParaRPr lang="en-AU" sz="1200" dirty="0">
-              <a:solidFill>
-                <a:schemeClr val="tx1"/>
-              </a:solidFill>
-            </a:endParaRPr>
           </a:p>
         </p:txBody>
       </p:sp>
@@ -5695,6 +5909,98 @@
               </a:rPr>
               <a:t>Notes</a:t>
             </a:r>
+          </a:p>
+          <a:p>
+            <a:pPr marL="342900" indent="-342900">
+              <a:buFont typeface="Arial" pitchFamily="34" charset="0"/>
+              <a:buChar char="•"/>
+            </a:pPr>
+            <a:r>
+              <a:rPr lang="en-AU" sz="2000" dirty="0" smtClean="0">
+                <a:solidFill>
+                  <a:schemeClr val="tx1"/>
+                </a:solidFill>
+              </a:rPr>
+              <a:t>Current location can be automatically tracked via GPS technology</a:t>
+            </a:r>
+            <a:r>
+              <a:rPr lang="en-AU" sz="2000" dirty="0">
+                <a:solidFill>
+                  <a:schemeClr val="tx1"/>
+                </a:solidFill>
+              </a:rPr>
+              <a:t> </a:t>
+            </a:r>
+            <a:r>
+              <a:rPr lang="en-AU" sz="2000" dirty="0" smtClean="0">
+                <a:solidFill>
+                  <a:schemeClr val="tx1"/>
+                </a:solidFill>
+              </a:rPr>
+              <a:t>or Wi-Fi to enhance </a:t>
+            </a:r>
+            <a:r>
+              <a:rPr lang="en-AU" sz="2000" dirty="0" smtClean="0">
+                <a:solidFill>
+                  <a:schemeClr val="tx1"/>
+                </a:solidFill>
+              </a:rPr>
+              <a:t>accuracy</a:t>
+            </a:r>
+          </a:p>
+          <a:p>
+            <a:pPr marL="342900" indent="-342900">
+              <a:buFont typeface="Arial" pitchFamily="34" charset="0"/>
+              <a:buChar char="•"/>
+            </a:pPr>
+            <a:r>
+              <a:rPr lang="en-AU" sz="2000" dirty="0" smtClean="0">
+                <a:solidFill>
+                  <a:schemeClr val="tx1"/>
+                </a:solidFill>
+              </a:rPr>
+              <a:t>Research </a:t>
+            </a:r>
+            <a:r>
+              <a:rPr lang="en-AU" sz="2000" dirty="0" err="1" smtClean="0">
+                <a:solidFill>
+                  <a:schemeClr val="tx1"/>
+                </a:solidFill>
+              </a:rPr>
+              <a:t>django</a:t>
+            </a:r>
+            <a:r>
+              <a:rPr lang="en-AU" sz="2000" dirty="0" smtClean="0">
+                <a:solidFill>
+                  <a:schemeClr val="tx1"/>
+                </a:solidFill>
+              </a:rPr>
+              <a:t> map widgets for </a:t>
+            </a:r>
+            <a:r>
+              <a:rPr lang="en-AU" sz="2000" dirty="0" err="1" smtClean="0">
+                <a:solidFill>
+                  <a:schemeClr val="tx1"/>
+                </a:solidFill>
+              </a:rPr>
+              <a:t>implemntation</a:t>
+            </a:r>
+            <a:endParaRPr lang="en-AU" sz="2000" dirty="0" smtClean="0">
+              <a:solidFill>
+                <a:schemeClr val="tx1"/>
+              </a:solidFill>
+            </a:endParaRPr>
+          </a:p>
+          <a:p>
+            <a:pPr marL="342900" indent="-342900">
+              <a:buFont typeface="Arial" pitchFamily="34" charset="0"/>
+              <a:buChar char="•"/>
+            </a:pPr>
+            <a:endParaRPr lang="en-AU" sz="2000" dirty="0" smtClean="0">
+              <a:solidFill>
+                <a:schemeClr val="tx1"/>
+              </a:solidFill>
+            </a:endParaRPr>
           </a:p>
         </p:txBody>
       </p:sp>
@@ -6055,7 +6361,7 @@
                   <a:schemeClr val="tx1"/>
                 </a:solidFill>
               </a:rPr>
-              <a:t>8</a:t>
+              <a:t>4</a:t>
             </a:r>
           </a:p>
         </p:txBody>
@@ -6201,8 +6507,45 @@
                   <a:schemeClr val="tx1"/>
                 </a:solidFill>
               </a:rPr>
-              <a:t>Google API is used for the main map</a:t>
-            </a:r>
+              <a:t>Google Maps </a:t>
+            </a:r>
+            <a:r>
+              <a:rPr lang="en-AU" sz="2000" dirty="0" smtClean="0">
+                <a:solidFill>
+                  <a:schemeClr val="tx1"/>
+                </a:solidFill>
+              </a:rPr>
+              <a:t>API </a:t>
+            </a:r>
+            <a:r>
+              <a:rPr lang="en-AU" sz="2000" dirty="0" smtClean="0">
+                <a:solidFill>
+                  <a:schemeClr val="tx1"/>
+                </a:solidFill>
+              </a:rPr>
+              <a:t>is </a:t>
+            </a:r>
+            <a:r>
+              <a:rPr lang="en-AU" sz="2000" dirty="0" smtClean="0">
+                <a:solidFill>
+                  <a:schemeClr val="tx1"/>
+                </a:solidFill>
+              </a:rPr>
+              <a:t>used for the main </a:t>
+            </a:r>
+            <a:r>
+              <a:rPr lang="en-AU" sz="2000" dirty="0" smtClean="0">
+                <a:solidFill>
+                  <a:schemeClr val="tx1"/>
+                </a:solidFill>
+              </a:rPr>
+              <a:t>map (S13)</a:t>
+            </a:r>
+            <a:endParaRPr lang="en-AU" sz="2000" dirty="0" smtClean="0">
+              <a:solidFill>
+                <a:schemeClr val="tx1"/>
+              </a:solidFill>
+            </a:endParaRPr>
           </a:p>
         </p:txBody>
       </p:sp>
@@ -6406,7 +6749,7 @@
                   <a:schemeClr val="tx1"/>
                 </a:solidFill>
               </a:rPr>
-              <a:t>As a tourist, I want to be to view relevant information so that I can better enjoy my stay in the city</a:t>
+              <a:t>As a tourist, I want the system to be able to show me relevant hotel and city information so that I can better enjoy my stay in the city.</a:t>
             </a:r>
           </a:p>
         </p:txBody>
@@ -6479,7 +6822,7 @@
                   <a:schemeClr val="tx1"/>
                 </a:solidFill>
               </a:rPr>
-              <a:t>Tourist account must be able to view hotel data</a:t>
+              <a:t>Tourist account must be able to view hotel data once logged in</a:t>
             </a:r>
           </a:p>
           <a:p>
@@ -6493,7 +6836,7 @@
                   <a:schemeClr val="tx1"/>
                 </a:solidFill>
               </a:rPr>
-              <a:t>Must also view generic city information</a:t>
+              <a:t>Must also be able to view generic city information</a:t>
             </a:r>
           </a:p>
         </p:txBody>
@@ -6696,6 +7039,20 @@
                 </a:solidFill>
               </a:rPr>
               <a:t>Notes</a:t>
+            </a:r>
+          </a:p>
+          <a:p>
+            <a:pPr marL="342900" indent="-342900">
+              <a:buFont typeface="Arial" pitchFamily="34" charset="0"/>
+              <a:buChar char="•"/>
+            </a:pPr>
+            <a:r>
+              <a:rPr lang="en-AU" sz="2000" dirty="0" smtClean="0">
+                <a:solidFill>
+                  <a:schemeClr val="tx1"/>
+                </a:solidFill>
+              </a:rPr>
+              <a:t>User type ‘Tourist’ is also allowed to view other information related to other user types while logged in (S03) </a:t>
             </a:r>
           </a:p>
         </p:txBody>
@@ -6900,7 +7257,7 @@
                   <a:schemeClr val="tx1"/>
                 </a:solidFill>
               </a:rPr>
-              <a:t>As a student, I want to be able to view relevant information so that I can prepare for my studies</a:t>
+              <a:t>As a student, I want the system to be able to show me relevant college, library and city information so that I can prepare for my studies.</a:t>
             </a:r>
           </a:p>
         </p:txBody>
@@ -6973,7 +7330,7 @@
                   <a:schemeClr val="tx1"/>
                 </a:solidFill>
               </a:rPr>
-              <a:t>Student accounts must be able to view college and library data</a:t>
+              <a:t>Student accounts must be able to view college and library data once logged in</a:t>
             </a:r>
           </a:p>
           <a:p>
@@ -6987,7 +7344,7 @@
                   <a:schemeClr val="tx1"/>
                 </a:solidFill>
               </a:rPr>
-              <a:t>Must also view generic city information</a:t>
+              <a:t>Must also be able to view generic city information</a:t>
             </a:r>
           </a:p>
         </p:txBody>
@@ -7191,6 +7548,59 @@
               </a:rPr>
               <a:t>Notes</a:t>
             </a:r>
+          </a:p>
+          <a:p>
+            <a:pPr marL="342900" indent="-342900">
+              <a:buFont typeface="Arial" pitchFamily="34" charset="0"/>
+              <a:buChar char="•"/>
+            </a:pPr>
+            <a:r>
+              <a:rPr lang="en-AU" sz="2000" dirty="0">
+                <a:solidFill>
+                  <a:schemeClr val="tx1"/>
+                </a:solidFill>
+              </a:rPr>
+              <a:t>User type </a:t>
+            </a:r>
+            <a:r>
+              <a:rPr lang="en-AU" sz="2000" dirty="0" smtClean="0">
+                <a:solidFill>
+                  <a:schemeClr val="tx1"/>
+                </a:solidFill>
+              </a:rPr>
+              <a:t>‘Student’ </a:t>
+            </a:r>
+            <a:r>
+              <a:rPr lang="en-AU" sz="2000" dirty="0">
+                <a:solidFill>
+                  <a:schemeClr val="tx1"/>
+                </a:solidFill>
+              </a:rPr>
+              <a:t>is also allowed to view other information </a:t>
+            </a:r>
+            <a:r>
+              <a:rPr lang="en-AU" sz="2000" dirty="0" smtClean="0">
+                <a:solidFill>
+                  <a:schemeClr val="tx1"/>
+                </a:solidFill>
+              </a:rPr>
+              <a:t>related to other user types while </a:t>
+            </a:r>
+            <a:r>
+              <a:rPr lang="en-AU" sz="2000" dirty="0">
+                <a:solidFill>
+                  <a:schemeClr val="tx1"/>
+                </a:solidFill>
+              </a:rPr>
+              <a:t>logged in (S03) </a:t>
+            </a:r>
+          </a:p>
+          <a:p>
+            <a:endParaRPr lang="en-AU" sz="2000" dirty="0" smtClean="0">
+              <a:solidFill>
+                <a:schemeClr val="tx1"/>
+              </a:solidFill>
+            </a:endParaRPr>
           </a:p>
         </p:txBody>
       </p:sp>
@@ -7334,7 +7744,7 @@
             <a:pPr algn="ctr"/>
             <a:r>
               <a:rPr lang="en-AU" sz="2800" dirty="0" smtClean="0"/>
-              <a:t>Business account</a:t>
+              <a:t>Businessman account</a:t>
             </a:r>
             <a:endParaRPr lang="en-AU" sz="2800" dirty="0"/>
           </a:p>
@@ -7394,7 +7804,7 @@
                   <a:schemeClr val="tx1"/>
                 </a:solidFill>
               </a:rPr>
-              <a:t>As a businessman, I want to be able to see relevant information so that I can plan business trips in the city</a:t>
+              <a:t>As a businessman, I want the system to be able to show me relevant hotel, industry and city information so that I can plan business trips in the city.</a:t>
             </a:r>
           </a:p>
         </p:txBody>
@@ -7467,7 +7877,7 @@
                   <a:schemeClr val="tx1"/>
                 </a:solidFill>
               </a:rPr>
-              <a:t>Business accounts must be able to see hotel and industry data</a:t>
+              <a:t>Business accounts must be able to see hotel and industry data once logged in</a:t>
             </a:r>
           </a:p>
           <a:p>
@@ -7481,7 +7891,7 @@
                   <a:schemeClr val="tx1"/>
                 </a:solidFill>
               </a:rPr>
-              <a:t>Must also view generic city information</a:t>
+              <a:t>Must also be able to view generic city information</a:t>
             </a:r>
           </a:p>
         </p:txBody>
@@ -7685,6 +8095,59 @@
               </a:rPr>
               <a:t>Notes</a:t>
             </a:r>
+          </a:p>
+          <a:p>
+            <a:pPr marL="342900" indent="-342900">
+              <a:buFont typeface="Arial" pitchFamily="34" charset="0"/>
+              <a:buChar char="•"/>
+            </a:pPr>
+            <a:r>
+              <a:rPr lang="en-AU" sz="2000" dirty="0">
+                <a:solidFill>
+                  <a:schemeClr val="tx1"/>
+                </a:solidFill>
+              </a:rPr>
+              <a:t>User type </a:t>
+            </a:r>
+            <a:r>
+              <a:rPr lang="en-AU" sz="2000" dirty="0" smtClean="0">
+                <a:solidFill>
+                  <a:schemeClr val="tx1"/>
+                </a:solidFill>
+              </a:rPr>
+              <a:t>‘Businessman’ </a:t>
+            </a:r>
+            <a:r>
+              <a:rPr lang="en-AU" sz="2000" dirty="0">
+                <a:solidFill>
+                  <a:schemeClr val="tx1"/>
+                </a:solidFill>
+              </a:rPr>
+              <a:t>is also allowed to view other information </a:t>
+            </a:r>
+            <a:r>
+              <a:rPr lang="en-AU" sz="2000" dirty="0" smtClean="0">
+                <a:solidFill>
+                  <a:schemeClr val="tx1"/>
+                </a:solidFill>
+              </a:rPr>
+              <a:t>related to other user types while </a:t>
+            </a:r>
+            <a:r>
+              <a:rPr lang="en-AU" sz="2000" dirty="0">
+                <a:solidFill>
+                  <a:schemeClr val="tx1"/>
+                </a:solidFill>
+              </a:rPr>
+              <a:t>logged in (S03) </a:t>
+            </a:r>
+          </a:p>
+          <a:p>
+            <a:endParaRPr lang="en-AU" sz="2000" dirty="0" smtClean="0">
+              <a:solidFill>
+                <a:schemeClr val="tx1"/>
+              </a:solidFill>
+            </a:endParaRPr>
           </a:p>
         </p:txBody>
       </p:sp>
@@ -8040,18 +8503,13 @@
           <a:p>
             <a:pPr algn="ctr"/>
             <a:r>
-              <a:rPr lang="en-AU" sz="1200" dirty="0" smtClean="0">
-                <a:solidFill>
-                  <a:schemeClr val="tx1"/>
-                </a:solidFill>
-              </a:rPr>
-              <a:t>4</a:t>
-            </a:r>
-            <a:endParaRPr lang="en-AU" sz="1200" dirty="0">
-              <a:solidFill>
-                <a:schemeClr val="tx1"/>
-              </a:solidFill>
-            </a:endParaRPr>
+              <a:rPr lang="en-AU" sz="1200" dirty="0">
+                <a:solidFill>
+                  <a:schemeClr val="tx1"/>
+                </a:solidFill>
+              </a:rPr>
+              <a:t>2</a:t>
+            </a:r>
           </a:p>
         </p:txBody>
       </p:sp>
@@ -8211,6 +8669,20 @@
                 </a:solidFill>
               </a:rPr>
               <a:t>Libraries used and/or created</a:t>
+            </a:r>
+          </a:p>
+          <a:p>
+            <a:pPr marL="342900" indent="-342900">
+              <a:buFont typeface="Arial" pitchFamily="34" charset="0"/>
+              <a:buChar char="•"/>
+            </a:pPr>
+            <a:r>
+              <a:rPr lang="en-AU" sz="2000" dirty="0" smtClean="0">
+                <a:solidFill>
+                  <a:schemeClr val="tx1"/>
+                </a:solidFill>
+              </a:rPr>
+              <a:t>Additional information can include city bus services, metro rail, etc. </a:t>
             </a:r>
           </a:p>
         </p:txBody>
@@ -8415,7 +8887,7 @@
                   <a:schemeClr val="tx1"/>
                 </a:solidFill>
               </a:rPr>
-              <a:t>As a user, I want to be able to input my username and password so that I can login and access the servers.</a:t>
+              <a:t>As a user, I want to be able to input my username and password so that I can login and access the features of the system.</a:t>
             </a:r>
           </a:p>
         </p:txBody>
@@ -8718,7 +9190,53 @@
                   <a:schemeClr val="tx1"/>
                 </a:solidFill>
               </a:rPr>
-              <a:t> </a:t>
+              <a:t>User validation for </a:t>
+            </a:r>
+            <a:r>
+              <a:rPr lang="en-AU" sz="2000" dirty="0" smtClean="0">
+                <a:solidFill>
+                  <a:schemeClr val="tx1"/>
+                </a:solidFill>
+              </a:rPr>
+              <a:t>the username and </a:t>
+            </a:r>
+            <a:r>
+              <a:rPr lang="en-AU" sz="2000" dirty="0" smtClean="0">
+                <a:solidFill>
+                  <a:schemeClr val="tx1"/>
+                </a:solidFill>
+              </a:rPr>
+              <a:t>password is recommended through </a:t>
+            </a:r>
+            <a:r>
+              <a:rPr lang="en-AU" sz="2000" dirty="0" err="1" smtClean="0">
+                <a:solidFill>
+                  <a:schemeClr val="tx1"/>
+                </a:solidFill>
+              </a:rPr>
+              <a:t>django’s</a:t>
+            </a:r>
+            <a:r>
+              <a:rPr lang="en-AU" sz="2000" dirty="0" smtClean="0">
+                <a:solidFill>
+                  <a:schemeClr val="tx1"/>
+                </a:solidFill>
+              </a:rPr>
+              <a:t> authentication system </a:t>
+            </a:r>
+          </a:p>
+          <a:p>
+            <a:pPr marL="179388" indent="-179388">
+              <a:buFont typeface="Arial" pitchFamily="34" charset="0"/>
+              <a:buChar char="•"/>
+            </a:pPr>
+            <a:r>
+              <a:rPr lang="en-AU" sz="2000" dirty="0" smtClean="0">
+                <a:solidFill>
+                  <a:schemeClr val="tx1"/>
+                </a:solidFill>
+              </a:rPr>
+              <a:t>Access user accounts information from MySQL database  </a:t>
             </a:r>
             <a:endParaRPr lang="en-AU" sz="2000" dirty="0">
               <a:solidFill>
@@ -9017,7 +9535,7 @@
                   <a:schemeClr val="tx1"/>
                 </a:solidFill>
               </a:rPr>
-              <a:t>Session status must be updated as ‘logged out’ after logging out</a:t>
+              <a:t>Session status must be updated as ‘logged out’ after signing out</a:t>
             </a:r>
           </a:p>
         </p:txBody>
@@ -9238,8 +9756,75 @@
                   <a:schemeClr val="tx1"/>
                 </a:solidFill>
               </a:rPr>
-              <a:t>Update user status as ‘1’ for logged in or ‘0’ for logged out in database table</a:t>
-            </a:r>
+              <a:t>Update user status as ‘1’ for logged in or ‘0’ for logged out to monitor current </a:t>
+            </a:r>
+            <a:r>
+              <a:rPr lang="en-AU" sz="2000" dirty="0" smtClean="0">
+                <a:solidFill>
+                  <a:schemeClr val="tx1"/>
+                </a:solidFill>
+              </a:rPr>
+              <a:t>session</a:t>
+            </a:r>
+          </a:p>
+          <a:p>
+            <a:pPr marL="342900" indent="-342900">
+              <a:buFont typeface="Arial" pitchFamily="34" charset="0"/>
+              <a:buChar char="•"/>
+            </a:pPr>
+            <a:r>
+              <a:rPr lang="en-AU" sz="2000" dirty="0" smtClean="0">
+                <a:solidFill>
+                  <a:schemeClr val="tx1"/>
+                </a:solidFill>
+              </a:rPr>
+              <a:t>Import </a:t>
+            </a:r>
+            <a:r>
+              <a:rPr lang="en-AU" sz="2000" dirty="0" err="1" smtClean="0">
+                <a:solidFill>
+                  <a:schemeClr val="tx1"/>
+                </a:solidFill>
+              </a:rPr>
+              <a:t>django</a:t>
+            </a:r>
+            <a:r>
+              <a:rPr lang="en-AU" sz="2000" dirty="0" smtClean="0">
+                <a:solidFill>
+                  <a:schemeClr val="tx1"/>
+                </a:solidFill>
+              </a:rPr>
+              <a:t> </a:t>
+            </a:r>
+            <a:r>
+              <a:rPr lang="en-AU" sz="2000" dirty="0" err="1" smtClean="0">
+                <a:solidFill>
+                  <a:schemeClr val="tx1"/>
+                </a:solidFill>
+              </a:rPr>
+              <a:t>django</a:t>
+            </a:r>
+            <a:r>
+              <a:rPr lang="en-AU" sz="2000" dirty="0" smtClean="0">
+                <a:solidFill>
+                  <a:schemeClr val="tx1"/>
+                </a:solidFill>
+              </a:rPr>
+              <a:t> logout</a:t>
+            </a:r>
+            <a:r>
+              <a:rPr lang="en-AU" sz="2000" dirty="0">
+                <a:solidFill>
+                  <a:schemeClr val="tx1"/>
+                </a:solidFill>
+              </a:rPr>
+              <a:t> </a:t>
+            </a:r>
+            <a:endParaRPr lang="en-AU" sz="2000" dirty="0" smtClean="0">
+              <a:solidFill>
+                <a:schemeClr val="tx1"/>
+              </a:solidFill>
+            </a:endParaRPr>
           </a:p>
         </p:txBody>
       </p:sp>
@@ -9443,7 +10028,7 @@
                   <a:schemeClr val="tx1"/>
                 </a:solidFill>
               </a:rPr>
-              <a:t>As an admin, I want to be able to add, modify, and delete user accounts so that I can verify the identify of each individual, and to permit access privileges. </a:t>
+              <a:t>As an admin, I want to be able to add, modify, and delete user accounts so that I can verify and permit access to each individual.</a:t>
             </a:r>
           </a:p>
         </p:txBody>
@@ -9602,11 +10187,6 @@
               </a:rPr>
               <a:t>2</a:t>
             </a:r>
-            <a:endParaRPr lang="en-AU" sz="1200" dirty="0">
-              <a:solidFill>
-                <a:schemeClr val="tx1"/>
-              </a:solidFill>
-            </a:endParaRPr>
           </a:p>
         </p:txBody>
       </p:sp>
@@ -9678,11 +10258,6 @@
               </a:rPr>
               <a:t>S</a:t>
             </a:r>
-            <a:endParaRPr lang="en-AU" sz="2000" dirty="0">
-              <a:solidFill>
-                <a:schemeClr val="tx1"/>
-              </a:solidFill>
-            </a:endParaRPr>
           </a:p>
         </p:txBody>
       </p:sp>
@@ -10123,143 +10698,238 @@
               </a:rPr>
               <a:t>8</a:t>
             </a:r>
-            <a:endParaRPr lang="en-AU" sz="1200" dirty="0">
+          </a:p>
+        </p:txBody>
+      </p:sp>
+      <p:sp>
+        <p:nvSpPr>
+          <p:cNvPr id="12" name="Rectangle 11"/>
+          <p:cNvSpPr/>
+          <p:nvPr/>
+        </p:nvSpPr>
+        <p:spPr>
+          <a:xfrm>
+            <a:off x="8283153" y="109410"/>
+            <a:ext cx="792000" cy="540000"/>
+          </a:xfrm>
+          <a:prstGeom prst="rect">
+            <a:avLst/>
+          </a:prstGeom>
+          <a:solidFill>
+            <a:schemeClr val="accent4">
+              <a:lumMod val="20000"/>
+              <a:lumOff val="80000"/>
+            </a:schemeClr>
+          </a:solidFill>
+          <a:ln>
+            <a:solidFill>
+              <a:schemeClr val="accent1">
+                <a:lumMod val="50000"/>
+              </a:schemeClr>
+            </a:solidFill>
+          </a:ln>
+        </p:spPr>
+        <p:style>
+          <a:lnRef idx="2">
+            <a:schemeClr val="accent1">
+              <a:shade val="50000"/>
+            </a:schemeClr>
+          </a:lnRef>
+          <a:fillRef idx="1">
+            <a:schemeClr val="accent1"/>
+          </a:fillRef>
+          <a:effectRef idx="0">
+            <a:schemeClr val="accent1"/>
+          </a:effectRef>
+          <a:fontRef idx="minor">
+            <a:schemeClr val="lt1"/>
+          </a:fontRef>
+        </p:style>
+        <p:txBody>
+          <a:bodyPr wrap="none" lIns="0" rIns="0" rtlCol="0" anchor="ctr"/>
+          <a:lstStyle/>
+          <a:p>
+            <a:pPr algn="ctr"/>
+            <a:r>
+              <a:rPr lang="en-AU" sz="2000" dirty="0" smtClean="0">
+                <a:solidFill>
+                  <a:schemeClr val="tx1"/>
+                </a:solidFill>
+              </a:rPr>
+              <a:t>Priority</a:t>
+            </a:r>
+          </a:p>
+          <a:p>
+            <a:pPr algn="ctr"/>
+            <a:r>
+              <a:rPr lang="en-AU" sz="2000" dirty="0">
+                <a:solidFill>
+                  <a:schemeClr val="tx1"/>
+                </a:solidFill>
+              </a:rPr>
+              <a:t>C</a:t>
+            </a:r>
+          </a:p>
+        </p:txBody>
+      </p:sp>
+      <p:sp>
+        <p:nvSpPr>
+          <p:cNvPr id="13" name="Rectangle 12"/>
+          <p:cNvSpPr/>
+          <p:nvPr/>
+        </p:nvSpPr>
+        <p:spPr>
+          <a:xfrm>
+            <a:off x="39153" y="5128590"/>
+            <a:ext cx="9828000" cy="1620000"/>
+          </a:xfrm>
+          <a:prstGeom prst="rect">
+            <a:avLst/>
+          </a:prstGeom>
+          <a:solidFill>
+            <a:schemeClr val="bg1"/>
+          </a:solidFill>
+          <a:ln>
+            <a:solidFill>
+              <a:schemeClr val="accent1">
+                <a:lumMod val="50000"/>
+              </a:schemeClr>
+            </a:solidFill>
+          </a:ln>
+        </p:spPr>
+        <p:style>
+          <a:lnRef idx="2">
+            <a:schemeClr val="accent1">
+              <a:shade val="50000"/>
+            </a:schemeClr>
+          </a:lnRef>
+          <a:fillRef idx="1">
+            <a:schemeClr val="accent1"/>
+          </a:fillRef>
+          <a:effectRef idx="0">
+            <a:schemeClr val="accent1"/>
+          </a:effectRef>
+          <a:fontRef idx="minor">
+            <a:schemeClr val="lt1"/>
+          </a:fontRef>
+        </p:style>
+        <p:txBody>
+          <a:bodyPr tIns="36000" rtlCol="0" anchor="t" anchorCtr="0"/>
+          <a:lstStyle/>
+          <a:p>
+            <a:r>
+              <a:rPr lang="en-AU" sz="2000" dirty="0" smtClean="0">
+                <a:solidFill>
+                  <a:schemeClr val="tx1"/>
+                </a:solidFill>
+              </a:rPr>
+              <a:t>Notes</a:t>
+            </a:r>
+          </a:p>
+          <a:p>
+            <a:pPr marL="342900" indent="-342900">
+              <a:buFont typeface="Arial" pitchFamily="34" charset="0"/>
+              <a:buChar char="•"/>
+            </a:pPr>
+            <a:r>
+              <a:rPr lang="en-AU" sz="2000" dirty="0">
+                <a:solidFill>
+                  <a:schemeClr val="tx1"/>
+                </a:solidFill>
+              </a:rPr>
+              <a:t>E</a:t>
+            </a:r>
+            <a:r>
+              <a:rPr lang="en-AU" sz="2000" dirty="0" smtClean="0">
+                <a:solidFill>
+                  <a:schemeClr val="tx1"/>
+                </a:solidFill>
+              </a:rPr>
+              <a:t>xpected to be </a:t>
+            </a:r>
+            <a:r>
+              <a:rPr lang="en-AU" sz="2000" dirty="0" smtClean="0">
+                <a:solidFill>
+                  <a:schemeClr val="tx1"/>
+                </a:solidFill>
+              </a:rPr>
+              <a:t>costly, decision to implement is decided by Head Developer</a:t>
+            </a:r>
+            <a:endParaRPr lang="en-AU" sz="2000" dirty="0" smtClean="0">
               <a:solidFill>
                 <a:schemeClr val="tx1"/>
               </a:solidFill>
             </a:endParaRPr>
           </a:p>
-        </p:txBody>
-      </p:sp>
-      <p:sp>
-        <p:nvSpPr>
-          <p:cNvPr id="12" name="Rectangle 11"/>
-          <p:cNvSpPr/>
-          <p:nvPr/>
-        </p:nvSpPr>
-        <p:spPr>
-          <a:xfrm>
-            <a:off x="8283153" y="109410"/>
-            <a:ext cx="792000" cy="540000"/>
-          </a:xfrm>
-          <a:prstGeom prst="rect">
-            <a:avLst/>
-          </a:prstGeom>
-          <a:solidFill>
-            <a:schemeClr val="accent4">
-              <a:lumMod val="20000"/>
-              <a:lumOff val="80000"/>
-            </a:schemeClr>
-          </a:solidFill>
-          <a:ln>
-            <a:solidFill>
-              <a:schemeClr val="accent1">
-                <a:lumMod val="50000"/>
-              </a:schemeClr>
-            </a:solidFill>
-          </a:ln>
-        </p:spPr>
-        <p:style>
-          <a:lnRef idx="2">
-            <a:schemeClr val="accent1">
-              <a:shade val="50000"/>
-            </a:schemeClr>
-          </a:lnRef>
-          <a:fillRef idx="1">
-            <a:schemeClr val="accent1"/>
-          </a:fillRef>
-          <a:effectRef idx="0">
-            <a:schemeClr val="accent1"/>
-          </a:effectRef>
-          <a:fontRef idx="minor">
-            <a:schemeClr val="lt1"/>
-          </a:fontRef>
-        </p:style>
-        <p:txBody>
-          <a:bodyPr wrap="none" lIns="0" rIns="0" rtlCol="0" anchor="ctr"/>
-          <a:lstStyle/>
-          <a:p>
-            <a:pPr algn="ctr"/>
-            <a:r>
-              <a:rPr lang="en-AU" sz="2000" dirty="0" smtClean="0">
-                <a:solidFill>
-                  <a:schemeClr val="tx1"/>
-                </a:solidFill>
-              </a:rPr>
-              <a:t>Priority</a:t>
-            </a:r>
-          </a:p>
-          <a:p>
-            <a:pPr algn="ctr"/>
-            <a:r>
-              <a:rPr lang="en-AU" sz="2000" dirty="0">
-                <a:solidFill>
-                  <a:schemeClr val="tx1"/>
-                </a:solidFill>
-              </a:rPr>
-              <a:t>C</a:t>
-            </a:r>
-            <a:endParaRPr lang="en-AU" sz="2000" dirty="0">
+          <a:p>
+            <a:pPr marL="342900" indent="-342900">
+              <a:buFont typeface="Arial" pitchFamily="34" charset="0"/>
+              <a:buChar char="•"/>
+            </a:pPr>
+            <a:r>
+              <a:rPr lang="en-AU" sz="2000" dirty="0" smtClean="0">
+                <a:solidFill>
+                  <a:schemeClr val="tx1"/>
+                </a:solidFill>
+              </a:rPr>
+              <a:t>Need to </a:t>
+            </a:r>
+            <a:r>
+              <a:rPr lang="en-AU" sz="2000" dirty="0" smtClean="0">
+                <a:solidFill>
+                  <a:schemeClr val="tx1"/>
+                </a:solidFill>
+              </a:rPr>
+              <a:t>research </a:t>
+            </a:r>
+            <a:r>
+              <a:rPr lang="en-AU" sz="2000" dirty="0" smtClean="0">
+                <a:solidFill>
+                  <a:schemeClr val="tx1"/>
+                </a:solidFill>
+              </a:rPr>
+              <a:t>3D map </a:t>
+            </a:r>
+            <a:r>
+              <a:rPr lang="en-AU" sz="2000" dirty="0" smtClean="0">
+                <a:solidFill>
+                  <a:schemeClr val="tx1"/>
+                </a:solidFill>
+              </a:rPr>
+              <a:t>integration</a:t>
+            </a:r>
+            <a:endParaRPr lang="en-AU" sz="2000" dirty="0" smtClean="0">
               <a:solidFill>
                 <a:schemeClr val="tx1"/>
               </a:solidFill>
             </a:endParaRPr>
           </a:p>
-        </p:txBody>
-      </p:sp>
-      <p:sp>
-        <p:nvSpPr>
-          <p:cNvPr id="13" name="Rectangle 12"/>
-          <p:cNvSpPr/>
-          <p:nvPr/>
-        </p:nvSpPr>
-        <p:spPr>
-          <a:xfrm>
-            <a:off x="39153" y="5128590"/>
-            <a:ext cx="9828000" cy="1620000"/>
-          </a:xfrm>
-          <a:prstGeom prst="rect">
-            <a:avLst/>
-          </a:prstGeom>
-          <a:solidFill>
-            <a:schemeClr val="bg1"/>
-          </a:solidFill>
-          <a:ln>
-            <a:solidFill>
-              <a:schemeClr val="accent1">
-                <a:lumMod val="50000"/>
-              </a:schemeClr>
-            </a:solidFill>
-          </a:ln>
-        </p:spPr>
-        <p:style>
-          <a:lnRef idx="2">
-            <a:schemeClr val="accent1">
-              <a:shade val="50000"/>
-            </a:schemeClr>
-          </a:lnRef>
-          <a:fillRef idx="1">
-            <a:schemeClr val="accent1"/>
-          </a:fillRef>
-          <a:effectRef idx="0">
-            <a:schemeClr val="accent1"/>
-          </a:effectRef>
-          <a:fontRef idx="minor">
-            <a:schemeClr val="lt1"/>
-          </a:fontRef>
-        </p:style>
-        <p:txBody>
-          <a:bodyPr tIns="36000" rtlCol="0" anchor="t" anchorCtr="0"/>
-          <a:lstStyle/>
-          <a:p>
-            <a:r>
-              <a:rPr lang="en-AU" sz="2000" dirty="0" smtClean="0">
-                <a:solidFill>
-                  <a:schemeClr val="tx1"/>
-                </a:solidFill>
-              </a:rPr>
-              <a:t>Notes</a:t>
-            </a:r>
+          <a:p>
+            <a:pPr marL="342900" indent="-342900">
+              <a:buFont typeface="Arial" pitchFamily="34" charset="0"/>
+              <a:buChar char="•"/>
+            </a:pPr>
+            <a:r>
+              <a:rPr lang="en-AU" sz="2000" dirty="0" smtClean="0">
+                <a:solidFill>
+                  <a:schemeClr val="tx1"/>
+                </a:solidFill>
+              </a:rPr>
+              <a:t>Time for Implementation</a:t>
+            </a:r>
+            <a:r>
+              <a:rPr lang="en-AU" sz="2000" dirty="0" smtClean="0">
+                <a:solidFill>
+                  <a:schemeClr val="tx1"/>
+                </a:solidFill>
+              </a:rPr>
+              <a:t>: 8 hrs</a:t>
+            </a:r>
+            <a:endParaRPr lang="en-AU" sz="2000" dirty="0" smtClean="0">
+              <a:solidFill>
+                <a:schemeClr val="tx1"/>
+              </a:solidFill>
+            </a:endParaRPr>
           </a:p>
         </p:txBody>
       </p:sp>
@@ -10403,11 +11073,7 @@
             <a:pPr algn="ctr"/>
             <a:r>
               <a:rPr lang="en-AU" sz="2800" dirty="0" smtClean="0"/>
-              <a:t>Search </a:t>
-            </a:r>
-            <a:r>
-              <a:rPr lang="en-AU" sz="2800" dirty="0" smtClean="0"/>
-              <a:t>function</a:t>
+              <a:t>Search function</a:t>
             </a:r>
             <a:endParaRPr lang="en-AU" sz="2800" dirty="0"/>
           </a:p>
@@ -10467,7 +11133,7 @@
                   <a:schemeClr val="tx1"/>
                 </a:solidFill>
               </a:rPr>
-              <a:t>As a user, I want to be able to search for specific keywords so that I easily locate content without needing to navigate through the system.   </a:t>
+              <a:t>As a user, I want to be able to search for specific keywords so that I can locate content without needing to navigate through the system.   </a:t>
             </a:r>
           </a:p>
         </p:txBody>
@@ -10540,15 +11206,7 @@
                   <a:schemeClr val="tx1"/>
                 </a:solidFill>
               </a:rPr>
-              <a:t>Search </a:t>
-            </a:r>
-            <a:r>
-              <a:rPr lang="en-AU" sz="2000" dirty="0" smtClean="0">
-                <a:solidFill>
-                  <a:schemeClr val="tx1"/>
-                </a:solidFill>
-              </a:rPr>
-              <a:t>functionality must be in form of text field with search button</a:t>
+              <a:t>Search functionality must be in form of text field with search button</a:t>
             </a:r>
           </a:p>
           <a:p>
@@ -10656,143 +11314,199 @@
               </a:rPr>
               <a:t>4</a:t>
             </a:r>
-            <a:endParaRPr lang="en-AU" sz="1200" dirty="0">
+          </a:p>
+        </p:txBody>
+      </p:sp>
+      <p:sp>
+        <p:nvSpPr>
+          <p:cNvPr id="12" name="Rectangle 11"/>
+          <p:cNvSpPr/>
+          <p:nvPr/>
+        </p:nvSpPr>
+        <p:spPr>
+          <a:xfrm>
+            <a:off x="8283153" y="109410"/>
+            <a:ext cx="792000" cy="540000"/>
+          </a:xfrm>
+          <a:prstGeom prst="rect">
+            <a:avLst/>
+          </a:prstGeom>
+          <a:solidFill>
+            <a:schemeClr val="accent4">
+              <a:lumMod val="20000"/>
+              <a:lumOff val="80000"/>
+            </a:schemeClr>
+          </a:solidFill>
+          <a:ln>
+            <a:solidFill>
+              <a:schemeClr val="accent1">
+                <a:lumMod val="50000"/>
+              </a:schemeClr>
+            </a:solidFill>
+          </a:ln>
+        </p:spPr>
+        <p:style>
+          <a:lnRef idx="2">
+            <a:schemeClr val="accent1">
+              <a:shade val="50000"/>
+            </a:schemeClr>
+          </a:lnRef>
+          <a:fillRef idx="1">
+            <a:schemeClr val="accent1"/>
+          </a:fillRef>
+          <a:effectRef idx="0">
+            <a:schemeClr val="accent1"/>
+          </a:effectRef>
+          <a:fontRef idx="minor">
+            <a:schemeClr val="lt1"/>
+          </a:fontRef>
+        </p:style>
+        <p:txBody>
+          <a:bodyPr wrap="none" lIns="0" rIns="0" rtlCol="0" anchor="ctr"/>
+          <a:lstStyle/>
+          <a:p>
+            <a:pPr algn="ctr"/>
+            <a:r>
+              <a:rPr lang="en-AU" sz="2000" dirty="0" smtClean="0">
+                <a:solidFill>
+                  <a:schemeClr val="tx1"/>
+                </a:solidFill>
+              </a:rPr>
+              <a:t>Priority</a:t>
+            </a:r>
+          </a:p>
+          <a:p>
+            <a:pPr algn="ctr"/>
+            <a:r>
+              <a:rPr lang="en-AU" sz="2000" dirty="0">
+                <a:solidFill>
+                  <a:schemeClr val="tx1"/>
+                </a:solidFill>
+              </a:rPr>
+              <a:t>S</a:t>
+            </a:r>
+          </a:p>
+        </p:txBody>
+      </p:sp>
+      <p:sp>
+        <p:nvSpPr>
+          <p:cNvPr id="13" name="Rectangle 12"/>
+          <p:cNvSpPr/>
+          <p:nvPr/>
+        </p:nvSpPr>
+        <p:spPr>
+          <a:xfrm>
+            <a:off x="39153" y="5128590"/>
+            <a:ext cx="9828000" cy="1620000"/>
+          </a:xfrm>
+          <a:prstGeom prst="rect">
+            <a:avLst/>
+          </a:prstGeom>
+          <a:solidFill>
+            <a:schemeClr val="bg1"/>
+          </a:solidFill>
+          <a:ln>
+            <a:solidFill>
+              <a:schemeClr val="accent1">
+                <a:lumMod val="50000"/>
+              </a:schemeClr>
+            </a:solidFill>
+          </a:ln>
+        </p:spPr>
+        <p:style>
+          <a:lnRef idx="2">
+            <a:schemeClr val="accent1">
+              <a:shade val="50000"/>
+            </a:schemeClr>
+          </a:lnRef>
+          <a:fillRef idx="1">
+            <a:schemeClr val="accent1"/>
+          </a:fillRef>
+          <a:effectRef idx="0">
+            <a:schemeClr val="accent1"/>
+          </a:effectRef>
+          <a:fontRef idx="minor">
+            <a:schemeClr val="lt1"/>
+          </a:fontRef>
+        </p:style>
+        <p:txBody>
+          <a:bodyPr tIns="36000" rtlCol="0" anchor="t" anchorCtr="0"/>
+          <a:lstStyle/>
+          <a:p>
+            <a:r>
+              <a:rPr lang="en-AU" sz="2000" dirty="0" smtClean="0">
+                <a:solidFill>
+                  <a:schemeClr val="tx1"/>
+                </a:solidFill>
+              </a:rPr>
+              <a:t>Notes</a:t>
+            </a:r>
+          </a:p>
+          <a:p>
+            <a:pPr marL="342900" indent="-342900">
+              <a:buFont typeface="Arial" pitchFamily="34" charset="0"/>
+              <a:buChar char="•"/>
+            </a:pPr>
+            <a:r>
+              <a:rPr lang="en-AU" sz="2000" dirty="0" smtClean="0">
+                <a:solidFill>
+                  <a:schemeClr val="tx1"/>
+                </a:solidFill>
+              </a:rPr>
+              <a:t>Can also integrate a ‘filter search’ </a:t>
+            </a:r>
+            <a:r>
+              <a:rPr lang="en-AU" sz="2000" dirty="0" smtClean="0">
+                <a:solidFill>
+                  <a:schemeClr val="tx1"/>
+                </a:solidFill>
+              </a:rPr>
+              <a:t>feature</a:t>
+            </a:r>
+          </a:p>
+          <a:p>
+            <a:pPr marL="342900" indent="-342900">
+              <a:buFont typeface="Arial" pitchFamily="34" charset="0"/>
+              <a:buChar char="•"/>
+            </a:pPr>
+            <a:r>
+              <a:rPr lang="en-AU" sz="2000" dirty="0" smtClean="0">
+                <a:solidFill>
+                  <a:schemeClr val="tx1"/>
+                </a:solidFill>
+              </a:rPr>
+              <a:t>Search feature should fetch results from MySQL database</a:t>
+            </a:r>
+          </a:p>
+          <a:p>
+            <a:pPr marL="342900" indent="-342900">
+              <a:buFont typeface="Arial" pitchFamily="34" charset="0"/>
+              <a:buChar char="•"/>
+            </a:pPr>
+            <a:r>
+              <a:rPr lang="en-AU" sz="2000" dirty="0" smtClean="0">
+                <a:solidFill>
+                  <a:schemeClr val="tx1"/>
+                </a:solidFill>
+              </a:rPr>
+              <a:t>Dev team can create search form to GET data</a:t>
+            </a:r>
+            <a:endParaRPr lang="en-AU" sz="2000" dirty="0" smtClean="0">
               <a:solidFill>
                 <a:schemeClr val="tx1"/>
               </a:solidFill>
             </a:endParaRPr>
           </a:p>
-        </p:txBody>
-      </p:sp>
-      <p:sp>
-        <p:nvSpPr>
-          <p:cNvPr id="12" name="Rectangle 11"/>
-          <p:cNvSpPr/>
-          <p:nvPr/>
-        </p:nvSpPr>
-        <p:spPr>
-          <a:xfrm>
-            <a:off x="8283153" y="109410"/>
-            <a:ext cx="792000" cy="540000"/>
-          </a:xfrm>
-          <a:prstGeom prst="rect">
-            <a:avLst/>
-          </a:prstGeom>
-          <a:solidFill>
-            <a:schemeClr val="accent4">
-              <a:lumMod val="20000"/>
-              <a:lumOff val="80000"/>
-            </a:schemeClr>
-          </a:solidFill>
-          <a:ln>
-            <a:solidFill>
-              <a:schemeClr val="accent1">
-                <a:lumMod val="50000"/>
-              </a:schemeClr>
-            </a:solidFill>
-          </a:ln>
-        </p:spPr>
-        <p:style>
-          <a:lnRef idx="2">
-            <a:schemeClr val="accent1">
-              <a:shade val="50000"/>
-            </a:schemeClr>
-          </a:lnRef>
-          <a:fillRef idx="1">
-            <a:schemeClr val="accent1"/>
-          </a:fillRef>
-          <a:effectRef idx="0">
-            <a:schemeClr val="accent1"/>
-          </a:effectRef>
-          <a:fontRef idx="minor">
-            <a:schemeClr val="lt1"/>
-          </a:fontRef>
-        </p:style>
-        <p:txBody>
-          <a:bodyPr wrap="none" lIns="0" rIns="0" rtlCol="0" anchor="ctr"/>
-          <a:lstStyle/>
-          <a:p>
-            <a:pPr algn="ctr"/>
-            <a:r>
-              <a:rPr lang="en-AU" sz="2000" dirty="0" smtClean="0">
-                <a:solidFill>
-                  <a:schemeClr val="tx1"/>
-                </a:solidFill>
-              </a:rPr>
-              <a:t>Priority</a:t>
-            </a:r>
-          </a:p>
-          <a:p>
-            <a:pPr algn="ctr"/>
-            <a:r>
-              <a:rPr lang="en-AU" sz="2000" dirty="0">
-                <a:solidFill>
-                  <a:schemeClr val="tx1"/>
-                </a:solidFill>
-              </a:rPr>
-              <a:t>S</a:t>
-            </a:r>
-            <a:endParaRPr lang="en-AU" sz="2000" dirty="0">
+          <a:p>
+            <a:pPr marL="342900" indent="-342900">
+              <a:buFont typeface="Arial" pitchFamily="34" charset="0"/>
+              <a:buChar char="•"/>
+            </a:pPr>
+            <a:endParaRPr lang="en-AU" sz="2000" dirty="0" smtClean="0">
               <a:solidFill>
                 <a:schemeClr val="tx1"/>
               </a:solidFill>
             </a:endParaRPr>
-          </a:p>
-        </p:txBody>
-      </p:sp>
-      <p:sp>
-        <p:nvSpPr>
-          <p:cNvPr id="13" name="Rectangle 12"/>
-          <p:cNvSpPr/>
-          <p:nvPr/>
-        </p:nvSpPr>
-        <p:spPr>
-          <a:xfrm>
-            <a:off x="39153" y="5128590"/>
-            <a:ext cx="9828000" cy="1620000"/>
-          </a:xfrm>
-          <a:prstGeom prst="rect">
-            <a:avLst/>
-          </a:prstGeom>
-          <a:solidFill>
-            <a:schemeClr val="bg1"/>
-          </a:solidFill>
-          <a:ln>
-            <a:solidFill>
-              <a:schemeClr val="accent1">
-                <a:lumMod val="50000"/>
-              </a:schemeClr>
-            </a:solidFill>
-          </a:ln>
-        </p:spPr>
-        <p:style>
-          <a:lnRef idx="2">
-            <a:schemeClr val="accent1">
-              <a:shade val="50000"/>
-            </a:schemeClr>
-          </a:lnRef>
-          <a:fillRef idx="1">
-            <a:schemeClr val="accent1"/>
-          </a:fillRef>
-          <a:effectRef idx="0">
-            <a:schemeClr val="accent1"/>
-          </a:effectRef>
-          <a:fontRef idx="minor">
-            <a:schemeClr val="lt1"/>
-          </a:fontRef>
-        </p:style>
-        <p:txBody>
-          <a:bodyPr tIns="36000" rtlCol="0" anchor="t" anchorCtr="0"/>
-          <a:lstStyle/>
-          <a:p>
-            <a:r>
-              <a:rPr lang="en-AU" sz="2000" dirty="0" smtClean="0">
-                <a:solidFill>
-                  <a:schemeClr val="tx1"/>
-                </a:solidFill>
-              </a:rPr>
-              <a:t>Notes</a:t>
-            </a:r>
           </a:p>
         </p:txBody>
       </p:sp>
@@ -11177,157 +11891,228 @@
               </a:rPr>
               <a:t>8</a:t>
             </a:r>
-            <a:endParaRPr lang="en-AU" sz="1200" dirty="0">
+          </a:p>
+        </p:txBody>
+      </p:sp>
+      <p:sp>
+        <p:nvSpPr>
+          <p:cNvPr id="12" name="Rectangle 11"/>
+          <p:cNvSpPr/>
+          <p:nvPr/>
+        </p:nvSpPr>
+        <p:spPr>
+          <a:xfrm>
+            <a:off x="8283153" y="109410"/>
+            <a:ext cx="792000" cy="540000"/>
+          </a:xfrm>
+          <a:prstGeom prst="rect">
+            <a:avLst/>
+          </a:prstGeom>
+          <a:solidFill>
+            <a:schemeClr val="accent4">
+              <a:lumMod val="20000"/>
+              <a:lumOff val="80000"/>
+            </a:schemeClr>
+          </a:solidFill>
+          <a:ln>
+            <a:solidFill>
+              <a:schemeClr val="accent1">
+                <a:lumMod val="50000"/>
+              </a:schemeClr>
+            </a:solidFill>
+          </a:ln>
+        </p:spPr>
+        <p:style>
+          <a:lnRef idx="2">
+            <a:schemeClr val="accent1">
+              <a:shade val="50000"/>
+            </a:schemeClr>
+          </a:lnRef>
+          <a:fillRef idx="1">
+            <a:schemeClr val="accent1"/>
+          </a:fillRef>
+          <a:effectRef idx="0">
+            <a:schemeClr val="accent1"/>
+          </a:effectRef>
+          <a:fontRef idx="minor">
+            <a:schemeClr val="lt1"/>
+          </a:fontRef>
+        </p:style>
+        <p:txBody>
+          <a:bodyPr wrap="none" lIns="0" rIns="0" rtlCol="0" anchor="ctr"/>
+          <a:lstStyle/>
+          <a:p>
+            <a:pPr algn="ctr"/>
+            <a:r>
+              <a:rPr lang="en-AU" sz="2000" dirty="0" smtClean="0">
+                <a:solidFill>
+                  <a:schemeClr val="tx1"/>
+                </a:solidFill>
+              </a:rPr>
+              <a:t>Priority</a:t>
+            </a:r>
+          </a:p>
+          <a:p>
+            <a:pPr algn="ctr"/>
+            <a:r>
+              <a:rPr lang="en-AU" sz="2000" dirty="0">
+                <a:solidFill>
+                  <a:schemeClr val="tx1"/>
+                </a:solidFill>
+              </a:rPr>
+              <a:t>C</a:t>
+            </a:r>
+          </a:p>
+        </p:txBody>
+      </p:sp>
+      <p:sp>
+        <p:nvSpPr>
+          <p:cNvPr id="13" name="Rectangle 12"/>
+          <p:cNvSpPr/>
+          <p:nvPr/>
+        </p:nvSpPr>
+        <p:spPr>
+          <a:xfrm>
+            <a:off x="39153" y="5128590"/>
+            <a:ext cx="9828000" cy="1620000"/>
+          </a:xfrm>
+          <a:prstGeom prst="rect">
+            <a:avLst/>
+          </a:prstGeom>
+          <a:solidFill>
+            <a:schemeClr val="bg1"/>
+          </a:solidFill>
+          <a:ln>
+            <a:solidFill>
+              <a:schemeClr val="accent1">
+                <a:lumMod val="50000"/>
+              </a:schemeClr>
+            </a:solidFill>
+          </a:ln>
+        </p:spPr>
+        <p:style>
+          <a:lnRef idx="2">
+            <a:schemeClr val="accent1">
+              <a:shade val="50000"/>
+            </a:schemeClr>
+          </a:lnRef>
+          <a:fillRef idx="1">
+            <a:schemeClr val="accent1"/>
+          </a:fillRef>
+          <a:effectRef idx="0">
+            <a:schemeClr val="accent1"/>
+          </a:effectRef>
+          <a:fontRef idx="minor">
+            <a:schemeClr val="lt1"/>
+          </a:fontRef>
+        </p:style>
+        <p:txBody>
+          <a:bodyPr tIns="36000" rtlCol="0" anchor="t" anchorCtr="0"/>
+          <a:lstStyle/>
+          <a:p>
+            <a:r>
+              <a:rPr lang="en-AU" sz="2000" dirty="0" smtClean="0">
+                <a:solidFill>
+                  <a:schemeClr val="tx1"/>
+                </a:solidFill>
+              </a:rPr>
+              <a:t>Notes</a:t>
+            </a:r>
+          </a:p>
+          <a:p>
+            <a:pPr marL="342900" indent="-342900">
+              <a:buFont typeface="Arial" pitchFamily="34" charset="0"/>
+              <a:buChar char="•"/>
+            </a:pPr>
+            <a:r>
+              <a:rPr lang="en-AU" sz="2000" dirty="0" smtClean="0">
+                <a:solidFill>
+                  <a:schemeClr val="tx1"/>
+                </a:solidFill>
+              </a:rPr>
+              <a:t>Accomplished through the use of language translation </a:t>
+            </a:r>
+            <a:r>
+              <a:rPr lang="en-AU" sz="2000" dirty="0" smtClean="0">
+                <a:solidFill>
+                  <a:schemeClr val="tx1"/>
+                </a:solidFill>
+              </a:rPr>
+              <a:t>engines</a:t>
+            </a:r>
+          </a:p>
+          <a:p>
+            <a:pPr marL="342900" indent="-342900">
+              <a:buFont typeface="Arial" pitchFamily="34" charset="0"/>
+              <a:buChar char="•"/>
+            </a:pPr>
+            <a:r>
+              <a:rPr lang="en-AU" sz="2000" dirty="0" smtClean="0">
+                <a:solidFill>
+                  <a:schemeClr val="tx1"/>
+                </a:solidFill>
+              </a:rPr>
+              <a:t>Utilize </a:t>
+            </a:r>
+            <a:r>
+              <a:rPr lang="en-AU" sz="2000" dirty="0" err="1" smtClean="0">
+                <a:solidFill>
+                  <a:schemeClr val="tx1"/>
+                </a:solidFill>
+              </a:rPr>
+              <a:t>django</a:t>
+            </a:r>
+            <a:r>
+              <a:rPr lang="en-AU" sz="2000" dirty="0" smtClean="0">
+                <a:solidFill>
+                  <a:schemeClr val="tx1"/>
+                </a:solidFill>
+              </a:rPr>
+              <a:t> translation utility (e.g. LANGUAGE_CODE = ‘</a:t>
+            </a:r>
+            <a:r>
+              <a:rPr lang="en-AU" sz="2000" dirty="0" err="1" smtClean="0">
+                <a:solidFill>
+                  <a:schemeClr val="tx1"/>
+                </a:solidFill>
+              </a:rPr>
+              <a:t>en</a:t>
+            </a:r>
+            <a:r>
+              <a:rPr lang="en-AU" sz="2000" dirty="0" smtClean="0">
+                <a:solidFill>
+                  <a:schemeClr val="tx1"/>
+                </a:solidFill>
+              </a:rPr>
+              <a:t>-us’)</a:t>
+            </a:r>
+          </a:p>
+          <a:p>
+            <a:pPr marL="342900" indent="-342900">
+              <a:buFont typeface="Arial" pitchFamily="34" charset="0"/>
+              <a:buChar char="•"/>
+            </a:pPr>
+            <a:r>
+              <a:rPr lang="en-AU" sz="2000" dirty="0" smtClean="0">
+                <a:solidFill>
+                  <a:schemeClr val="tx1"/>
+                </a:solidFill>
+              </a:rPr>
+              <a:t>Also add </a:t>
+            </a:r>
+            <a:r>
+              <a:rPr lang="en-AU" sz="2000" dirty="0" err="1" smtClean="0">
+                <a:solidFill>
+                  <a:schemeClr val="tx1"/>
+                </a:solidFill>
+              </a:rPr>
+              <a:t>middlewares</a:t>
+            </a:r>
+            <a:endParaRPr lang="en-AU" sz="2000" dirty="0" smtClean="0">
               <a:solidFill>
                 <a:schemeClr val="tx1"/>
               </a:solidFill>
             </a:endParaRPr>
-          </a:p>
-        </p:txBody>
-      </p:sp>
-      <p:sp>
-        <p:nvSpPr>
-          <p:cNvPr id="12" name="Rectangle 11"/>
-          <p:cNvSpPr/>
-          <p:nvPr/>
-        </p:nvSpPr>
-        <p:spPr>
-          <a:xfrm>
-            <a:off x="8283153" y="109410"/>
-            <a:ext cx="792000" cy="540000"/>
-          </a:xfrm>
-          <a:prstGeom prst="rect">
-            <a:avLst/>
-          </a:prstGeom>
-          <a:solidFill>
-            <a:schemeClr val="accent4">
-              <a:lumMod val="20000"/>
-              <a:lumOff val="80000"/>
-            </a:schemeClr>
-          </a:solidFill>
-          <a:ln>
-            <a:solidFill>
-              <a:schemeClr val="accent1">
-                <a:lumMod val="50000"/>
-              </a:schemeClr>
-            </a:solidFill>
-          </a:ln>
-        </p:spPr>
-        <p:style>
-          <a:lnRef idx="2">
-            <a:schemeClr val="accent1">
-              <a:shade val="50000"/>
-            </a:schemeClr>
-          </a:lnRef>
-          <a:fillRef idx="1">
-            <a:schemeClr val="accent1"/>
-          </a:fillRef>
-          <a:effectRef idx="0">
-            <a:schemeClr val="accent1"/>
-          </a:effectRef>
-          <a:fontRef idx="minor">
-            <a:schemeClr val="lt1"/>
-          </a:fontRef>
-        </p:style>
-        <p:txBody>
-          <a:bodyPr wrap="none" lIns="0" rIns="0" rtlCol="0" anchor="ctr"/>
-          <a:lstStyle/>
-          <a:p>
-            <a:pPr algn="ctr"/>
-            <a:r>
-              <a:rPr lang="en-AU" sz="2000" dirty="0" smtClean="0">
-                <a:solidFill>
-                  <a:schemeClr val="tx1"/>
-                </a:solidFill>
-              </a:rPr>
-              <a:t>Priority</a:t>
-            </a:r>
-          </a:p>
-          <a:p>
-            <a:pPr algn="ctr"/>
-            <a:r>
-              <a:rPr lang="en-AU" sz="2000" dirty="0">
-                <a:solidFill>
-                  <a:schemeClr val="tx1"/>
-                </a:solidFill>
-              </a:rPr>
-              <a:t>C</a:t>
-            </a:r>
-            <a:endParaRPr lang="en-AU" sz="2000" dirty="0">
-              <a:solidFill>
-                <a:schemeClr val="tx1"/>
-              </a:solidFill>
-            </a:endParaRPr>
-          </a:p>
-        </p:txBody>
-      </p:sp>
-      <p:sp>
-        <p:nvSpPr>
-          <p:cNvPr id="13" name="Rectangle 12"/>
-          <p:cNvSpPr/>
-          <p:nvPr/>
-        </p:nvSpPr>
-        <p:spPr>
-          <a:xfrm>
-            <a:off x="39153" y="5128590"/>
-            <a:ext cx="9828000" cy="1620000"/>
-          </a:xfrm>
-          <a:prstGeom prst="rect">
-            <a:avLst/>
-          </a:prstGeom>
-          <a:solidFill>
-            <a:schemeClr val="bg1"/>
-          </a:solidFill>
-          <a:ln>
-            <a:solidFill>
-              <a:schemeClr val="accent1">
-                <a:lumMod val="50000"/>
-              </a:schemeClr>
-            </a:solidFill>
-          </a:ln>
-        </p:spPr>
-        <p:style>
-          <a:lnRef idx="2">
-            <a:schemeClr val="accent1">
-              <a:shade val="50000"/>
-            </a:schemeClr>
-          </a:lnRef>
-          <a:fillRef idx="1">
-            <a:schemeClr val="accent1"/>
-          </a:fillRef>
-          <a:effectRef idx="0">
-            <a:schemeClr val="accent1"/>
-          </a:effectRef>
-          <a:fontRef idx="minor">
-            <a:schemeClr val="lt1"/>
-          </a:fontRef>
-        </p:style>
-        <p:txBody>
-          <a:bodyPr tIns="36000" rtlCol="0" anchor="t" anchorCtr="0"/>
-          <a:lstStyle/>
-          <a:p>
-            <a:r>
-              <a:rPr lang="en-AU" sz="2000" dirty="0" smtClean="0">
-                <a:solidFill>
-                  <a:schemeClr val="tx1"/>
-                </a:solidFill>
-              </a:rPr>
-              <a:t>Notes</a:t>
-            </a:r>
-          </a:p>
-          <a:p>
-            <a:pPr marL="342900" indent="-342900">
-              <a:buFont typeface="Arial" pitchFamily="34" charset="0"/>
-              <a:buChar char="•"/>
-            </a:pPr>
-            <a:r>
-              <a:rPr lang="en-AU" sz="2000" dirty="0" smtClean="0">
-                <a:solidFill>
-                  <a:schemeClr val="tx1"/>
-                </a:solidFill>
-              </a:rPr>
-              <a:t>Accomplished through the use of language translation engines</a:t>
-            </a:r>
           </a:p>
         </p:txBody>
       </p:sp>
@@ -11531,7 +12316,7 @@
                   <a:schemeClr val="tx1"/>
                 </a:solidFill>
               </a:rPr>
-              <a:t>As a user, I want to be able to access a ‘Contact Us’ page so that I can easily contact the appropriate support services. </a:t>
+              <a:t>As a user, I want to be able to access a ‘Contact Us’ page so that I can communicate with the appropriate support services. </a:t>
             </a:r>
           </a:p>
         </p:txBody>
@@ -11604,7 +12389,7 @@
                   <a:schemeClr val="tx1"/>
                 </a:solidFill>
               </a:rPr>
-              <a:t>Design must be easy to follow</a:t>
+              <a:t>Form design must be easy to follow</a:t>
             </a:r>
           </a:p>
           <a:p>
@@ -11618,7 +12403,7 @@
                   <a:schemeClr val="tx1"/>
                 </a:solidFill>
               </a:rPr>
-              <a:t>Must only require basic information (name, email, subject, message)</a:t>
+              <a:t>Must require basic information (name, email, subject, message) before submission</a:t>
             </a:r>
           </a:p>
           <a:p>
@@ -11719,165 +12504,220 @@
               </a:rPr>
               <a:t>2</a:t>
             </a:r>
-            <a:endParaRPr lang="en-AU" sz="1200" dirty="0">
+          </a:p>
+        </p:txBody>
+      </p:sp>
+      <p:sp>
+        <p:nvSpPr>
+          <p:cNvPr id="12" name="Rectangle 11"/>
+          <p:cNvSpPr/>
+          <p:nvPr/>
+        </p:nvSpPr>
+        <p:spPr>
+          <a:xfrm>
+            <a:off x="8283153" y="109410"/>
+            <a:ext cx="792000" cy="540000"/>
+          </a:xfrm>
+          <a:prstGeom prst="rect">
+            <a:avLst/>
+          </a:prstGeom>
+          <a:solidFill>
+            <a:schemeClr val="accent4">
+              <a:lumMod val="20000"/>
+              <a:lumOff val="80000"/>
+            </a:schemeClr>
+          </a:solidFill>
+          <a:ln>
+            <a:solidFill>
+              <a:schemeClr val="accent1">
+                <a:lumMod val="50000"/>
+              </a:schemeClr>
+            </a:solidFill>
+          </a:ln>
+        </p:spPr>
+        <p:style>
+          <a:lnRef idx="2">
+            <a:schemeClr val="accent1">
+              <a:shade val="50000"/>
+            </a:schemeClr>
+          </a:lnRef>
+          <a:fillRef idx="1">
+            <a:schemeClr val="accent1"/>
+          </a:fillRef>
+          <a:effectRef idx="0">
+            <a:schemeClr val="accent1"/>
+          </a:effectRef>
+          <a:fontRef idx="minor">
+            <a:schemeClr val="lt1"/>
+          </a:fontRef>
+        </p:style>
+        <p:txBody>
+          <a:bodyPr wrap="none" lIns="0" rIns="0" rtlCol="0" anchor="ctr"/>
+          <a:lstStyle/>
+          <a:p>
+            <a:pPr algn="ctr"/>
+            <a:r>
+              <a:rPr lang="en-AU" sz="2000" dirty="0" smtClean="0">
+                <a:solidFill>
+                  <a:schemeClr val="tx1"/>
+                </a:solidFill>
+              </a:rPr>
+              <a:t>Priority</a:t>
+            </a:r>
+          </a:p>
+          <a:p>
+            <a:pPr algn="ctr"/>
+            <a:r>
+              <a:rPr lang="en-AU" sz="2000" dirty="0">
+                <a:solidFill>
+                  <a:schemeClr val="tx1"/>
+                </a:solidFill>
+              </a:rPr>
+              <a:t>S</a:t>
+            </a:r>
+          </a:p>
+        </p:txBody>
+      </p:sp>
+      <p:sp>
+        <p:nvSpPr>
+          <p:cNvPr id="13" name="Rectangle 12"/>
+          <p:cNvSpPr/>
+          <p:nvPr/>
+        </p:nvSpPr>
+        <p:spPr>
+          <a:xfrm>
+            <a:off x="39153" y="5128590"/>
+            <a:ext cx="9828000" cy="1620000"/>
+          </a:xfrm>
+          <a:prstGeom prst="rect">
+            <a:avLst/>
+          </a:prstGeom>
+          <a:solidFill>
+            <a:schemeClr val="bg1"/>
+          </a:solidFill>
+          <a:ln>
+            <a:solidFill>
+              <a:schemeClr val="accent1">
+                <a:lumMod val="50000"/>
+              </a:schemeClr>
+            </a:solidFill>
+          </a:ln>
+        </p:spPr>
+        <p:style>
+          <a:lnRef idx="2">
+            <a:schemeClr val="accent1">
+              <a:shade val="50000"/>
+            </a:schemeClr>
+          </a:lnRef>
+          <a:fillRef idx="1">
+            <a:schemeClr val="accent1"/>
+          </a:fillRef>
+          <a:effectRef idx="0">
+            <a:schemeClr val="accent1"/>
+          </a:effectRef>
+          <a:fontRef idx="minor">
+            <a:schemeClr val="lt1"/>
+          </a:fontRef>
+        </p:style>
+        <p:txBody>
+          <a:bodyPr tIns="36000" rtlCol="0" anchor="t" anchorCtr="0"/>
+          <a:lstStyle/>
+          <a:p>
+            <a:r>
+              <a:rPr lang="en-AU" sz="2000" dirty="0" smtClean="0">
+                <a:solidFill>
+                  <a:schemeClr val="tx1"/>
+                </a:solidFill>
+              </a:rPr>
+              <a:t>Notes</a:t>
+            </a:r>
+          </a:p>
+          <a:p>
+            <a:pPr marL="342900" indent="-342900">
+              <a:buFont typeface="Arial" pitchFamily="34" charset="0"/>
+              <a:buChar char="•"/>
+            </a:pPr>
+            <a:r>
+              <a:rPr lang="en-AU" sz="2000" dirty="0" smtClean="0">
+                <a:solidFill>
+                  <a:schemeClr val="tx1"/>
+                </a:solidFill>
+              </a:rPr>
+              <a:t>CAPTCHA </a:t>
+            </a:r>
+            <a:r>
+              <a:rPr lang="en-AU" sz="2000" dirty="0" smtClean="0">
+                <a:solidFill>
+                  <a:schemeClr val="tx1"/>
+                </a:solidFill>
+              </a:rPr>
+              <a:t>system can </a:t>
+            </a:r>
+            <a:r>
+              <a:rPr lang="en-AU" sz="2000" dirty="0" smtClean="0">
+                <a:solidFill>
+                  <a:schemeClr val="tx1"/>
+                </a:solidFill>
+              </a:rPr>
+              <a:t>be used to prevent </a:t>
+            </a:r>
+            <a:r>
+              <a:rPr lang="en-AU" sz="2000" dirty="0" smtClean="0">
+                <a:solidFill>
+                  <a:schemeClr val="tx1"/>
+                </a:solidFill>
+              </a:rPr>
+              <a:t>spam reviews</a:t>
+            </a:r>
+          </a:p>
+          <a:p>
+            <a:pPr marL="342900" indent="-342900">
+              <a:buFont typeface="Arial" pitchFamily="34" charset="0"/>
+              <a:buChar char="•"/>
+            </a:pPr>
+            <a:r>
+              <a:rPr lang="en-AU" sz="2000" dirty="0" smtClean="0">
+                <a:solidFill>
+                  <a:schemeClr val="tx1"/>
+                </a:solidFill>
+              </a:rPr>
+              <a:t>Can use a template form and then define the fields (name, email, subject and message)</a:t>
+            </a:r>
+          </a:p>
+          <a:p>
+            <a:pPr marL="342900" indent="-342900">
+              <a:buFont typeface="Arial" pitchFamily="34" charset="0"/>
+              <a:buChar char="•"/>
+            </a:pPr>
+            <a:r>
+              <a:rPr lang="en-AU" sz="2000" dirty="0" smtClean="0">
+                <a:solidFill>
+                  <a:schemeClr val="tx1"/>
+                </a:solidFill>
+              </a:rPr>
+              <a:t>Fields can be obtained from </a:t>
+            </a:r>
+            <a:r>
+              <a:rPr lang="en-AU" sz="2000" dirty="0" err="1" smtClean="0">
+                <a:solidFill>
+                  <a:schemeClr val="tx1"/>
+                </a:solidFill>
+              </a:rPr>
+              <a:t>jjango</a:t>
+            </a:r>
+            <a:r>
+              <a:rPr lang="en-AU" sz="2000" dirty="0" smtClean="0">
+                <a:solidFill>
+                  <a:schemeClr val="tx1"/>
+                </a:solidFill>
+              </a:rPr>
+              <a:t> form fields documentation </a:t>
+            </a:r>
+            <a:endParaRPr lang="en-AU" sz="2000" dirty="0" smtClean="0">
               <a:solidFill>
                 <a:schemeClr val="tx1"/>
               </a:solidFill>
             </a:endParaRPr>
-          </a:p>
-        </p:txBody>
-      </p:sp>
-      <p:sp>
-        <p:nvSpPr>
-          <p:cNvPr id="12" name="Rectangle 11"/>
-          <p:cNvSpPr/>
-          <p:nvPr/>
-        </p:nvSpPr>
-        <p:spPr>
-          <a:xfrm>
-            <a:off x="8283153" y="109410"/>
-            <a:ext cx="792000" cy="540000"/>
-          </a:xfrm>
-          <a:prstGeom prst="rect">
-            <a:avLst/>
-          </a:prstGeom>
-          <a:solidFill>
-            <a:schemeClr val="accent4">
-              <a:lumMod val="20000"/>
-              <a:lumOff val="80000"/>
-            </a:schemeClr>
-          </a:solidFill>
-          <a:ln>
-            <a:solidFill>
-              <a:schemeClr val="accent1">
-                <a:lumMod val="50000"/>
-              </a:schemeClr>
-            </a:solidFill>
-          </a:ln>
-        </p:spPr>
-        <p:style>
-          <a:lnRef idx="2">
-            <a:schemeClr val="accent1">
-              <a:shade val="50000"/>
-            </a:schemeClr>
-          </a:lnRef>
-          <a:fillRef idx="1">
-            <a:schemeClr val="accent1"/>
-          </a:fillRef>
-          <a:effectRef idx="0">
-            <a:schemeClr val="accent1"/>
-          </a:effectRef>
-          <a:fontRef idx="minor">
-            <a:schemeClr val="lt1"/>
-          </a:fontRef>
-        </p:style>
-        <p:txBody>
-          <a:bodyPr wrap="none" lIns="0" rIns="0" rtlCol="0" anchor="ctr"/>
-          <a:lstStyle/>
-          <a:p>
-            <a:pPr algn="ctr"/>
-            <a:r>
-              <a:rPr lang="en-AU" sz="2000" dirty="0" smtClean="0">
-                <a:solidFill>
-                  <a:schemeClr val="tx1"/>
-                </a:solidFill>
-              </a:rPr>
-              <a:t>Priority</a:t>
-            </a:r>
-          </a:p>
-          <a:p>
-            <a:pPr algn="ctr"/>
-            <a:r>
-              <a:rPr lang="en-AU" sz="2000" dirty="0">
-                <a:solidFill>
-                  <a:schemeClr val="tx1"/>
-                </a:solidFill>
-              </a:rPr>
-              <a:t>S</a:t>
-            </a:r>
-            <a:endParaRPr lang="en-AU" sz="2000" dirty="0">
-              <a:solidFill>
-                <a:schemeClr val="tx1"/>
-              </a:solidFill>
-            </a:endParaRPr>
-          </a:p>
-        </p:txBody>
-      </p:sp>
-      <p:sp>
-        <p:nvSpPr>
-          <p:cNvPr id="13" name="Rectangle 12"/>
-          <p:cNvSpPr/>
-          <p:nvPr/>
-        </p:nvSpPr>
-        <p:spPr>
-          <a:xfrm>
-            <a:off x="39153" y="5128590"/>
-            <a:ext cx="9828000" cy="1620000"/>
-          </a:xfrm>
-          <a:prstGeom prst="rect">
-            <a:avLst/>
-          </a:prstGeom>
-          <a:solidFill>
-            <a:schemeClr val="bg1"/>
-          </a:solidFill>
-          <a:ln>
-            <a:solidFill>
-              <a:schemeClr val="accent1">
-                <a:lumMod val="50000"/>
-              </a:schemeClr>
-            </a:solidFill>
-          </a:ln>
-        </p:spPr>
-        <p:style>
-          <a:lnRef idx="2">
-            <a:schemeClr val="accent1">
-              <a:shade val="50000"/>
-            </a:schemeClr>
-          </a:lnRef>
-          <a:fillRef idx="1">
-            <a:schemeClr val="accent1"/>
-          </a:fillRef>
-          <a:effectRef idx="0">
-            <a:schemeClr val="accent1"/>
-          </a:effectRef>
-          <a:fontRef idx="minor">
-            <a:schemeClr val="lt1"/>
-          </a:fontRef>
-        </p:style>
-        <p:txBody>
-          <a:bodyPr tIns="36000" rtlCol="0" anchor="t" anchorCtr="0"/>
-          <a:lstStyle/>
-          <a:p>
-            <a:r>
-              <a:rPr lang="en-AU" sz="2000" dirty="0" smtClean="0">
-                <a:solidFill>
-                  <a:schemeClr val="tx1"/>
-                </a:solidFill>
-              </a:rPr>
-              <a:t>Notes</a:t>
-            </a:r>
-          </a:p>
-          <a:p>
-            <a:pPr marL="342900" indent="-342900">
-              <a:buFont typeface="Arial" pitchFamily="34" charset="0"/>
-              <a:buChar char="•"/>
-            </a:pPr>
-            <a:r>
-              <a:rPr lang="en-AU" sz="2000" dirty="0" err="1" smtClean="0">
-                <a:solidFill>
-                  <a:schemeClr val="tx1"/>
-                </a:solidFill>
-              </a:rPr>
-              <a:t>Captcha</a:t>
-            </a:r>
-            <a:r>
-              <a:rPr lang="en-AU" sz="2000" dirty="0" smtClean="0">
-                <a:solidFill>
-                  <a:schemeClr val="tx1"/>
-                </a:solidFill>
-              </a:rPr>
-              <a:t> service could be used to prevent spam </a:t>
-            </a:r>
           </a:p>
         </p:txBody>
       </p:sp>
@@ -12081,7 +12921,7 @@
                   <a:schemeClr val="tx1"/>
                 </a:solidFill>
               </a:rPr>
-              <a:t>As a user, I want to be able to access a ‘Frequently Asked Questions’ section so that I can easily view  common concerns, questions or objectives that users have.</a:t>
+              <a:t>As a user, I want to be able to access a ‘Frequently Asked Questions’ section so that I can explore common concerns, questions or objectives that users have.</a:t>
             </a:r>
           </a:p>
         </p:txBody>
@@ -12168,7 +13008,7 @@
                   <a:schemeClr val="tx1"/>
                 </a:solidFill>
               </a:rPr>
-              <a:t>Must organize questions based on user type</a:t>
+              <a:t>Must categorize questions based on user type</a:t>
             </a:r>
           </a:p>
           <a:p>
@@ -12356,67 +13196,117 @@
               </a:rPr>
               <a:t>S</a:t>
             </a:r>
-            <a:endParaRPr lang="en-AU" sz="2000" dirty="0">
+          </a:p>
+        </p:txBody>
+      </p:sp>
+      <p:sp>
+        <p:nvSpPr>
+          <p:cNvPr id="13" name="Rectangle 12"/>
+          <p:cNvSpPr/>
+          <p:nvPr/>
+        </p:nvSpPr>
+        <p:spPr>
+          <a:xfrm>
+            <a:off x="39153" y="5128590"/>
+            <a:ext cx="9828000" cy="1620000"/>
+          </a:xfrm>
+          <a:prstGeom prst="rect">
+            <a:avLst/>
+          </a:prstGeom>
+          <a:solidFill>
+            <a:schemeClr val="bg1"/>
+          </a:solidFill>
+          <a:ln>
+            <a:solidFill>
+              <a:schemeClr val="accent1">
+                <a:lumMod val="50000"/>
+              </a:schemeClr>
+            </a:solidFill>
+          </a:ln>
+        </p:spPr>
+        <p:style>
+          <a:lnRef idx="2">
+            <a:schemeClr val="accent1">
+              <a:shade val="50000"/>
+            </a:schemeClr>
+          </a:lnRef>
+          <a:fillRef idx="1">
+            <a:schemeClr val="accent1"/>
+          </a:fillRef>
+          <a:effectRef idx="0">
+            <a:schemeClr val="accent1"/>
+          </a:effectRef>
+          <a:fontRef idx="minor">
+            <a:schemeClr val="lt1"/>
+          </a:fontRef>
+        </p:style>
+        <p:txBody>
+          <a:bodyPr tIns="36000" rtlCol="0" anchor="t" anchorCtr="0"/>
+          <a:lstStyle/>
+          <a:p>
+            <a:r>
+              <a:rPr lang="en-AU" sz="2000" dirty="0" smtClean="0">
+                <a:solidFill>
+                  <a:schemeClr val="tx1"/>
+                </a:solidFill>
+              </a:rPr>
+              <a:t>Notes</a:t>
+            </a:r>
+          </a:p>
+          <a:p>
+            <a:pPr marL="342900" indent="-342900">
+              <a:buFont typeface="Arial" pitchFamily="34" charset="0"/>
+              <a:buChar char="•"/>
+            </a:pPr>
+            <a:r>
+              <a:rPr lang="en-AU" sz="2000" dirty="0" smtClean="0">
+                <a:solidFill>
+                  <a:schemeClr val="tx1"/>
+                </a:solidFill>
+              </a:rPr>
+              <a:t>FAQ page could also have a search </a:t>
+            </a:r>
+            <a:r>
+              <a:rPr lang="en-AU" sz="2000" dirty="0" smtClean="0">
+                <a:solidFill>
+                  <a:schemeClr val="tx1"/>
+                </a:solidFill>
+              </a:rPr>
+              <a:t>feature</a:t>
+            </a:r>
+          </a:p>
+          <a:p>
+            <a:pPr marL="342900" indent="-342900">
+              <a:buFont typeface="Arial" pitchFamily="34" charset="0"/>
+              <a:buChar char="•"/>
+            </a:pPr>
+            <a:r>
+              <a:rPr lang="en-AU" sz="2000" dirty="0" smtClean="0">
+                <a:solidFill>
+                  <a:schemeClr val="tx1"/>
+                </a:solidFill>
+              </a:rPr>
+              <a:t>Should avoid repeating HTML code for each Q and A</a:t>
+            </a:r>
+          </a:p>
+          <a:p>
+            <a:pPr marL="342900" indent="-342900">
+              <a:buFont typeface="Arial" pitchFamily="34" charset="0"/>
+              <a:buChar char="•"/>
+            </a:pPr>
+            <a:r>
+              <a:rPr lang="en-AU" sz="2000" dirty="0" smtClean="0">
+                <a:solidFill>
+                  <a:schemeClr val="tx1"/>
+                </a:solidFill>
+              </a:rPr>
+              <a:t>Should be simple </a:t>
+            </a:r>
+            <a:endParaRPr lang="en-AU" sz="2000" dirty="0" smtClean="0">
               <a:solidFill>
                 <a:schemeClr val="tx1"/>
               </a:solidFill>
             </a:endParaRPr>
-          </a:p>
-        </p:txBody>
-      </p:sp>
-      <p:sp>
-        <p:nvSpPr>
-          <p:cNvPr id="13" name="Rectangle 12"/>
-          <p:cNvSpPr/>
-          <p:nvPr/>
-        </p:nvSpPr>
-        <p:spPr>
-          <a:xfrm>
-            <a:off x="39153" y="5128590"/>
-            <a:ext cx="9828000" cy="1620000"/>
-          </a:xfrm>
-          <a:prstGeom prst="rect">
-            <a:avLst/>
-          </a:prstGeom>
-          <a:solidFill>
-            <a:schemeClr val="bg1"/>
-          </a:solidFill>
-          <a:ln>
-            <a:solidFill>
-              <a:schemeClr val="accent1">
-                <a:lumMod val="50000"/>
-              </a:schemeClr>
-            </a:solidFill>
-          </a:ln>
-        </p:spPr>
-        <p:style>
-          <a:lnRef idx="2">
-            <a:schemeClr val="accent1">
-              <a:shade val="50000"/>
-            </a:schemeClr>
-          </a:lnRef>
-          <a:fillRef idx="1">
-            <a:schemeClr val="accent1"/>
-          </a:fillRef>
-          <a:effectRef idx="0">
-            <a:schemeClr val="accent1"/>
-          </a:effectRef>
-          <a:fontRef idx="minor">
-            <a:schemeClr val="lt1"/>
-          </a:fontRef>
-        </p:style>
-        <p:txBody>
-          <a:bodyPr tIns="36000" rtlCol="0" anchor="t" anchorCtr="0"/>
-          <a:lstStyle/>
-          <a:p>
-            <a:r>
-              <a:rPr lang="en-AU" sz="2000" dirty="0" smtClean="0">
-                <a:solidFill>
-                  <a:schemeClr val="tx1"/>
-                </a:solidFill>
-              </a:rPr>
-              <a:t>Notes</a:t>
-            </a:r>
           </a:p>
         </p:txBody>
       </p:sp>
@@ -12620,7 +13510,7 @@
                   <a:schemeClr val="tx1"/>
                 </a:solidFill>
               </a:rPr>
-              <a:t>As an admin, I want to be able to implement social media widgets to the system so that I can promote the service.</a:t>
+              <a:t>As an admin, I want to be able to implement social media plugins to the system so that I can promote the service.</a:t>
             </a:r>
           </a:p>
         </p:txBody>
@@ -12693,7 +13583,7 @@
                   <a:schemeClr val="tx1"/>
                 </a:solidFill>
               </a:rPr>
-              <a:t>Must provide sharing links</a:t>
+              <a:t>Must provide social media sharing links</a:t>
             </a:r>
           </a:p>
           <a:p>
@@ -12721,7 +13611,7 @@
                   <a:schemeClr val="tx1"/>
                 </a:solidFill>
               </a:rPr>
-              <a:t>Must support Facebook, Twitter, LinkedIn</a:t>
+              <a:t>Must support Facebook, Twitter, Google+ and LinkedIn</a:t>
             </a:r>
           </a:p>
           <a:p>
@@ -12909,67 +13799,124 @@
               </a:rPr>
               <a:t>C</a:t>
             </a:r>
-            <a:endParaRPr lang="en-AU" sz="2000" dirty="0">
+          </a:p>
+        </p:txBody>
+      </p:sp>
+      <p:sp>
+        <p:nvSpPr>
+          <p:cNvPr id="13" name="Rectangle 12"/>
+          <p:cNvSpPr/>
+          <p:nvPr/>
+        </p:nvSpPr>
+        <p:spPr>
+          <a:xfrm>
+            <a:off x="39153" y="5128590"/>
+            <a:ext cx="9828000" cy="1620000"/>
+          </a:xfrm>
+          <a:prstGeom prst="rect">
+            <a:avLst/>
+          </a:prstGeom>
+          <a:solidFill>
+            <a:schemeClr val="bg1"/>
+          </a:solidFill>
+          <a:ln>
+            <a:solidFill>
+              <a:schemeClr val="accent1">
+                <a:lumMod val="50000"/>
+              </a:schemeClr>
+            </a:solidFill>
+          </a:ln>
+        </p:spPr>
+        <p:style>
+          <a:lnRef idx="2">
+            <a:schemeClr val="accent1">
+              <a:shade val="50000"/>
+            </a:schemeClr>
+          </a:lnRef>
+          <a:fillRef idx="1">
+            <a:schemeClr val="accent1"/>
+          </a:fillRef>
+          <a:effectRef idx="0">
+            <a:schemeClr val="accent1"/>
+          </a:effectRef>
+          <a:fontRef idx="minor">
+            <a:schemeClr val="lt1"/>
+          </a:fontRef>
+        </p:style>
+        <p:txBody>
+          <a:bodyPr tIns="36000" rtlCol="0" anchor="t" anchorCtr="0"/>
+          <a:lstStyle/>
+          <a:p>
+            <a:r>
+              <a:rPr lang="en-AU" sz="2000" dirty="0" smtClean="0">
+                <a:solidFill>
+                  <a:schemeClr val="tx1"/>
+                </a:solidFill>
+              </a:rPr>
+              <a:t>Notes</a:t>
+            </a:r>
+          </a:p>
+          <a:p>
+            <a:pPr marL="342900" indent="-342900">
+              <a:buFont typeface="Arial" pitchFamily="34" charset="0"/>
+              <a:buChar char="•"/>
+            </a:pPr>
+            <a:r>
+              <a:rPr lang="en-AU" sz="2000" dirty="0" smtClean="0">
+                <a:solidFill>
+                  <a:schemeClr val="tx1"/>
+                </a:solidFill>
+              </a:rPr>
+              <a:t>Users should be able to share information regarding a specific </a:t>
+            </a:r>
+            <a:r>
+              <a:rPr lang="en-AU" sz="2000" dirty="0" smtClean="0">
+                <a:solidFill>
+                  <a:schemeClr val="tx1"/>
+                </a:solidFill>
+              </a:rPr>
+              <a:t>location</a:t>
+            </a:r>
+          </a:p>
+          <a:p>
+            <a:pPr marL="342900" indent="-342900">
+              <a:buFont typeface="Arial" pitchFamily="34" charset="0"/>
+              <a:buChar char="•"/>
+            </a:pPr>
+            <a:r>
+              <a:rPr lang="en-AU" sz="2000" dirty="0" smtClean="0">
+                <a:solidFill>
+                  <a:schemeClr val="tx1"/>
+                </a:solidFill>
+              </a:rPr>
+              <a:t>Social buttons can be displayed at bottom</a:t>
+            </a:r>
+          </a:p>
+          <a:p>
+            <a:pPr marL="342900" indent="-342900">
+              <a:buFont typeface="Arial" pitchFamily="34" charset="0"/>
+              <a:buChar char="•"/>
+            </a:pPr>
+            <a:r>
+              <a:rPr lang="en-AU" sz="2000" dirty="0" smtClean="0">
+                <a:solidFill>
+                  <a:schemeClr val="tx1"/>
+                </a:solidFill>
+              </a:rPr>
+              <a:t>Code modules obtained from social media website</a:t>
+            </a:r>
+            <a:endParaRPr lang="en-AU" sz="2000" dirty="0" smtClean="0">
               <a:solidFill>
                 <a:schemeClr val="tx1"/>
               </a:solidFill>
             </a:endParaRPr>
           </a:p>
-        </p:txBody>
-      </p:sp>
-      <p:sp>
-        <p:nvSpPr>
-          <p:cNvPr id="13" name="Rectangle 12"/>
-          <p:cNvSpPr/>
-          <p:nvPr/>
-        </p:nvSpPr>
-        <p:spPr>
-          <a:xfrm>
-            <a:off x="39153" y="5128590"/>
-            <a:ext cx="9828000" cy="1620000"/>
-          </a:xfrm>
-          <a:prstGeom prst="rect">
-            <a:avLst/>
-          </a:prstGeom>
-          <a:solidFill>
-            <a:schemeClr val="bg1"/>
-          </a:solidFill>
-          <a:ln>
-            <a:solidFill>
-              <a:schemeClr val="accent1">
-                <a:lumMod val="50000"/>
-              </a:schemeClr>
-            </a:solidFill>
-          </a:ln>
-        </p:spPr>
-        <p:style>
-          <a:lnRef idx="2">
-            <a:schemeClr val="accent1">
-              <a:shade val="50000"/>
-            </a:schemeClr>
-          </a:lnRef>
-          <a:fillRef idx="1">
-            <a:schemeClr val="accent1"/>
-          </a:fillRef>
-          <a:effectRef idx="0">
-            <a:schemeClr val="accent1"/>
-          </a:effectRef>
-          <a:fontRef idx="minor">
-            <a:schemeClr val="lt1"/>
-          </a:fontRef>
-        </p:style>
-        <p:txBody>
-          <a:bodyPr tIns="36000" rtlCol="0" anchor="t" anchorCtr="0"/>
-          <a:lstStyle/>
-          <a:p>
-            <a:r>
-              <a:rPr lang="en-AU" sz="2000" dirty="0" smtClean="0">
-                <a:solidFill>
-                  <a:schemeClr val="tx1"/>
-                </a:solidFill>
-              </a:rPr>
-              <a:t>Notes</a:t>
-            </a:r>
+          <a:p>
+            <a:endParaRPr lang="en-AU" sz="2000" dirty="0" smtClean="0">
+              <a:solidFill>
+                <a:schemeClr val="tx1"/>
+              </a:solidFill>
+            </a:endParaRPr>
           </a:p>
         </p:txBody>
       </p:sp>
@@ -13181,7 +14128,7 @@
                   <a:schemeClr val="tx1"/>
                 </a:solidFill>
               </a:rPr>
-              <a:t>access a mobile-ready version of the service on my mobile device so </a:t>
+              <a:t>access a mobile-ready version of the service so </a:t>
             </a:r>
             <a:r>
               <a:rPr lang="en-AU" sz="2400" dirty="0">
@@ -13197,7 +14144,7 @@
                   <a:schemeClr val="tx1"/>
                 </a:solidFill>
               </a:rPr>
-              <a:t>can easily navigate through the system</a:t>
+              <a:t>can navigate through the system on my smart phone.</a:t>
             </a:r>
             <a:endParaRPr lang="en-AU" sz="2400" dirty="0">
               <a:solidFill>
@@ -13453,143 +14400,182 @@
               </a:rPr>
               <a:t>8</a:t>
             </a:r>
-            <a:endParaRPr lang="en-AU" sz="1200" dirty="0">
+          </a:p>
+        </p:txBody>
+      </p:sp>
+      <p:sp>
+        <p:nvSpPr>
+          <p:cNvPr id="12" name="Rectangle 11"/>
+          <p:cNvSpPr/>
+          <p:nvPr/>
+        </p:nvSpPr>
+        <p:spPr>
+          <a:xfrm>
+            <a:off x="8283153" y="109410"/>
+            <a:ext cx="792000" cy="540000"/>
+          </a:xfrm>
+          <a:prstGeom prst="rect">
+            <a:avLst/>
+          </a:prstGeom>
+          <a:solidFill>
+            <a:schemeClr val="accent4">
+              <a:lumMod val="20000"/>
+              <a:lumOff val="80000"/>
+            </a:schemeClr>
+          </a:solidFill>
+          <a:ln>
+            <a:solidFill>
+              <a:schemeClr val="accent1">
+                <a:lumMod val="50000"/>
+              </a:schemeClr>
+            </a:solidFill>
+          </a:ln>
+        </p:spPr>
+        <p:style>
+          <a:lnRef idx="2">
+            <a:schemeClr val="accent1">
+              <a:shade val="50000"/>
+            </a:schemeClr>
+          </a:lnRef>
+          <a:fillRef idx="1">
+            <a:schemeClr val="accent1"/>
+          </a:fillRef>
+          <a:effectRef idx="0">
+            <a:schemeClr val="accent1"/>
+          </a:effectRef>
+          <a:fontRef idx="minor">
+            <a:schemeClr val="lt1"/>
+          </a:fontRef>
+        </p:style>
+        <p:txBody>
+          <a:bodyPr wrap="none" lIns="0" rIns="0" rtlCol="0" anchor="ctr"/>
+          <a:lstStyle/>
+          <a:p>
+            <a:pPr algn="ctr"/>
+            <a:r>
+              <a:rPr lang="en-AU" sz="2000" dirty="0" smtClean="0">
+                <a:solidFill>
+                  <a:schemeClr val="tx1"/>
+                </a:solidFill>
+              </a:rPr>
+              <a:t>Priority</a:t>
+            </a:r>
+          </a:p>
+          <a:p>
+            <a:pPr algn="ctr"/>
+            <a:r>
+              <a:rPr lang="en-AU" sz="2000" dirty="0">
+                <a:solidFill>
+                  <a:schemeClr val="tx1"/>
+                </a:solidFill>
+              </a:rPr>
+              <a:t>S</a:t>
+            </a:r>
+          </a:p>
+        </p:txBody>
+      </p:sp>
+      <p:sp>
+        <p:nvSpPr>
+          <p:cNvPr id="13" name="Rectangle 12"/>
+          <p:cNvSpPr/>
+          <p:nvPr/>
+        </p:nvSpPr>
+        <p:spPr>
+          <a:xfrm>
+            <a:off x="39153" y="5128590"/>
+            <a:ext cx="9828000" cy="1620000"/>
+          </a:xfrm>
+          <a:prstGeom prst="rect">
+            <a:avLst/>
+          </a:prstGeom>
+          <a:solidFill>
+            <a:schemeClr val="bg1"/>
+          </a:solidFill>
+          <a:ln>
+            <a:solidFill>
+              <a:schemeClr val="accent1">
+                <a:lumMod val="50000"/>
+              </a:schemeClr>
+            </a:solidFill>
+          </a:ln>
+        </p:spPr>
+        <p:style>
+          <a:lnRef idx="2">
+            <a:schemeClr val="accent1">
+              <a:shade val="50000"/>
+            </a:schemeClr>
+          </a:lnRef>
+          <a:fillRef idx="1">
+            <a:schemeClr val="accent1"/>
+          </a:fillRef>
+          <a:effectRef idx="0">
+            <a:schemeClr val="accent1"/>
+          </a:effectRef>
+          <a:fontRef idx="minor">
+            <a:schemeClr val="lt1"/>
+          </a:fontRef>
+        </p:style>
+        <p:txBody>
+          <a:bodyPr tIns="36000" rtlCol="0" anchor="t" anchorCtr="0"/>
+          <a:lstStyle/>
+          <a:p>
+            <a:r>
+              <a:rPr lang="en-AU" sz="2000" dirty="0" smtClean="0">
+                <a:solidFill>
+                  <a:schemeClr val="tx1"/>
+                </a:solidFill>
+              </a:rPr>
+              <a:t>Notes</a:t>
+            </a:r>
+          </a:p>
+          <a:p>
+            <a:pPr marL="342900" indent="-342900">
+              <a:buFont typeface="Arial" pitchFamily="34" charset="0"/>
+              <a:buChar char="•"/>
+            </a:pPr>
+            <a:r>
+              <a:rPr lang="en-AU" sz="2000" dirty="0" smtClean="0">
+                <a:solidFill>
+                  <a:schemeClr val="tx1"/>
+                </a:solidFill>
+              </a:rPr>
+              <a:t>Can create a mobile-specific version of the system </a:t>
+            </a:r>
+          </a:p>
+          <a:p>
+            <a:pPr marL="342900" indent="-342900">
+              <a:buFont typeface="Arial" pitchFamily="34" charset="0"/>
+              <a:buChar char="•"/>
+            </a:pPr>
+            <a:r>
+              <a:rPr lang="en-AU" sz="2000" dirty="0" smtClean="0">
+                <a:solidFill>
+                  <a:schemeClr val="tx1"/>
+                </a:solidFill>
+              </a:rPr>
+              <a:t>Can also re-build the system onto a responsive </a:t>
+            </a:r>
+            <a:r>
+              <a:rPr lang="en-AU" sz="2000" dirty="0" smtClean="0">
+                <a:solidFill>
+                  <a:schemeClr val="tx1"/>
+                </a:solidFill>
+              </a:rPr>
+              <a:t>framework (more costl</a:t>
+            </a:r>
+            <a:r>
+              <a:rPr lang="en-AU" sz="2000" dirty="0" smtClean="0">
+                <a:solidFill>
+                  <a:schemeClr val="tx1"/>
+                </a:solidFill>
+              </a:rPr>
+              <a:t>y)</a:t>
+            </a:r>
+            <a:endParaRPr lang="en-AU" sz="2000" dirty="0" smtClean="0">
               <a:solidFill>
                 <a:schemeClr val="tx1"/>
               </a:solidFill>
             </a:endParaRPr>
-          </a:p>
-        </p:txBody>
-      </p:sp>
-      <p:sp>
-        <p:nvSpPr>
-          <p:cNvPr id="12" name="Rectangle 11"/>
-          <p:cNvSpPr/>
-          <p:nvPr/>
-        </p:nvSpPr>
-        <p:spPr>
-          <a:xfrm>
-            <a:off x="8283153" y="109410"/>
-            <a:ext cx="792000" cy="540000"/>
-          </a:xfrm>
-          <a:prstGeom prst="rect">
-            <a:avLst/>
-          </a:prstGeom>
-          <a:solidFill>
-            <a:schemeClr val="accent4">
-              <a:lumMod val="20000"/>
-              <a:lumOff val="80000"/>
-            </a:schemeClr>
-          </a:solidFill>
-          <a:ln>
-            <a:solidFill>
-              <a:schemeClr val="accent1">
-                <a:lumMod val="50000"/>
-              </a:schemeClr>
-            </a:solidFill>
-          </a:ln>
-        </p:spPr>
-        <p:style>
-          <a:lnRef idx="2">
-            <a:schemeClr val="accent1">
-              <a:shade val="50000"/>
-            </a:schemeClr>
-          </a:lnRef>
-          <a:fillRef idx="1">
-            <a:schemeClr val="accent1"/>
-          </a:fillRef>
-          <a:effectRef idx="0">
-            <a:schemeClr val="accent1"/>
-          </a:effectRef>
-          <a:fontRef idx="minor">
-            <a:schemeClr val="lt1"/>
-          </a:fontRef>
-        </p:style>
-        <p:txBody>
-          <a:bodyPr wrap="none" lIns="0" rIns="0" rtlCol="0" anchor="ctr"/>
-          <a:lstStyle/>
-          <a:p>
-            <a:pPr algn="ctr"/>
-            <a:r>
-              <a:rPr lang="en-AU" sz="2000" dirty="0" smtClean="0">
-                <a:solidFill>
-                  <a:schemeClr val="tx1"/>
-                </a:solidFill>
-              </a:rPr>
-              <a:t>Priority</a:t>
-            </a:r>
-          </a:p>
-          <a:p>
-            <a:pPr algn="ctr"/>
-            <a:r>
-              <a:rPr lang="en-AU" sz="2000" dirty="0">
-                <a:solidFill>
-                  <a:schemeClr val="tx1"/>
-                </a:solidFill>
-              </a:rPr>
-              <a:t>S</a:t>
-            </a:r>
-            <a:endParaRPr lang="en-AU" sz="2000" dirty="0">
-              <a:solidFill>
-                <a:schemeClr val="tx1"/>
-              </a:solidFill>
-            </a:endParaRPr>
-          </a:p>
-        </p:txBody>
-      </p:sp>
-      <p:sp>
-        <p:nvSpPr>
-          <p:cNvPr id="13" name="Rectangle 12"/>
-          <p:cNvSpPr/>
-          <p:nvPr/>
-        </p:nvSpPr>
-        <p:spPr>
-          <a:xfrm>
-            <a:off x="39153" y="5128590"/>
-            <a:ext cx="9828000" cy="1620000"/>
-          </a:xfrm>
-          <a:prstGeom prst="rect">
-            <a:avLst/>
-          </a:prstGeom>
-          <a:solidFill>
-            <a:schemeClr val="bg1"/>
-          </a:solidFill>
-          <a:ln>
-            <a:solidFill>
-              <a:schemeClr val="accent1">
-                <a:lumMod val="50000"/>
-              </a:schemeClr>
-            </a:solidFill>
-          </a:ln>
-        </p:spPr>
-        <p:style>
-          <a:lnRef idx="2">
-            <a:schemeClr val="accent1">
-              <a:shade val="50000"/>
-            </a:schemeClr>
-          </a:lnRef>
-          <a:fillRef idx="1">
-            <a:schemeClr val="accent1"/>
-          </a:fillRef>
-          <a:effectRef idx="0">
-            <a:schemeClr val="accent1"/>
-          </a:effectRef>
-          <a:fontRef idx="minor">
-            <a:schemeClr val="lt1"/>
-          </a:fontRef>
-        </p:style>
-        <p:txBody>
-          <a:bodyPr tIns="36000" rtlCol="0" anchor="t" anchorCtr="0"/>
-          <a:lstStyle/>
-          <a:p>
-            <a:r>
-              <a:rPr lang="en-AU" sz="2000" dirty="0" smtClean="0">
-                <a:solidFill>
-                  <a:schemeClr val="tx1"/>
-                </a:solidFill>
-              </a:rPr>
-              <a:t>Notes</a:t>
-            </a:r>
           </a:p>
         </p:txBody>
       </p:sp>
@@ -14030,143 +15016,206 @@
               </a:rPr>
               <a:t>4</a:t>
             </a:r>
-            <a:endParaRPr lang="en-AU" sz="1200" dirty="0">
+          </a:p>
+        </p:txBody>
+      </p:sp>
+      <p:sp>
+        <p:nvSpPr>
+          <p:cNvPr id="12" name="Rectangle 11"/>
+          <p:cNvSpPr/>
+          <p:nvPr/>
+        </p:nvSpPr>
+        <p:spPr>
+          <a:xfrm>
+            <a:off x="8283153" y="109410"/>
+            <a:ext cx="792000" cy="540000"/>
+          </a:xfrm>
+          <a:prstGeom prst="rect">
+            <a:avLst/>
+          </a:prstGeom>
+          <a:solidFill>
+            <a:schemeClr val="accent4">
+              <a:lumMod val="20000"/>
+              <a:lumOff val="80000"/>
+            </a:schemeClr>
+          </a:solidFill>
+          <a:ln>
+            <a:solidFill>
+              <a:schemeClr val="accent1">
+                <a:lumMod val="50000"/>
+              </a:schemeClr>
+            </a:solidFill>
+          </a:ln>
+        </p:spPr>
+        <p:style>
+          <a:lnRef idx="2">
+            <a:schemeClr val="accent1">
+              <a:shade val="50000"/>
+            </a:schemeClr>
+          </a:lnRef>
+          <a:fillRef idx="1">
+            <a:schemeClr val="accent1"/>
+          </a:fillRef>
+          <a:effectRef idx="0">
+            <a:schemeClr val="accent1"/>
+          </a:effectRef>
+          <a:fontRef idx="minor">
+            <a:schemeClr val="lt1"/>
+          </a:fontRef>
+        </p:style>
+        <p:txBody>
+          <a:bodyPr wrap="none" lIns="0" rIns="0" rtlCol="0" anchor="ctr"/>
+          <a:lstStyle/>
+          <a:p>
+            <a:pPr algn="ctr"/>
+            <a:r>
+              <a:rPr lang="en-AU" sz="2000" dirty="0" smtClean="0">
+                <a:solidFill>
+                  <a:schemeClr val="tx1"/>
+                </a:solidFill>
+              </a:rPr>
+              <a:t>Priority</a:t>
+            </a:r>
+          </a:p>
+          <a:p>
+            <a:pPr algn="ctr"/>
+            <a:r>
+              <a:rPr lang="en-AU" sz="2000" dirty="0">
+                <a:solidFill>
+                  <a:schemeClr val="tx1"/>
+                </a:solidFill>
+              </a:rPr>
+              <a:t>C</a:t>
+            </a:r>
+          </a:p>
+        </p:txBody>
+      </p:sp>
+      <p:sp>
+        <p:nvSpPr>
+          <p:cNvPr id="13" name="Rectangle 12"/>
+          <p:cNvSpPr/>
+          <p:nvPr/>
+        </p:nvSpPr>
+        <p:spPr>
+          <a:xfrm>
+            <a:off x="39153" y="5128590"/>
+            <a:ext cx="9828000" cy="1620000"/>
+          </a:xfrm>
+          <a:prstGeom prst="rect">
+            <a:avLst/>
+          </a:prstGeom>
+          <a:solidFill>
+            <a:schemeClr val="bg1"/>
+          </a:solidFill>
+          <a:ln>
+            <a:solidFill>
+              <a:schemeClr val="accent1">
+                <a:lumMod val="50000"/>
+              </a:schemeClr>
+            </a:solidFill>
+          </a:ln>
+        </p:spPr>
+        <p:style>
+          <a:lnRef idx="2">
+            <a:schemeClr val="accent1">
+              <a:shade val="50000"/>
+            </a:schemeClr>
+          </a:lnRef>
+          <a:fillRef idx="1">
+            <a:schemeClr val="accent1"/>
+          </a:fillRef>
+          <a:effectRef idx="0">
+            <a:schemeClr val="accent1"/>
+          </a:effectRef>
+          <a:fontRef idx="minor">
+            <a:schemeClr val="lt1"/>
+          </a:fontRef>
+        </p:style>
+        <p:txBody>
+          <a:bodyPr tIns="36000" rtlCol="0" anchor="t" anchorCtr="0"/>
+          <a:lstStyle/>
+          <a:p>
+            <a:r>
+              <a:rPr lang="en-AU" sz="2000" dirty="0" smtClean="0">
+                <a:solidFill>
+                  <a:schemeClr val="tx1"/>
+                </a:solidFill>
+              </a:rPr>
+              <a:t>Notes</a:t>
+            </a:r>
+          </a:p>
+          <a:p>
+            <a:pPr marL="342900" indent="-342900">
+              <a:buFont typeface="Arial" pitchFamily="34" charset="0"/>
+              <a:buChar char="•"/>
+            </a:pPr>
+            <a:r>
+              <a:rPr lang="en-AU" sz="2000" dirty="0" smtClean="0">
+                <a:solidFill>
+                  <a:schemeClr val="tx1"/>
+                </a:solidFill>
+              </a:rPr>
+              <a:t>Can limit </a:t>
+            </a:r>
+            <a:r>
+              <a:rPr lang="en-AU" sz="2000" dirty="0" smtClean="0">
+                <a:solidFill>
+                  <a:schemeClr val="tx1"/>
+                </a:solidFill>
+              </a:rPr>
+              <a:t>feature to one review per account for that specific </a:t>
+            </a:r>
+            <a:r>
+              <a:rPr lang="en-AU" sz="2000" dirty="0" smtClean="0">
+                <a:solidFill>
+                  <a:schemeClr val="tx1"/>
+                </a:solidFill>
+              </a:rPr>
+              <a:t>location to prevent duplicate reviews </a:t>
+            </a:r>
+          </a:p>
+          <a:p>
+            <a:pPr marL="342900" indent="-342900">
+              <a:buFont typeface="Arial" pitchFamily="34" charset="0"/>
+              <a:buChar char="•"/>
+            </a:pPr>
+            <a:r>
+              <a:rPr lang="en-AU" sz="2000" dirty="0" smtClean="0">
+                <a:solidFill>
+                  <a:schemeClr val="tx1"/>
+                </a:solidFill>
+              </a:rPr>
+              <a:t>Can use </a:t>
+            </a:r>
+            <a:r>
+              <a:rPr lang="en-AU" sz="2000" dirty="0" err="1" smtClean="0">
+                <a:solidFill>
+                  <a:schemeClr val="tx1"/>
+                </a:solidFill>
+              </a:rPr>
+              <a:t>django</a:t>
+            </a:r>
+            <a:r>
+              <a:rPr lang="en-AU" sz="2000" dirty="0">
+                <a:solidFill>
+                  <a:schemeClr val="tx1"/>
+                </a:solidFill>
+              </a:rPr>
+              <a:t>-</a:t>
+            </a:r>
+            <a:r>
+              <a:rPr lang="en-AU" sz="2000" dirty="0" smtClean="0">
+                <a:solidFill>
+                  <a:schemeClr val="tx1"/>
+                </a:solidFill>
+              </a:rPr>
+              <a:t>rating apps </a:t>
+            </a:r>
+            <a:endParaRPr lang="en-AU" sz="2000" dirty="0" smtClean="0">
               <a:solidFill>
                 <a:schemeClr val="tx1"/>
               </a:solidFill>
             </a:endParaRPr>
-          </a:p>
-        </p:txBody>
-      </p:sp>
-      <p:sp>
-        <p:nvSpPr>
-          <p:cNvPr id="12" name="Rectangle 11"/>
-          <p:cNvSpPr/>
-          <p:nvPr/>
-        </p:nvSpPr>
-        <p:spPr>
-          <a:xfrm>
-            <a:off x="8283153" y="109410"/>
-            <a:ext cx="792000" cy="540000"/>
-          </a:xfrm>
-          <a:prstGeom prst="rect">
-            <a:avLst/>
-          </a:prstGeom>
-          <a:solidFill>
-            <a:schemeClr val="accent4">
-              <a:lumMod val="20000"/>
-              <a:lumOff val="80000"/>
-            </a:schemeClr>
-          </a:solidFill>
-          <a:ln>
-            <a:solidFill>
-              <a:schemeClr val="accent1">
-                <a:lumMod val="50000"/>
-              </a:schemeClr>
-            </a:solidFill>
-          </a:ln>
-        </p:spPr>
-        <p:style>
-          <a:lnRef idx="2">
-            <a:schemeClr val="accent1">
-              <a:shade val="50000"/>
-            </a:schemeClr>
-          </a:lnRef>
-          <a:fillRef idx="1">
-            <a:schemeClr val="accent1"/>
-          </a:fillRef>
-          <a:effectRef idx="0">
-            <a:schemeClr val="accent1"/>
-          </a:effectRef>
-          <a:fontRef idx="minor">
-            <a:schemeClr val="lt1"/>
-          </a:fontRef>
-        </p:style>
-        <p:txBody>
-          <a:bodyPr wrap="none" lIns="0" rIns="0" rtlCol="0" anchor="ctr"/>
-          <a:lstStyle/>
-          <a:p>
-            <a:pPr algn="ctr"/>
-            <a:r>
-              <a:rPr lang="en-AU" sz="2000" dirty="0" smtClean="0">
-                <a:solidFill>
-                  <a:schemeClr val="tx1"/>
-                </a:solidFill>
-              </a:rPr>
-              <a:t>Priority</a:t>
-            </a:r>
-          </a:p>
-          <a:p>
-            <a:pPr algn="ctr"/>
-            <a:r>
-              <a:rPr lang="en-AU" sz="2000" dirty="0">
-                <a:solidFill>
-                  <a:schemeClr val="tx1"/>
-                </a:solidFill>
-              </a:rPr>
-              <a:t>C</a:t>
-            </a:r>
-            <a:endParaRPr lang="en-AU" sz="2000" dirty="0">
-              <a:solidFill>
-                <a:schemeClr val="tx1"/>
-              </a:solidFill>
-            </a:endParaRPr>
-          </a:p>
-        </p:txBody>
-      </p:sp>
-      <p:sp>
-        <p:nvSpPr>
-          <p:cNvPr id="13" name="Rectangle 12"/>
-          <p:cNvSpPr/>
-          <p:nvPr/>
-        </p:nvSpPr>
-        <p:spPr>
-          <a:xfrm>
-            <a:off x="39153" y="5128590"/>
-            <a:ext cx="9828000" cy="1620000"/>
-          </a:xfrm>
-          <a:prstGeom prst="rect">
-            <a:avLst/>
-          </a:prstGeom>
-          <a:solidFill>
-            <a:schemeClr val="bg1"/>
-          </a:solidFill>
-          <a:ln>
-            <a:solidFill>
-              <a:schemeClr val="accent1">
-                <a:lumMod val="50000"/>
-              </a:schemeClr>
-            </a:solidFill>
-          </a:ln>
-        </p:spPr>
-        <p:style>
-          <a:lnRef idx="2">
-            <a:schemeClr val="accent1">
-              <a:shade val="50000"/>
-            </a:schemeClr>
-          </a:lnRef>
-          <a:fillRef idx="1">
-            <a:schemeClr val="accent1"/>
-          </a:fillRef>
-          <a:effectRef idx="0">
-            <a:schemeClr val="accent1"/>
-          </a:effectRef>
-          <a:fontRef idx="minor">
-            <a:schemeClr val="lt1"/>
-          </a:fontRef>
-        </p:style>
-        <p:txBody>
-          <a:bodyPr tIns="36000" rtlCol="0" anchor="t" anchorCtr="0"/>
-          <a:lstStyle/>
-          <a:p>
-            <a:r>
-              <a:rPr lang="en-AU" sz="2000" dirty="0" smtClean="0">
-                <a:solidFill>
-                  <a:schemeClr val="tx1"/>
-                </a:solidFill>
-              </a:rPr>
-              <a:t>Notes</a:t>
-            </a:r>
           </a:p>
         </p:txBody>
       </p:sp>
@@ -14383,7 +15432,7 @@
         </p:nvSpPr>
         <p:spPr>
           <a:xfrm>
-            <a:off x="39153" y="3335530"/>
+            <a:off x="40341" y="3335530"/>
             <a:ext cx="9828000" cy="1620000"/>
           </a:xfrm>
           <a:prstGeom prst="rect">
@@ -14471,7 +15520,7 @@
                   <a:schemeClr val="tx1"/>
                 </a:solidFill>
               </a:rPr>
-              <a:t>Should be capable of storing phone no., email and residential address</a:t>
+              <a:t>Must complete all mandatory fields (name, username, password)</a:t>
             </a:r>
           </a:p>
         </p:txBody>
@@ -14682,7 +15731,7 @@
                   <a:schemeClr val="tx1"/>
                 </a:solidFill>
               </a:rPr>
-              <a:t>Input details will be stored in the MySQL database</a:t>
+              <a:t>Registration form validation for mandatory fields can be used</a:t>
             </a:r>
           </a:p>
           <a:p>
@@ -14696,8 +15745,79 @@
                   <a:schemeClr val="tx1"/>
                 </a:solidFill>
               </a:rPr>
-              <a:t>Password will be encrypted</a:t>
-            </a:r>
+              <a:t>Input details will be stored in the MySQL database</a:t>
+            </a:r>
+          </a:p>
+          <a:p>
+            <a:pPr marL="179388" indent="-179388">
+              <a:buFont typeface="Arial" pitchFamily="34" charset="0"/>
+              <a:buChar char="•"/>
+            </a:pPr>
+            <a:r>
+              <a:rPr lang="en-AU" sz="2000" dirty="0" smtClean="0">
+                <a:solidFill>
+                  <a:schemeClr val="tx1"/>
+                </a:solidFill>
+              </a:rPr>
+              <a:t>Password can be encrypted </a:t>
+            </a:r>
+            <a:r>
+              <a:rPr lang="en-AU" sz="2000" dirty="0" smtClean="0">
+                <a:solidFill>
+                  <a:schemeClr val="tx1"/>
+                </a:solidFill>
+              </a:rPr>
+              <a:t>(should not be stored as RAW)</a:t>
+            </a:r>
+          </a:p>
+          <a:p>
+            <a:pPr marL="179388" indent="-179388">
+              <a:buFont typeface="Arial" pitchFamily="34" charset="0"/>
+              <a:buChar char="•"/>
+            </a:pPr>
+            <a:r>
+              <a:rPr lang="en-AU" sz="2000" dirty="0">
+                <a:solidFill>
+                  <a:schemeClr val="tx1"/>
+                </a:solidFill>
+              </a:rPr>
+              <a:t>Use </a:t>
+            </a:r>
+            <a:r>
+              <a:rPr lang="en-AU" sz="2000" dirty="0" err="1">
+                <a:solidFill>
+                  <a:schemeClr val="tx1"/>
+                </a:solidFill>
+              </a:rPr>
+              <a:t>django</a:t>
+            </a:r>
+            <a:r>
+              <a:rPr lang="en-AU" sz="2000" dirty="0">
+                <a:solidFill>
+                  <a:schemeClr val="tx1"/>
+                </a:solidFill>
+              </a:rPr>
+              <a:t> user authentication framework </a:t>
+            </a:r>
+            <a:r>
+              <a:rPr lang="en-AU" sz="2000" dirty="0" smtClean="0">
+                <a:solidFill>
+                  <a:schemeClr val="tx1"/>
+                </a:solidFill>
+              </a:rPr>
+              <a:t>to create user account</a:t>
+            </a:r>
+            <a:endParaRPr lang="en-AU" sz="2000" dirty="0">
+              <a:solidFill>
+                <a:schemeClr val="tx1"/>
+              </a:solidFill>
+            </a:endParaRPr>
+          </a:p>
+          <a:p>
+            <a:pPr marL="179388" indent="-179388">
+              <a:buFont typeface="Arial" pitchFamily="34" charset="0"/>
+              <a:buChar char="•"/>
+            </a:pPr>
             <a:endParaRPr lang="en-AU" sz="2000" dirty="0">
               <a:solidFill>
                 <a:schemeClr val="tx1"/>
@@ -15013,21 +16133,8 @@
                   <a:schemeClr val="tx1"/>
                 </a:solidFill>
               </a:rPr>
-              <a:t>Must censor profanities or racial </a:t>
-            </a:r>
-            <a:r>
-              <a:rPr lang="en-AU" sz="2000" dirty="0" smtClean="0">
-                <a:solidFill>
-                  <a:schemeClr val="tx1"/>
-                </a:solidFill>
-              </a:rPr>
-              <a:t>discussions</a:t>
-            </a:r>
-            <a:endParaRPr lang="en-AU" sz="2000" dirty="0" smtClean="0">
-              <a:solidFill>
-                <a:schemeClr val="tx1"/>
-              </a:solidFill>
-            </a:endParaRPr>
+              <a:t>Must censor profanities or racial discussions</a:t>
+            </a:r>
           </a:p>
           <a:p>
             <a:endParaRPr lang="en-AU" sz="2000" dirty="0" smtClean="0">
@@ -15145,143 +16252,187 @@
               </a:rPr>
               <a:t>4</a:t>
             </a:r>
-            <a:endParaRPr lang="en-AU" sz="1200" dirty="0">
+          </a:p>
+        </p:txBody>
+      </p:sp>
+      <p:sp>
+        <p:nvSpPr>
+          <p:cNvPr id="12" name="Rectangle 11"/>
+          <p:cNvSpPr/>
+          <p:nvPr/>
+        </p:nvSpPr>
+        <p:spPr>
+          <a:xfrm>
+            <a:off x="8283153" y="109410"/>
+            <a:ext cx="792000" cy="540000"/>
+          </a:xfrm>
+          <a:prstGeom prst="rect">
+            <a:avLst/>
+          </a:prstGeom>
+          <a:solidFill>
+            <a:schemeClr val="accent4">
+              <a:lumMod val="20000"/>
+              <a:lumOff val="80000"/>
+            </a:schemeClr>
+          </a:solidFill>
+          <a:ln>
+            <a:solidFill>
+              <a:schemeClr val="accent1">
+                <a:lumMod val="50000"/>
+              </a:schemeClr>
+            </a:solidFill>
+          </a:ln>
+        </p:spPr>
+        <p:style>
+          <a:lnRef idx="2">
+            <a:schemeClr val="accent1">
+              <a:shade val="50000"/>
+            </a:schemeClr>
+          </a:lnRef>
+          <a:fillRef idx="1">
+            <a:schemeClr val="accent1"/>
+          </a:fillRef>
+          <a:effectRef idx="0">
+            <a:schemeClr val="accent1"/>
+          </a:effectRef>
+          <a:fontRef idx="minor">
+            <a:schemeClr val="lt1"/>
+          </a:fontRef>
+        </p:style>
+        <p:txBody>
+          <a:bodyPr wrap="none" lIns="0" rIns="0" rtlCol="0" anchor="ctr"/>
+          <a:lstStyle/>
+          <a:p>
+            <a:pPr algn="ctr"/>
+            <a:r>
+              <a:rPr lang="en-AU" sz="2000" dirty="0" smtClean="0">
+                <a:solidFill>
+                  <a:schemeClr val="tx1"/>
+                </a:solidFill>
+              </a:rPr>
+              <a:t>Priority</a:t>
+            </a:r>
+          </a:p>
+          <a:p>
+            <a:pPr algn="ctr"/>
+            <a:r>
+              <a:rPr lang="en-AU" sz="2000" dirty="0">
+                <a:solidFill>
+                  <a:schemeClr val="tx1"/>
+                </a:solidFill>
+              </a:rPr>
+              <a:t>C</a:t>
+            </a:r>
+          </a:p>
+        </p:txBody>
+      </p:sp>
+      <p:sp>
+        <p:nvSpPr>
+          <p:cNvPr id="13" name="Rectangle 12"/>
+          <p:cNvSpPr/>
+          <p:nvPr/>
+        </p:nvSpPr>
+        <p:spPr>
+          <a:xfrm>
+            <a:off x="39153" y="5128590"/>
+            <a:ext cx="9828000" cy="1620000"/>
+          </a:xfrm>
+          <a:prstGeom prst="rect">
+            <a:avLst/>
+          </a:prstGeom>
+          <a:solidFill>
+            <a:schemeClr val="bg1"/>
+          </a:solidFill>
+          <a:ln>
+            <a:solidFill>
+              <a:schemeClr val="accent1">
+                <a:lumMod val="50000"/>
+              </a:schemeClr>
+            </a:solidFill>
+          </a:ln>
+        </p:spPr>
+        <p:style>
+          <a:lnRef idx="2">
+            <a:schemeClr val="accent1">
+              <a:shade val="50000"/>
+            </a:schemeClr>
+          </a:lnRef>
+          <a:fillRef idx="1">
+            <a:schemeClr val="accent1"/>
+          </a:fillRef>
+          <a:effectRef idx="0">
+            <a:schemeClr val="accent1"/>
+          </a:effectRef>
+          <a:fontRef idx="minor">
+            <a:schemeClr val="lt1"/>
+          </a:fontRef>
+        </p:style>
+        <p:txBody>
+          <a:bodyPr tIns="36000" rtlCol="0" anchor="t" anchorCtr="0"/>
+          <a:lstStyle/>
+          <a:p>
+            <a:r>
+              <a:rPr lang="en-AU" sz="2000" dirty="0" smtClean="0">
+                <a:solidFill>
+                  <a:schemeClr val="tx1"/>
+                </a:solidFill>
+              </a:rPr>
+              <a:t>Notes</a:t>
+            </a:r>
+          </a:p>
+          <a:p>
+            <a:pPr marL="342900" indent="-342900">
+              <a:buFont typeface="Arial" pitchFamily="34" charset="0"/>
+              <a:buChar char="•"/>
+            </a:pPr>
+            <a:r>
+              <a:rPr lang="en-AU" sz="2000" dirty="0" smtClean="0">
+                <a:solidFill>
+                  <a:schemeClr val="tx1"/>
+                </a:solidFill>
+              </a:rPr>
+              <a:t>Expected costs likely to be high for implementation </a:t>
+            </a:r>
+            <a:endParaRPr lang="en-AU" sz="2000" dirty="0" smtClean="0">
               <a:solidFill>
                 <a:schemeClr val="tx1"/>
               </a:solidFill>
             </a:endParaRPr>
           </a:p>
-        </p:txBody>
-      </p:sp>
-      <p:sp>
-        <p:nvSpPr>
-          <p:cNvPr id="12" name="Rectangle 11"/>
-          <p:cNvSpPr/>
-          <p:nvPr/>
-        </p:nvSpPr>
-        <p:spPr>
-          <a:xfrm>
-            <a:off x="8283153" y="109410"/>
-            <a:ext cx="792000" cy="540000"/>
-          </a:xfrm>
-          <a:prstGeom prst="rect">
-            <a:avLst/>
-          </a:prstGeom>
-          <a:solidFill>
-            <a:schemeClr val="accent4">
-              <a:lumMod val="20000"/>
-              <a:lumOff val="80000"/>
-            </a:schemeClr>
-          </a:solidFill>
-          <a:ln>
-            <a:solidFill>
-              <a:schemeClr val="accent1">
-                <a:lumMod val="50000"/>
-              </a:schemeClr>
-            </a:solidFill>
-          </a:ln>
-        </p:spPr>
-        <p:style>
-          <a:lnRef idx="2">
-            <a:schemeClr val="accent1">
-              <a:shade val="50000"/>
-            </a:schemeClr>
-          </a:lnRef>
-          <a:fillRef idx="1">
-            <a:schemeClr val="accent1"/>
-          </a:fillRef>
-          <a:effectRef idx="0">
-            <a:schemeClr val="accent1"/>
-          </a:effectRef>
-          <a:fontRef idx="minor">
-            <a:schemeClr val="lt1"/>
-          </a:fontRef>
-        </p:style>
-        <p:txBody>
-          <a:bodyPr wrap="none" lIns="0" rIns="0" rtlCol="0" anchor="ctr"/>
-          <a:lstStyle/>
-          <a:p>
-            <a:pPr algn="ctr"/>
-            <a:r>
-              <a:rPr lang="en-AU" sz="2000" dirty="0" smtClean="0">
-                <a:solidFill>
-                  <a:schemeClr val="tx1"/>
-                </a:solidFill>
-              </a:rPr>
-              <a:t>Priority</a:t>
-            </a:r>
-          </a:p>
-          <a:p>
-            <a:pPr algn="ctr"/>
-            <a:r>
-              <a:rPr lang="en-AU" sz="2000" dirty="0">
-                <a:solidFill>
-                  <a:schemeClr val="tx1"/>
-                </a:solidFill>
-              </a:rPr>
-              <a:t>C</a:t>
-            </a:r>
-            <a:endParaRPr lang="en-AU" sz="2000" dirty="0">
+          <a:p>
+            <a:pPr marL="342900" indent="-342900">
+              <a:buFont typeface="Arial" pitchFamily="34" charset="0"/>
+              <a:buChar char="•"/>
+            </a:pPr>
+            <a:r>
+              <a:rPr lang="en-AU" sz="2000" dirty="0" smtClean="0">
+                <a:solidFill>
+                  <a:schemeClr val="tx1"/>
+                </a:solidFill>
+              </a:rPr>
+              <a:t>Need </a:t>
+            </a:r>
+            <a:r>
+              <a:rPr lang="en-AU" sz="2000" dirty="0" smtClean="0">
+                <a:solidFill>
+                  <a:schemeClr val="tx1"/>
+                </a:solidFill>
+              </a:rPr>
+              <a:t>time for research </a:t>
+            </a:r>
+            <a:r>
+              <a:rPr lang="en-AU" sz="2000" dirty="0" smtClean="0">
+                <a:solidFill>
+                  <a:schemeClr val="tx1"/>
+                </a:solidFill>
+              </a:rPr>
+              <a:t>for creating community forums</a:t>
+            </a:r>
+            <a:endParaRPr lang="en-AU" sz="2000" dirty="0" smtClean="0">
               <a:solidFill>
                 <a:schemeClr val="tx1"/>
               </a:solidFill>
             </a:endParaRPr>
-          </a:p>
-        </p:txBody>
-      </p:sp>
-      <p:sp>
-        <p:nvSpPr>
-          <p:cNvPr id="13" name="Rectangle 12"/>
-          <p:cNvSpPr/>
-          <p:nvPr/>
-        </p:nvSpPr>
-        <p:spPr>
-          <a:xfrm>
-            <a:off x="39153" y="5128590"/>
-            <a:ext cx="9828000" cy="1620000"/>
-          </a:xfrm>
-          <a:prstGeom prst="rect">
-            <a:avLst/>
-          </a:prstGeom>
-          <a:solidFill>
-            <a:schemeClr val="bg1"/>
-          </a:solidFill>
-          <a:ln>
-            <a:solidFill>
-              <a:schemeClr val="accent1">
-                <a:lumMod val="50000"/>
-              </a:schemeClr>
-            </a:solidFill>
-          </a:ln>
-        </p:spPr>
-        <p:style>
-          <a:lnRef idx="2">
-            <a:schemeClr val="accent1">
-              <a:shade val="50000"/>
-            </a:schemeClr>
-          </a:lnRef>
-          <a:fillRef idx="1">
-            <a:schemeClr val="accent1"/>
-          </a:fillRef>
-          <a:effectRef idx="0">
-            <a:schemeClr val="accent1"/>
-          </a:effectRef>
-          <a:fontRef idx="minor">
-            <a:schemeClr val="lt1"/>
-          </a:fontRef>
-        </p:style>
-        <p:txBody>
-          <a:bodyPr tIns="36000" rtlCol="0" anchor="t" anchorCtr="0"/>
-          <a:lstStyle/>
-          <a:p>
-            <a:r>
-              <a:rPr lang="en-AU" sz="2000" dirty="0" smtClean="0">
-                <a:solidFill>
-                  <a:schemeClr val="tx1"/>
-                </a:solidFill>
-              </a:rPr>
-              <a:t>Notes</a:t>
-            </a:r>
           </a:p>
         </p:txBody>
       </p:sp>
@@ -15425,11 +16576,7 @@
             <a:pPr algn="ctr"/>
             <a:r>
               <a:rPr lang="en-AU" sz="2800" dirty="0" smtClean="0"/>
-              <a:t>Live weather </a:t>
-            </a:r>
-            <a:r>
-              <a:rPr lang="en-AU" sz="2800" dirty="0" smtClean="0"/>
-              <a:t>updates</a:t>
+              <a:t>Live weather updates</a:t>
             </a:r>
             <a:endParaRPr lang="en-AU" sz="2800" dirty="0"/>
           </a:p>
@@ -15575,7 +16722,23 @@
                   <a:schemeClr val="tx1"/>
                 </a:solidFill>
               </a:rPr>
-              <a:t>Must provide live weather updates for all locations</a:t>
+              <a:t>Must provide live weather </a:t>
+            </a:r>
+            <a:r>
+              <a:rPr lang="en-AU" sz="2000" dirty="0" smtClean="0">
+                <a:solidFill>
+                  <a:schemeClr val="tx1"/>
+                </a:solidFill>
+              </a:rPr>
+              <a:t>updates/ forecast for </a:t>
+            </a:r>
+            <a:r>
+              <a:rPr lang="en-AU" sz="2000" dirty="0" smtClean="0">
+                <a:solidFill>
+                  <a:schemeClr val="tx1"/>
+                </a:solidFill>
+              </a:rPr>
+              <a:t>all locations</a:t>
             </a:r>
           </a:p>
           <a:p>
@@ -15603,7 +16766,7 @@
                   <a:schemeClr val="tx1"/>
                 </a:solidFill>
               </a:rPr>
-              <a:t>Must be sourced from reliable weather bureau</a:t>
+              <a:t>Information must be sourced from a reliable weather bureau</a:t>
             </a:r>
           </a:p>
           <a:p>
@@ -15722,11 +16885,6 @@
               </a:rPr>
               <a:t>8</a:t>
             </a:r>
-            <a:endParaRPr lang="en-AU" sz="1200" dirty="0">
-              <a:solidFill>
-                <a:schemeClr val="tx1"/>
-              </a:solidFill>
-            </a:endParaRPr>
           </a:p>
         </p:txBody>
       </p:sp>
@@ -15797,6 +16955,84 @@
                 </a:solidFill>
               </a:rPr>
               <a:t>S</a:t>
+            </a:r>
+          </a:p>
+        </p:txBody>
+      </p:sp>
+      <p:sp>
+        <p:nvSpPr>
+          <p:cNvPr id="13" name="Rectangle 12"/>
+          <p:cNvSpPr/>
+          <p:nvPr/>
+        </p:nvSpPr>
+        <p:spPr>
+          <a:xfrm>
+            <a:off x="39153" y="5128590"/>
+            <a:ext cx="9828000" cy="1620000"/>
+          </a:xfrm>
+          <a:prstGeom prst="rect">
+            <a:avLst/>
+          </a:prstGeom>
+          <a:solidFill>
+            <a:schemeClr val="bg1"/>
+          </a:solidFill>
+          <a:ln>
+            <a:solidFill>
+              <a:schemeClr val="accent1">
+                <a:lumMod val="50000"/>
+              </a:schemeClr>
+            </a:solidFill>
+          </a:ln>
+        </p:spPr>
+        <p:style>
+          <a:lnRef idx="2">
+            <a:schemeClr val="accent1">
+              <a:shade val="50000"/>
+            </a:schemeClr>
+          </a:lnRef>
+          <a:fillRef idx="1">
+            <a:schemeClr val="accent1"/>
+          </a:fillRef>
+          <a:effectRef idx="0">
+            <a:schemeClr val="accent1"/>
+          </a:effectRef>
+          <a:fontRef idx="minor">
+            <a:schemeClr val="lt1"/>
+          </a:fontRef>
+        </p:style>
+        <p:txBody>
+          <a:bodyPr tIns="36000" rtlCol="0" anchor="t" anchorCtr="0"/>
+          <a:lstStyle/>
+          <a:p>
+            <a:r>
+              <a:rPr lang="en-AU" sz="2000" dirty="0" smtClean="0">
+                <a:solidFill>
+                  <a:schemeClr val="tx1"/>
+                </a:solidFill>
+              </a:rPr>
+              <a:t>Notes</a:t>
+            </a:r>
+          </a:p>
+          <a:p>
+            <a:pPr marL="342900" indent="-342900">
+              <a:buFont typeface="Arial" pitchFamily="34" charset="0"/>
+              <a:buChar char="•"/>
+            </a:pPr>
+            <a:r>
+              <a:rPr lang="en-AU" sz="2000" dirty="0" smtClean="0">
+                <a:solidFill>
+                  <a:schemeClr val="tx1"/>
+                </a:solidFill>
+              </a:rPr>
+              <a:t>Could integrate live weather updates with map feature (S13</a:t>
+            </a:r>
+            <a:r>
+              <a:rPr lang="en-AU" sz="2000" dirty="0" smtClean="0">
+                <a:solidFill>
+                  <a:schemeClr val="tx1"/>
+                </a:solidFill>
+              </a:rPr>
+              <a:t>)</a:t>
             </a:r>
             <a:endParaRPr lang="en-AU" sz="2000" dirty="0">
               <a:solidFill>
@@ -15804,61 +17040,40 @@
               </a:solidFill>
             </a:endParaRPr>
           </a:p>
-        </p:txBody>
-      </p:sp>
-      <p:sp>
-        <p:nvSpPr>
-          <p:cNvPr id="13" name="Rectangle 12"/>
-          <p:cNvSpPr/>
-          <p:nvPr/>
-        </p:nvSpPr>
-        <p:spPr>
-          <a:xfrm>
-            <a:off x="39153" y="5128590"/>
-            <a:ext cx="9828000" cy="1620000"/>
-          </a:xfrm>
-          <a:prstGeom prst="rect">
-            <a:avLst/>
-          </a:prstGeom>
-          <a:solidFill>
-            <a:schemeClr val="bg1"/>
-          </a:solidFill>
-          <a:ln>
-            <a:solidFill>
-              <a:schemeClr val="accent1">
-                <a:lumMod val="50000"/>
-              </a:schemeClr>
-            </a:solidFill>
-          </a:ln>
-        </p:spPr>
-        <p:style>
-          <a:lnRef idx="2">
-            <a:schemeClr val="accent1">
-              <a:shade val="50000"/>
-            </a:schemeClr>
-          </a:lnRef>
-          <a:fillRef idx="1">
-            <a:schemeClr val="accent1"/>
-          </a:fillRef>
-          <a:effectRef idx="0">
-            <a:schemeClr val="accent1"/>
-          </a:effectRef>
-          <a:fontRef idx="minor">
-            <a:schemeClr val="lt1"/>
-          </a:fontRef>
-        </p:style>
-        <p:txBody>
-          <a:bodyPr tIns="36000" rtlCol="0" anchor="t" anchorCtr="0"/>
-          <a:lstStyle/>
-          <a:p>
-            <a:r>
-              <a:rPr lang="en-AU" sz="2000" dirty="0" smtClean="0">
-                <a:solidFill>
-                  <a:schemeClr val="tx1"/>
-                </a:solidFill>
-              </a:rPr>
-              <a:t>Notes</a:t>
-            </a:r>
+          <a:p>
+            <a:pPr marL="342900" indent="-342900">
+              <a:buFont typeface="Arial" pitchFamily="34" charset="0"/>
+              <a:buChar char="•"/>
+            </a:pPr>
+            <a:r>
+              <a:rPr lang="en-AU" sz="2000" dirty="0" smtClean="0">
+                <a:solidFill>
+                  <a:schemeClr val="tx1"/>
+                </a:solidFill>
+              </a:rPr>
+              <a:t>Use a </a:t>
+            </a:r>
+            <a:r>
+              <a:rPr lang="en-AU" sz="2000" dirty="0" err="1" smtClean="0">
+                <a:solidFill>
+                  <a:schemeClr val="tx1"/>
+                </a:solidFill>
+              </a:rPr>
+              <a:t>django</a:t>
+            </a:r>
+            <a:r>
+              <a:rPr lang="en-AU" sz="2000" dirty="0" smtClean="0">
+                <a:solidFill>
+                  <a:schemeClr val="tx1"/>
+                </a:solidFill>
+              </a:rPr>
+              <a:t>-weather application that will display current weather and forecast </a:t>
+            </a:r>
+            <a:endParaRPr lang="en-AU" sz="2000" dirty="0" smtClean="0">
+              <a:solidFill>
+                <a:schemeClr val="tx1"/>
+              </a:solidFill>
+            </a:endParaRPr>
           </a:p>
         </p:txBody>
       </p:sp>
@@ -15866,6 +17081,619 @@
     <p:extLst>
       <p:ext uri="{BB962C8B-B14F-4D97-AF65-F5344CB8AC3E}">
         <p14:creationId xmlns:p14="http://schemas.microsoft.com/office/powerpoint/2010/main" val="4128528285"/>
+      </p:ext>
+    </p:extLst>
+  </p:cSld>
+  <p:clrMapOvr>
+    <a:masterClrMapping/>
+  </p:clrMapOvr>
+</p:sld>
+</file>
+
+<file path=ppt/slides/slide32.xml><?xml version="1.0" encoding="utf-8"?>
+<p:sld xmlns:a="http://schemas.openxmlformats.org/drawingml/2006/main" xmlns:r="http://schemas.openxmlformats.org/officeDocument/2006/relationships" xmlns:p="http://schemas.openxmlformats.org/presentationml/2006/main">
+  <p:cSld>
+    <p:spTree>
+      <p:nvGrpSpPr>
+        <p:cNvPr id="1" name=""/>
+        <p:cNvGrpSpPr/>
+        <p:nvPr/>
+      </p:nvGrpSpPr>
+      <p:grpSpPr>
+        <a:xfrm>
+          <a:off x="0" y="0"/>
+          <a:ext cx="0" cy="0"/>
+          <a:chOff x="0" y="0"/>
+          <a:chExt cx="0" cy="0"/>
+        </a:xfrm>
+      </p:grpSpPr>
+      <p:sp>
+        <p:nvSpPr>
+          <p:cNvPr id="4" name="Rectangle 3"/>
+          <p:cNvSpPr/>
+          <p:nvPr/>
+        </p:nvSpPr>
+        <p:spPr>
+          <a:xfrm>
+            <a:off x="39153" y="109410"/>
+            <a:ext cx="720000" cy="540000"/>
+          </a:xfrm>
+          <a:prstGeom prst="rect">
+            <a:avLst/>
+          </a:prstGeom>
+          <a:solidFill>
+            <a:schemeClr val="accent1">
+              <a:lumMod val="40000"/>
+              <a:lumOff val="60000"/>
+            </a:schemeClr>
+          </a:solidFill>
+          <a:ln>
+            <a:solidFill>
+              <a:schemeClr val="accent1">
+                <a:lumMod val="50000"/>
+              </a:schemeClr>
+            </a:solidFill>
+          </a:ln>
+        </p:spPr>
+        <p:style>
+          <a:lnRef idx="2">
+            <a:schemeClr val="accent1">
+              <a:shade val="50000"/>
+            </a:schemeClr>
+          </a:lnRef>
+          <a:fillRef idx="1">
+            <a:schemeClr val="accent1"/>
+          </a:fillRef>
+          <a:effectRef idx="0">
+            <a:schemeClr val="accent1"/>
+          </a:effectRef>
+          <a:fontRef idx="minor">
+            <a:schemeClr val="lt1"/>
+          </a:fontRef>
+        </p:style>
+        <p:txBody>
+          <a:bodyPr wrap="square" lIns="0" rIns="0" rtlCol="0" anchor="ctr"/>
+          <a:lstStyle/>
+          <a:p>
+            <a:pPr algn="ctr"/>
+            <a:r>
+              <a:rPr lang="en-AU" sz="2000" dirty="0" smtClean="0">
+                <a:solidFill>
+                  <a:schemeClr val="tx1"/>
+                </a:solidFill>
+              </a:rPr>
+              <a:t>Story ID: 31</a:t>
+            </a:r>
+            <a:endParaRPr lang="en-AU" sz="2000" dirty="0">
+              <a:solidFill>
+                <a:schemeClr val="tx1"/>
+              </a:solidFill>
+            </a:endParaRPr>
+          </a:p>
+        </p:txBody>
+      </p:sp>
+      <p:sp>
+        <p:nvSpPr>
+          <p:cNvPr id="6" name="Rectangle 5"/>
+          <p:cNvSpPr/>
+          <p:nvPr/>
+        </p:nvSpPr>
+        <p:spPr>
+          <a:xfrm>
+            <a:off x="831153" y="109410"/>
+            <a:ext cx="7380000" cy="540000"/>
+          </a:xfrm>
+          <a:prstGeom prst="rect">
+            <a:avLst/>
+          </a:prstGeom>
+          <a:ln>
+            <a:solidFill>
+              <a:schemeClr val="accent1">
+                <a:lumMod val="50000"/>
+              </a:schemeClr>
+            </a:solidFill>
+          </a:ln>
+        </p:spPr>
+        <p:style>
+          <a:lnRef idx="2">
+            <a:schemeClr val="accent1">
+              <a:shade val="50000"/>
+            </a:schemeClr>
+          </a:lnRef>
+          <a:fillRef idx="1">
+            <a:schemeClr val="accent1"/>
+          </a:fillRef>
+          <a:effectRef idx="0">
+            <a:schemeClr val="accent1"/>
+          </a:effectRef>
+          <a:fontRef idx="minor">
+            <a:schemeClr val="lt1"/>
+          </a:fontRef>
+        </p:style>
+        <p:txBody>
+          <a:bodyPr rtlCol="0" anchor="ctr"/>
+          <a:lstStyle/>
+          <a:p>
+            <a:pPr algn="ctr"/>
+            <a:r>
+              <a:rPr lang="en-AU" sz="2800" dirty="0" smtClean="0"/>
+              <a:t>Additional user information</a:t>
+            </a:r>
+            <a:endParaRPr lang="en-AU" sz="2800" dirty="0"/>
+          </a:p>
+        </p:txBody>
+      </p:sp>
+      <p:sp>
+        <p:nvSpPr>
+          <p:cNvPr id="7" name="Rectangle 6"/>
+          <p:cNvSpPr/>
+          <p:nvPr/>
+        </p:nvSpPr>
+        <p:spPr>
+          <a:xfrm>
+            <a:off x="39153" y="822470"/>
+            <a:ext cx="9828000" cy="2340000"/>
+          </a:xfrm>
+          <a:prstGeom prst="rect">
+            <a:avLst/>
+          </a:prstGeom>
+          <a:solidFill>
+            <a:schemeClr val="tx2">
+              <a:lumMod val="20000"/>
+              <a:lumOff val="80000"/>
+            </a:schemeClr>
+          </a:solidFill>
+          <a:ln>
+            <a:solidFill>
+              <a:schemeClr val="accent1">
+                <a:lumMod val="50000"/>
+              </a:schemeClr>
+            </a:solidFill>
+          </a:ln>
+        </p:spPr>
+        <p:style>
+          <a:lnRef idx="2">
+            <a:schemeClr val="accent1">
+              <a:shade val="50000"/>
+            </a:schemeClr>
+          </a:lnRef>
+          <a:fillRef idx="1">
+            <a:schemeClr val="accent1"/>
+          </a:fillRef>
+          <a:effectRef idx="0">
+            <a:schemeClr val="accent1"/>
+          </a:effectRef>
+          <a:fontRef idx="minor">
+            <a:schemeClr val="lt1"/>
+          </a:fontRef>
+        </p:style>
+        <p:txBody>
+          <a:bodyPr rtlCol="0" anchor="t" anchorCtr="0"/>
+          <a:lstStyle/>
+          <a:p>
+            <a:r>
+              <a:rPr lang="en-AU" sz="2400" dirty="0">
+                <a:solidFill>
+                  <a:schemeClr val="tx1"/>
+                </a:solidFill>
+              </a:rPr>
+              <a:t>As a user, </a:t>
+            </a:r>
+            <a:r>
+              <a:rPr lang="en-AU" sz="2400" dirty="0" smtClean="0">
+                <a:solidFill>
+                  <a:schemeClr val="tx1"/>
+                </a:solidFill>
+              </a:rPr>
+              <a:t>I want to be able to input additional account information so that I can receive improved communication benefits</a:t>
+            </a:r>
+            <a:endParaRPr lang="en-AU" sz="2400" dirty="0">
+              <a:solidFill>
+                <a:schemeClr val="tx1"/>
+              </a:solidFill>
+            </a:endParaRPr>
+          </a:p>
+        </p:txBody>
+      </p:sp>
+      <p:sp>
+        <p:nvSpPr>
+          <p:cNvPr id="8" name="Rectangle 7"/>
+          <p:cNvSpPr/>
+          <p:nvPr/>
+        </p:nvSpPr>
+        <p:spPr>
+          <a:xfrm>
+            <a:off x="39153" y="3335530"/>
+            <a:ext cx="9828000" cy="1620000"/>
+          </a:xfrm>
+          <a:prstGeom prst="rect">
+            <a:avLst/>
+          </a:prstGeom>
+          <a:solidFill>
+            <a:schemeClr val="accent1">
+              <a:lumMod val="20000"/>
+              <a:lumOff val="80000"/>
+            </a:schemeClr>
+          </a:solidFill>
+          <a:ln>
+            <a:solidFill>
+              <a:schemeClr val="accent1">
+                <a:lumMod val="50000"/>
+              </a:schemeClr>
+            </a:solidFill>
+          </a:ln>
+        </p:spPr>
+        <p:style>
+          <a:lnRef idx="2">
+            <a:schemeClr val="accent1">
+              <a:shade val="50000"/>
+            </a:schemeClr>
+          </a:lnRef>
+          <a:fillRef idx="1">
+            <a:schemeClr val="accent1"/>
+          </a:fillRef>
+          <a:effectRef idx="0">
+            <a:schemeClr val="accent1"/>
+          </a:effectRef>
+          <a:fontRef idx="minor">
+            <a:schemeClr val="lt1"/>
+          </a:fontRef>
+        </p:style>
+        <p:txBody>
+          <a:bodyPr tIns="36000" rtlCol="0" anchor="t" anchorCtr="0"/>
+          <a:lstStyle/>
+          <a:p>
+            <a:r>
+              <a:rPr lang="en-AU" sz="2000" dirty="0" smtClean="0">
+                <a:solidFill>
+                  <a:schemeClr val="tx1"/>
+                </a:solidFill>
+              </a:rPr>
+              <a:t>Acceptance Criteria</a:t>
+            </a:r>
+          </a:p>
+          <a:p>
+            <a:pPr marL="179388" indent="-179388">
+              <a:buFont typeface="Arial" pitchFamily="34" charset="0"/>
+              <a:buChar char="•"/>
+            </a:pPr>
+            <a:r>
+              <a:rPr lang="en-AU" sz="2000" dirty="0" smtClean="0">
+                <a:solidFill>
+                  <a:schemeClr val="tx1"/>
+                </a:solidFill>
+              </a:rPr>
+              <a:t>Must be ‘Non-mandatory fields’</a:t>
+            </a:r>
+          </a:p>
+          <a:p>
+            <a:pPr marL="179388" indent="-179388">
+              <a:buFont typeface="Arial" pitchFamily="34" charset="0"/>
+              <a:buChar char="•"/>
+            </a:pPr>
+            <a:r>
+              <a:rPr lang="en-AU" sz="2000" dirty="0" smtClean="0">
+                <a:solidFill>
+                  <a:schemeClr val="tx1"/>
+                </a:solidFill>
+              </a:rPr>
+              <a:t>Must be capable of storing </a:t>
+            </a:r>
+            <a:r>
+              <a:rPr lang="en-AU" sz="2000" dirty="0">
+                <a:solidFill>
+                  <a:schemeClr val="tx1"/>
+                </a:solidFill>
+              </a:rPr>
+              <a:t>phone </a:t>
+            </a:r>
+            <a:r>
+              <a:rPr lang="en-AU" sz="2000" dirty="0" smtClean="0">
+                <a:solidFill>
+                  <a:schemeClr val="tx1"/>
+                </a:solidFill>
+              </a:rPr>
+              <a:t>no., </a:t>
+            </a:r>
+            <a:r>
+              <a:rPr lang="en-AU" sz="2000" dirty="0">
+                <a:solidFill>
+                  <a:schemeClr val="tx1"/>
+                </a:solidFill>
+              </a:rPr>
+              <a:t>email and residential </a:t>
+            </a:r>
+            <a:r>
+              <a:rPr lang="en-AU" sz="2000" dirty="0" smtClean="0">
+                <a:solidFill>
+                  <a:schemeClr val="tx1"/>
+                </a:solidFill>
+              </a:rPr>
+              <a:t>address during registration </a:t>
+            </a:r>
+          </a:p>
+          <a:p>
+            <a:pPr marL="179388" indent="-179388">
+              <a:buFont typeface="Arial" pitchFamily="34" charset="0"/>
+              <a:buChar char="•"/>
+            </a:pPr>
+            <a:endParaRPr lang="en-AU" sz="2000" dirty="0">
+              <a:solidFill>
+                <a:schemeClr val="tx1"/>
+              </a:solidFill>
+            </a:endParaRPr>
+          </a:p>
+          <a:p>
+            <a:endParaRPr lang="en-AU" sz="2000" dirty="0" smtClean="0">
+              <a:solidFill>
+                <a:schemeClr val="tx1"/>
+              </a:solidFill>
+            </a:endParaRPr>
+          </a:p>
+          <a:p>
+            <a:endParaRPr lang="en-AU" sz="2000" dirty="0" smtClean="0">
+              <a:solidFill>
+                <a:schemeClr val="tx1"/>
+              </a:solidFill>
+            </a:endParaRPr>
+          </a:p>
+          <a:p>
+            <a:pPr marL="179388" indent="-179388">
+              <a:buFont typeface="Arial" pitchFamily="34" charset="0"/>
+              <a:buChar char="•"/>
+            </a:pPr>
+            <a:endParaRPr lang="en-AU" sz="2000" dirty="0" smtClean="0">
+              <a:solidFill>
+                <a:schemeClr val="tx1"/>
+              </a:solidFill>
+            </a:endParaRPr>
+          </a:p>
+          <a:p>
+            <a:endParaRPr lang="en-AU" sz="2000" dirty="0" smtClean="0">
+              <a:solidFill>
+                <a:schemeClr val="tx1"/>
+              </a:solidFill>
+            </a:endParaRPr>
+          </a:p>
+          <a:p>
+            <a:pPr marL="179388" indent="-179388">
+              <a:buFont typeface="Arial" pitchFamily="34" charset="0"/>
+              <a:buChar char="•"/>
+            </a:pPr>
+            <a:endParaRPr lang="en-AU" sz="2000" dirty="0" smtClean="0">
+              <a:solidFill>
+                <a:schemeClr val="tx1"/>
+              </a:solidFill>
+            </a:endParaRPr>
+          </a:p>
+          <a:p>
+            <a:pPr marL="179388" indent="-179388">
+              <a:buFont typeface="Arial" pitchFamily="34" charset="0"/>
+              <a:buChar char="•"/>
+            </a:pPr>
+            <a:endParaRPr lang="en-AU" sz="2000" dirty="0" smtClean="0">
+              <a:solidFill>
+                <a:schemeClr val="tx1"/>
+              </a:solidFill>
+            </a:endParaRPr>
+          </a:p>
+        </p:txBody>
+      </p:sp>
+      <p:sp>
+        <p:nvSpPr>
+          <p:cNvPr id="11" name="Rectangle 10"/>
+          <p:cNvSpPr/>
+          <p:nvPr/>
+        </p:nvSpPr>
+        <p:spPr>
+          <a:xfrm>
+            <a:off x="9147153" y="109410"/>
+            <a:ext cx="720000" cy="540000"/>
+          </a:xfrm>
+          <a:prstGeom prst="rect">
+            <a:avLst/>
+          </a:prstGeom>
+          <a:solidFill>
+            <a:srgbClr val="CCF0CD">
+              <a:alpha val="20000"/>
+            </a:srgbClr>
+          </a:solidFill>
+          <a:ln>
+            <a:solidFill>
+              <a:schemeClr val="accent1">
+                <a:lumMod val="50000"/>
+              </a:schemeClr>
+            </a:solidFill>
+          </a:ln>
+        </p:spPr>
+        <p:style>
+          <a:lnRef idx="2">
+            <a:schemeClr val="accent1">
+              <a:shade val="50000"/>
+            </a:schemeClr>
+          </a:lnRef>
+          <a:fillRef idx="1">
+            <a:schemeClr val="accent1"/>
+          </a:fillRef>
+          <a:effectRef idx="0">
+            <a:schemeClr val="accent1"/>
+          </a:effectRef>
+          <a:fontRef idx="minor">
+            <a:schemeClr val="lt1"/>
+          </a:fontRef>
+        </p:style>
+        <p:txBody>
+          <a:bodyPr wrap="square" lIns="0" rIns="0" rtlCol="0" anchor="ctr"/>
+          <a:lstStyle/>
+          <a:p>
+            <a:pPr algn="ctr"/>
+            <a:r>
+              <a:rPr lang="en-AU" sz="1200" dirty="0" smtClean="0">
+                <a:solidFill>
+                  <a:schemeClr val="tx1"/>
+                </a:solidFill>
+              </a:rPr>
+              <a:t>Story Points</a:t>
+            </a:r>
+          </a:p>
+          <a:p>
+            <a:pPr algn="ctr"/>
+            <a:r>
+              <a:rPr lang="en-AU" sz="1200" dirty="0">
+                <a:solidFill>
+                  <a:schemeClr val="tx1"/>
+                </a:solidFill>
+              </a:rPr>
+              <a:t>2</a:t>
+            </a:r>
+          </a:p>
+        </p:txBody>
+      </p:sp>
+      <p:sp>
+        <p:nvSpPr>
+          <p:cNvPr id="12" name="Rectangle 11"/>
+          <p:cNvSpPr/>
+          <p:nvPr/>
+        </p:nvSpPr>
+        <p:spPr>
+          <a:xfrm>
+            <a:off x="8283153" y="109410"/>
+            <a:ext cx="792000" cy="540000"/>
+          </a:xfrm>
+          <a:prstGeom prst="rect">
+            <a:avLst/>
+          </a:prstGeom>
+          <a:solidFill>
+            <a:schemeClr val="accent4">
+              <a:lumMod val="20000"/>
+              <a:lumOff val="80000"/>
+            </a:schemeClr>
+          </a:solidFill>
+          <a:ln>
+            <a:solidFill>
+              <a:schemeClr val="accent1">
+                <a:lumMod val="50000"/>
+              </a:schemeClr>
+            </a:solidFill>
+          </a:ln>
+        </p:spPr>
+        <p:style>
+          <a:lnRef idx="2">
+            <a:schemeClr val="accent1">
+              <a:shade val="50000"/>
+            </a:schemeClr>
+          </a:lnRef>
+          <a:fillRef idx="1">
+            <a:schemeClr val="accent1"/>
+          </a:fillRef>
+          <a:effectRef idx="0">
+            <a:schemeClr val="accent1"/>
+          </a:effectRef>
+          <a:fontRef idx="minor">
+            <a:schemeClr val="lt1"/>
+          </a:fontRef>
+        </p:style>
+        <p:txBody>
+          <a:bodyPr wrap="none" lIns="0" rIns="0" rtlCol="0" anchor="ctr"/>
+          <a:lstStyle/>
+          <a:p>
+            <a:pPr algn="ctr"/>
+            <a:r>
+              <a:rPr lang="en-AU" sz="2000" dirty="0" smtClean="0">
+                <a:solidFill>
+                  <a:schemeClr val="tx1"/>
+                </a:solidFill>
+              </a:rPr>
+              <a:t>Priority</a:t>
+            </a:r>
+          </a:p>
+          <a:p>
+            <a:pPr algn="ctr"/>
+            <a:r>
+              <a:rPr lang="en-AU" sz="2000" dirty="0">
+                <a:solidFill>
+                  <a:schemeClr val="tx1"/>
+                </a:solidFill>
+              </a:rPr>
+              <a:t>S</a:t>
+            </a:r>
+          </a:p>
+        </p:txBody>
+      </p:sp>
+      <p:sp>
+        <p:nvSpPr>
+          <p:cNvPr id="13" name="Rectangle 12"/>
+          <p:cNvSpPr/>
+          <p:nvPr/>
+        </p:nvSpPr>
+        <p:spPr>
+          <a:xfrm>
+            <a:off x="39153" y="5128590"/>
+            <a:ext cx="9828000" cy="1620000"/>
+          </a:xfrm>
+          <a:prstGeom prst="rect">
+            <a:avLst/>
+          </a:prstGeom>
+          <a:solidFill>
+            <a:schemeClr val="bg1"/>
+          </a:solidFill>
+          <a:ln>
+            <a:solidFill>
+              <a:schemeClr val="accent1">
+                <a:lumMod val="50000"/>
+              </a:schemeClr>
+            </a:solidFill>
+          </a:ln>
+        </p:spPr>
+        <p:style>
+          <a:lnRef idx="2">
+            <a:schemeClr val="accent1">
+              <a:shade val="50000"/>
+            </a:schemeClr>
+          </a:lnRef>
+          <a:fillRef idx="1">
+            <a:schemeClr val="accent1"/>
+          </a:fillRef>
+          <a:effectRef idx="0">
+            <a:schemeClr val="accent1"/>
+          </a:effectRef>
+          <a:fontRef idx="minor">
+            <a:schemeClr val="lt1"/>
+          </a:fontRef>
+        </p:style>
+        <p:txBody>
+          <a:bodyPr tIns="36000" rtlCol="0" anchor="t" anchorCtr="0"/>
+          <a:lstStyle/>
+          <a:p>
+            <a:r>
+              <a:rPr lang="en-AU" sz="2000" dirty="0" smtClean="0">
+                <a:solidFill>
+                  <a:schemeClr val="tx1"/>
+                </a:solidFill>
+              </a:rPr>
+              <a:t>Notes</a:t>
+            </a:r>
+          </a:p>
+          <a:p>
+            <a:pPr marL="342900" indent="-342900">
+              <a:buFont typeface="Arial" pitchFamily="34" charset="0"/>
+              <a:buChar char="•"/>
+            </a:pPr>
+            <a:r>
+              <a:rPr lang="en-AU" sz="2000" dirty="0" smtClean="0">
+                <a:solidFill>
+                  <a:schemeClr val="tx1"/>
+                </a:solidFill>
+              </a:rPr>
+              <a:t>Dependent on registration process (S02)</a:t>
+            </a:r>
+          </a:p>
+        </p:txBody>
+      </p:sp>
+    </p:spTree>
+    <p:extLst>
+      <p:ext uri="{BB962C8B-B14F-4D97-AF65-F5344CB8AC3E}">
+        <p14:creationId xmlns:p14="http://schemas.microsoft.com/office/powerpoint/2010/main" val="3825807931"/>
       </p:ext>
     </p:extLst>
   </p:cSld>
@@ -16062,7 +17890,7 @@
                   <a:schemeClr val="tx1"/>
                 </a:solidFill>
               </a:rPr>
-              <a:t>As a user, I want to be able to view the city information which other accounts hold so that I can access more content when required.</a:t>
+              <a:t>As a user, I want to be able to view the city information which other accounts hold so that I can retrieve more content when required.</a:t>
             </a:r>
           </a:p>
         </p:txBody>
@@ -16135,7 +17963,7 @@
                   <a:schemeClr val="tx1"/>
                 </a:solidFill>
               </a:rPr>
-              <a:t>Must be capable of displaying relevant user-type information</a:t>
+              <a:t>Must be capable of displaying other relevant user-type information</a:t>
             </a:r>
           </a:p>
           <a:p>
@@ -16372,6 +18200,107 @@
               </a:rPr>
               <a:t>Notes</a:t>
             </a:r>
+          </a:p>
+          <a:p>
+            <a:pPr marL="342900" indent="-342900">
+              <a:buFont typeface="Arial" pitchFamily="34" charset="0"/>
+              <a:buChar char="•"/>
+            </a:pPr>
+            <a:r>
+              <a:rPr lang="en-AU" sz="2000" dirty="0" smtClean="0">
+                <a:solidFill>
+                  <a:schemeClr val="tx1"/>
+                </a:solidFill>
+              </a:rPr>
+              <a:t>This feature can be implemented multiple ways</a:t>
+            </a:r>
+          </a:p>
+          <a:p>
+            <a:pPr marL="342900" indent="-342900">
+              <a:buFont typeface="Arial" pitchFamily="34" charset="0"/>
+              <a:buChar char="•"/>
+            </a:pPr>
+            <a:r>
+              <a:rPr lang="en-AU" sz="2000" dirty="0" smtClean="0">
+                <a:solidFill>
+                  <a:schemeClr val="tx1"/>
+                </a:solidFill>
+              </a:rPr>
+              <a:t>i.e. the user could check a tick-box to ‘View other information</a:t>
+            </a:r>
+            <a:r>
+              <a:rPr lang="en-AU" sz="2000" dirty="0" smtClean="0">
+                <a:solidFill>
+                  <a:schemeClr val="tx1"/>
+                </a:solidFill>
+              </a:rPr>
+              <a:t>’</a:t>
+            </a:r>
+          </a:p>
+          <a:p>
+            <a:pPr marL="342900" indent="-342900">
+              <a:buFont typeface="Arial" pitchFamily="34" charset="0"/>
+              <a:buChar char="•"/>
+            </a:pPr>
+            <a:r>
+              <a:rPr lang="en-AU" sz="2000" dirty="0" smtClean="0">
+                <a:solidFill>
+                  <a:schemeClr val="tx1"/>
+                </a:solidFill>
+              </a:rPr>
+              <a:t>Can use </a:t>
+            </a:r>
+            <a:r>
+              <a:rPr lang="en-AU" sz="2000" dirty="0" err="1" smtClean="0">
+                <a:solidFill>
+                  <a:schemeClr val="tx1"/>
+                </a:solidFill>
+              </a:rPr>
+              <a:t>django</a:t>
+            </a:r>
+            <a:r>
+              <a:rPr lang="en-AU" sz="2000" dirty="0" smtClean="0">
+                <a:solidFill>
+                  <a:schemeClr val="tx1"/>
+                </a:solidFill>
+              </a:rPr>
+              <a:t> authentication system to permit access viewing of other city information</a:t>
+            </a:r>
+            <a:r>
+              <a:rPr lang="en-AU" sz="2000" dirty="0" smtClean="0">
+                <a:solidFill>
+                  <a:schemeClr val="tx1"/>
+                </a:solidFill>
+              </a:rPr>
+              <a:t> </a:t>
+            </a:r>
+            <a:endParaRPr lang="en-AU" sz="2000" dirty="0" smtClean="0">
+              <a:solidFill>
+                <a:schemeClr val="tx1"/>
+              </a:solidFill>
+            </a:endParaRPr>
+          </a:p>
+          <a:p>
+            <a:pPr marL="342900" indent="-342900">
+              <a:buFont typeface="Arial" pitchFamily="34" charset="0"/>
+              <a:buChar char="•"/>
+            </a:pPr>
+            <a:endParaRPr lang="en-AU" sz="2000" dirty="0" smtClean="0">
+              <a:solidFill>
+                <a:schemeClr val="tx1"/>
+              </a:solidFill>
+            </a:endParaRPr>
+          </a:p>
+          <a:p>
+            <a:pPr marL="342900" indent="-342900">
+              <a:buFont typeface="Arial" pitchFamily="34" charset="0"/>
+              <a:buChar char="•"/>
+            </a:pPr>
+            <a:endParaRPr lang="en-AU" sz="2000" dirty="0" smtClean="0">
+              <a:solidFill>
+                <a:schemeClr val="tx1"/>
+              </a:solidFill>
+            </a:endParaRPr>
           </a:p>
           <a:p>
             <a:pPr marL="179388" indent="-179388">
@@ -16666,7 +18595,7 @@
                   <a:schemeClr val="tx1"/>
                 </a:solidFill>
               </a:rPr>
-              <a:t>All acceptance tests are passed for each browser (IE, Firefox, Chrome, Safari)</a:t>
+              <a:t>All acceptance tests are passed for required browsers (IE, Chrome, Firefox &amp; Safari)</a:t>
             </a:r>
           </a:p>
           <a:p>
@@ -16680,7 +18609,7 @@
                   <a:schemeClr val="tx1"/>
                 </a:solidFill>
               </a:rPr>
-              <a:t>All features and functionality are working on the above browsers</a:t>
+              <a:t>All necessary features and functionality are working on the above browsers</a:t>
             </a:r>
           </a:p>
         </p:txBody>
@@ -16889,6 +18818,74 @@
               </a:rPr>
               <a:t>Notes</a:t>
             </a:r>
+          </a:p>
+          <a:p>
+            <a:pPr marL="342900" indent="-342900">
+              <a:buFont typeface="Arial" pitchFamily="34" charset="0"/>
+              <a:buChar char="•"/>
+            </a:pPr>
+            <a:r>
+              <a:rPr lang="en-AU" sz="2000" dirty="0" smtClean="0">
+                <a:solidFill>
+                  <a:schemeClr val="tx1"/>
+                </a:solidFill>
+              </a:rPr>
+              <a:t>Other web browsers such as Opera, and Microsoft Edge can also be tested (if time permits</a:t>
+            </a:r>
+            <a:r>
+              <a:rPr lang="en-AU" sz="2000" dirty="0" smtClean="0">
+                <a:solidFill>
+                  <a:schemeClr val="tx1"/>
+                </a:solidFill>
+              </a:rPr>
+              <a:t>)</a:t>
+            </a:r>
+          </a:p>
+          <a:p>
+            <a:pPr marL="342900" indent="-342900">
+              <a:buFont typeface="Arial" pitchFamily="34" charset="0"/>
+              <a:buChar char="•"/>
+            </a:pPr>
+            <a:r>
+              <a:rPr lang="en-AU" sz="2000" dirty="0" smtClean="0">
+                <a:solidFill>
+                  <a:schemeClr val="tx1"/>
+                </a:solidFill>
+              </a:rPr>
+              <a:t>Will require constant testing throughout project</a:t>
+            </a:r>
+            <a:endParaRPr lang="en-AU" sz="2000" dirty="0" smtClean="0">
+              <a:solidFill>
+                <a:schemeClr val="tx1"/>
+              </a:solidFill>
+            </a:endParaRPr>
+          </a:p>
+          <a:p>
+            <a:pPr marL="342900" indent="-342900">
+              <a:buFont typeface="Arial" pitchFamily="34" charset="0"/>
+              <a:buChar char="•"/>
+            </a:pPr>
+            <a:r>
+              <a:rPr lang="en-AU" sz="2000" dirty="0" smtClean="0">
+                <a:solidFill>
+                  <a:schemeClr val="tx1"/>
+                </a:solidFill>
+              </a:rPr>
+              <a:t>Time for Implementation: </a:t>
+            </a:r>
+            <a:r>
+              <a:rPr lang="en-AU" sz="2000" dirty="0" smtClean="0">
+                <a:solidFill>
+                  <a:schemeClr val="tx1"/>
+                </a:solidFill>
+              </a:rPr>
+              <a:t>2h</a:t>
+            </a:r>
+            <a:endParaRPr lang="en-AU" sz="2000" dirty="0" smtClean="0">
+              <a:solidFill>
+                <a:schemeClr val="tx1"/>
+              </a:solidFill>
+            </a:endParaRPr>
           </a:p>
         </p:txBody>
       </p:sp>
@@ -17092,7 +19089,7 @@
                   <a:schemeClr val="tx1"/>
                 </a:solidFill>
               </a:rPr>
-              <a:t>As a user, I want to be able to easily browse and navigate a home page, so that I can decide if I want to use the system.</a:t>
+              <a:t>As a user, I want to be able to browse and navigate a home page, so that I can decide if I want to use the system.</a:t>
             </a:r>
           </a:p>
         </p:txBody>
@@ -17409,8 +19406,76 @@
                   <a:schemeClr val="tx1"/>
                 </a:solidFill>
               </a:rPr>
-              <a:t>Create an intuitive and easy to navigate front-page</a:t>
-            </a:r>
+              <a:t>Create an intuitive </a:t>
+            </a:r>
+            <a:r>
+              <a:rPr lang="en-AU" sz="2000" dirty="0" smtClean="0">
+                <a:solidFill>
+                  <a:schemeClr val="tx1"/>
+                </a:solidFill>
+              </a:rPr>
+              <a:t>index page </a:t>
+            </a:r>
+            <a:r>
+              <a:rPr lang="en-AU" sz="2000" dirty="0" smtClean="0">
+                <a:solidFill>
+                  <a:schemeClr val="tx1"/>
+                </a:solidFill>
+              </a:rPr>
+              <a:t>for </a:t>
+            </a:r>
+            <a:r>
+              <a:rPr lang="en-AU" sz="2000" dirty="0" smtClean="0">
+                <a:solidFill>
+                  <a:schemeClr val="tx1"/>
+                </a:solidFill>
+              </a:rPr>
+              <a:t>new </a:t>
+            </a:r>
+            <a:r>
+              <a:rPr lang="en-AU" sz="2000" dirty="0" smtClean="0">
+                <a:solidFill>
+                  <a:schemeClr val="tx1"/>
+                </a:solidFill>
+              </a:rPr>
+              <a:t>users</a:t>
+            </a:r>
+          </a:p>
+          <a:p>
+            <a:pPr marL="179388" indent="-179388">
+              <a:buFont typeface="Arial" pitchFamily="34" charset="0"/>
+              <a:buChar char="•"/>
+            </a:pPr>
+            <a:r>
+              <a:rPr lang="en-AU" sz="2000" dirty="0" smtClean="0">
+                <a:solidFill>
+                  <a:schemeClr val="tx1"/>
+                </a:solidFill>
+              </a:rPr>
+              <a:t>Should create URL mapping, view and template in </a:t>
+            </a:r>
+            <a:r>
+              <a:rPr lang="en-AU" sz="2000" dirty="0" err="1" smtClean="0">
+                <a:solidFill>
+                  <a:schemeClr val="tx1"/>
+                </a:solidFill>
+              </a:rPr>
+              <a:t>django</a:t>
+            </a:r>
+            <a:r>
+              <a:rPr lang="en-AU" sz="2000" dirty="0" smtClean="0">
+                <a:solidFill>
+                  <a:schemeClr val="tx1"/>
+                </a:solidFill>
+              </a:rPr>
+              <a:t> </a:t>
+            </a:r>
+          </a:p>
+          <a:p>
+            <a:pPr marL="179388" indent="-179388">
+              <a:buFont typeface="Arial" pitchFamily="34" charset="0"/>
+              <a:buChar char="•"/>
+            </a:pPr>
             <a:endParaRPr lang="en-AU" sz="2000" dirty="0">
               <a:solidFill>
                 <a:schemeClr val="tx1"/>
@@ -17619,7 +19684,7 @@
                   <a:schemeClr val="tx1"/>
                 </a:solidFill>
               </a:rPr>
-              <a:t>As an administrator, I want to be able to access a separate web page so that I can access administrator tools.</a:t>
+              <a:t>As an administrator, I want to be able to access a separate web page so that I can create other administrator accounts.</a:t>
             </a:r>
           </a:p>
         </p:txBody>
@@ -17771,145 +19836,227 @@
           <a:p>
             <a:pPr algn="ctr"/>
             <a:r>
-              <a:rPr lang="en-AU" sz="1200" dirty="0" smtClean="0">
-                <a:solidFill>
-                  <a:schemeClr val="tx1"/>
-                </a:solidFill>
-              </a:rPr>
-              <a:t>4</a:t>
-            </a:r>
-            <a:endParaRPr lang="en-AU" sz="1200" dirty="0">
+              <a:rPr lang="en-AU" sz="1200" dirty="0">
+                <a:solidFill>
+                  <a:schemeClr val="tx1"/>
+                </a:solidFill>
+              </a:rPr>
+              <a:t>2</a:t>
+            </a:r>
+          </a:p>
+        </p:txBody>
+      </p:sp>
+      <p:sp>
+        <p:nvSpPr>
+          <p:cNvPr id="12" name="Rectangle 11"/>
+          <p:cNvSpPr/>
+          <p:nvPr/>
+        </p:nvSpPr>
+        <p:spPr>
+          <a:xfrm>
+            <a:off x="8283153" y="109410"/>
+            <a:ext cx="792000" cy="540000"/>
+          </a:xfrm>
+          <a:prstGeom prst="rect">
+            <a:avLst/>
+          </a:prstGeom>
+          <a:solidFill>
+            <a:schemeClr val="accent4">
+              <a:lumMod val="20000"/>
+              <a:lumOff val="80000"/>
+            </a:schemeClr>
+          </a:solidFill>
+          <a:ln>
+            <a:solidFill>
+              <a:schemeClr val="accent1">
+                <a:lumMod val="50000"/>
+              </a:schemeClr>
+            </a:solidFill>
+          </a:ln>
+        </p:spPr>
+        <p:style>
+          <a:lnRef idx="2">
+            <a:schemeClr val="accent1">
+              <a:shade val="50000"/>
+            </a:schemeClr>
+          </a:lnRef>
+          <a:fillRef idx="1">
+            <a:schemeClr val="accent1"/>
+          </a:fillRef>
+          <a:effectRef idx="0">
+            <a:schemeClr val="accent1"/>
+          </a:effectRef>
+          <a:fontRef idx="minor">
+            <a:schemeClr val="lt1"/>
+          </a:fontRef>
+        </p:style>
+        <p:txBody>
+          <a:bodyPr wrap="none" lIns="0" rIns="0" rtlCol="0" anchor="ctr"/>
+          <a:lstStyle/>
+          <a:p>
+            <a:pPr algn="ctr"/>
+            <a:r>
+              <a:rPr lang="en-AU" sz="2000" dirty="0" smtClean="0">
+                <a:solidFill>
+                  <a:schemeClr val="tx1"/>
+                </a:solidFill>
+              </a:rPr>
+              <a:t>Priority</a:t>
+            </a:r>
+          </a:p>
+          <a:p>
+            <a:pPr algn="ctr"/>
+            <a:r>
+              <a:rPr lang="en-AU" sz="2000" dirty="0">
+                <a:solidFill>
+                  <a:schemeClr val="tx1"/>
+                </a:solidFill>
+              </a:rPr>
+              <a:t>M</a:t>
+            </a:r>
+          </a:p>
+        </p:txBody>
+      </p:sp>
+      <p:sp>
+        <p:nvSpPr>
+          <p:cNvPr id="13" name="Rectangle 12"/>
+          <p:cNvSpPr/>
+          <p:nvPr/>
+        </p:nvSpPr>
+        <p:spPr>
+          <a:xfrm>
+            <a:off x="39153" y="5128590"/>
+            <a:ext cx="9828000" cy="1620000"/>
+          </a:xfrm>
+          <a:prstGeom prst="rect">
+            <a:avLst/>
+          </a:prstGeom>
+          <a:solidFill>
+            <a:schemeClr val="bg1"/>
+          </a:solidFill>
+          <a:ln>
+            <a:solidFill>
+              <a:schemeClr val="accent1">
+                <a:lumMod val="50000"/>
+              </a:schemeClr>
+            </a:solidFill>
+          </a:ln>
+        </p:spPr>
+        <p:style>
+          <a:lnRef idx="2">
+            <a:schemeClr val="accent1">
+              <a:shade val="50000"/>
+            </a:schemeClr>
+          </a:lnRef>
+          <a:fillRef idx="1">
+            <a:schemeClr val="accent1"/>
+          </a:fillRef>
+          <a:effectRef idx="0">
+            <a:schemeClr val="accent1"/>
+          </a:effectRef>
+          <a:fontRef idx="minor">
+            <a:schemeClr val="lt1"/>
+          </a:fontRef>
+        </p:style>
+        <p:txBody>
+          <a:bodyPr tIns="36000" rtlCol="0" anchor="t" anchorCtr="0"/>
+          <a:lstStyle/>
+          <a:p>
+            <a:r>
+              <a:rPr lang="en-AU" sz="2000" dirty="0" smtClean="0">
+                <a:solidFill>
+                  <a:schemeClr val="tx1"/>
+                </a:solidFill>
+              </a:rPr>
+              <a:t>Notes</a:t>
+            </a:r>
+          </a:p>
+          <a:p>
+            <a:pPr marL="342900" indent="-342900">
+              <a:buFont typeface="Arial" pitchFamily="34" charset="0"/>
+              <a:buChar char="•"/>
+            </a:pPr>
+            <a:r>
+              <a:rPr lang="en-AU" sz="2000" dirty="0">
+                <a:solidFill>
+                  <a:schemeClr val="tx1"/>
+                </a:solidFill>
+              </a:rPr>
+              <a:t>T</a:t>
+            </a:r>
+            <a:r>
+              <a:rPr lang="en-AU" sz="2000" dirty="0" smtClean="0">
+                <a:solidFill>
+                  <a:schemeClr val="tx1"/>
+                </a:solidFill>
+              </a:rPr>
+              <a:t>here will be only a single administrator account initially</a:t>
+            </a:r>
+          </a:p>
+          <a:p>
+            <a:pPr marL="342900" indent="-342900">
+              <a:buFont typeface="Arial" pitchFamily="34" charset="0"/>
+              <a:buChar char="•"/>
+            </a:pPr>
+            <a:r>
+              <a:rPr lang="en-AU" sz="2000" dirty="0" smtClean="0">
+                <a:solidFill>
+                  <a:schemeClr val="tx1"/>
+                </a:solidFill>
+              </a:rPr>
+              <a:t>An administrator user account is considered </a:t>
+            </a:r>
+            <a:r>
+              <a:rPr lang="en-AU" sz="2000" dirty="0" smtClean="0">
+                <a:solidFill>
+                  <a:schemeClr val="tx1"/>
+                </a:solidFill>
+              </a:rPr>
+              <a:t>‘</a:t>
+            </a:r>
+            <a:r>
+              <a:rPr lang="en-AU" sz="2000" dirty="0" err="1" smtClean="0">
+                <a:solidFill>
+                  <a:schemeClr val="tx1"/>
+                </a:solidFill>
+              </a:rPr>
+              <a:t>superuser</a:t>
+            </a:r>
+            <a:r>
+              <a:rPr lang="en-AU" sz="2000" dirty="0" smtClean="0">
+                <a:solidFill>
+                  <a:schemeClr val="tx1"/>
+                </a:solidFill>
+              </a:rPr>
+              <a:t>’ type</a:t>
+            </a:r>
+            <a:endParaRPr lang="en-AU" sz="2000" dirty="0" smtClean="0">
               <a:solidFill>
                 <a:schemeClr val="tx1"/>
               </a:solidFill>
             </a:endParaRPr>
           </a:p>
-        </p:txBody>
-      </p:sp>
-      <p:sp>
-        <p:nvSpPr>
-          <p:cNvPr id="12" name="Rectangle 11"/>
-          <p:cNvSpPr/>
-          <p:nvPr/>
-        </p:nvSpPr>
-        <p:spPr>
-          <a:xfrm>
-            <a:off x="8283153" y="109410"/>
-            <a:ext cx="792000" cy="540000"/>
-          </a:xfrm>
-          <a:prstGeom prst="rect">
-            <a:avLst/>
-          </a:prstGeom>
-          <a:solidFill>
-            <a:schemeClr val="accent4">
-              <a:lumMod val="20000"/>
-              <a:lumOff val="80000"/>
-            </a:schemeClr>
-          </a:solidFill>
-          <a:ln>
-            <a:solidFill>
-              <a:schemeClr val="accent1">
-                <a:lumMod val="50000"/>
-              </a:schemeClr>
-            </a:solidFill>
-          </a:ln>
-        </p:spPr>
-        <p:style>
-          <a:lnRef idx="2">
-            <a:schemeClr val="accent1">
-              <a:shade val="50000"/>
-            </a:schemeClr>
-          </a:lnRef>
-          <a:fillRef idx="1">
-            <a:schemeClr val="accent1"/>
-          </a:fillRef>
-          <a:effectRef idx="0">
-            <a:schemeClr val="accent1"/>
-          </a:effectRef>
-          <a:fontRef idx="minor">
-            <a:schemeClr val="lt1"/>
-          </a:fontRef>
-        </p:style>
-        <p:txBody>
-          <a:bodyPr wrap="none" lIns="0" rIns="0" rtlCol="0" anchor="ctr"/>
-          <a:lstStyle/>
-          <a:p>
-            <a:pPr algn="ctr"/>
-            <a:r>
-              <a:rPr lang="en-AU" sz="2000" dirty="0" smtClean="0">
-                <a:solidFill>
-                  <a:schemeClr val="tx1"/>
-                </a:solidFill>
-              </a:rPr>
-              <a:t>Priority</a:t>
-            </a:r>
-          </a:p>
-          <a:p>
-            <a:pPr algn="ctr"/>
-            <a:r>
-              <a:rPr lang="en-AU" sz="2000" dirty="0">
-                <a:solidFill>
-                  <a:schemeClr val="tx1"/>
-                </a:solidFill>
-              </a:rPr>
-              <a:t>M</a:t>
-            </a:r>
-          </a:p>
-        </p:txBody>
-      </p:sp>
-      <p:sp>
-        <p:nvSpPr>
-          <p:cNvPr id="13" name="Rectangle 12"/>
-          <p:cNvSpPr/>
-          <p:nvPr/>
-        </p:nvSpPr>
-        <p:spPr>
-          <a:xfrm>
-            <a:off x="39153" y="5128590"/>
-            <a:ext cx="9828000" cy="1620000"/>
-          </a:xfrm>
-          <a:prstGeom prst="rect">
-            <a:avLst/>
-          </a:prstGeom>
-          <a:solidFill>
-            <a:schemeClr val="bg1"/>
-          </a:solidFill>
-          <a:ln>
-            <a:solidFill>
-              <a:schemeClr val="accent1">
-                <a:lumMod val="50000"/>
-              </a:schemeClr>
-            </a:solidFill>
-          </a:ln>
-        </p:spPr>
-        <p:style>
-          <a:lnRef idx="2">
-            <a:schemeClr val="accent1">
-              <a:shade val="50000"/>
-            </a:schemeClr>
-          </a:lnRef>
-          <a:fillRef idx="1">
-            <a:schemeClr val="accent1"/>
-          </a:fillRef>
-          <a:effectRef idx="0">
-            <a:schemeClr val="accent1"/>
-          </a:effectRef>
-          <a:fontRef idx="minor">
-            <a:schemeClr val="lt1"/>
-          </a:fontRef>
-        </p:style>
-        <p:txBody>
-          <a:bodyPr tIns="36000" rtlCol="0" anchor="t" anchorCtr="0"/>
-          <a:lstStyle/>
-          <a:p>
-            <a:r>
-              <a:rPr lang="en-AU" sz="2000" dirty="0" smtClean="0">
-                <a:solidFill>
-                  <a:schemeClr val="tx1"/>
-                </a:solidFill>
-              </a:rPr>
-              <a:t>Notes</a:t>
-            </a:r>
+          <a:p>
+            <a:pPr marL="342900" indent="-342900">
+              <a:buFont typeface="Arial" pitchFamily="34" charset="0"/>
+              <a:buChar char="•"/>
+            </a:pPr>
+            <a:endParaRPr lang="en-AU" sz="2000" dirty="0" smtClean="0">
+              <a:solidFill>
+                <a:schemeClr val="tx1"/>
+              </a:solidFill>
+            </a:endParaRPr>
+          </a:p>
+          <a:p>
+            <a:pPr marL="342900" indent="-342900">
+              <a:buFont typeface="Arial" pitchFamily="34" charset="0"/>
+              <a:buChar char="•"/>
+            </a:pPr>
+            <a:endParaRPr lang="en-AU" sz="2000" dirty="0" smtClean="0">
+              <a:solidFill>
+                <a:schemeClr val="tx1"/>
+              </a:solidFill>
+            </a:endParaRPr>
           </a:p>
         </p:txBody>
       </p:sp>
@@ -18200,7 +20347,7 @@
                   <a:schemeClr val="tx1"/>
                 </a:solidFill>
               </a:rPr>
-              <a:t>Display CAPTCHA to avoid robots</a:t>
+              <a:t>Password must be encrypted</a:t>
             </a:r>
           </a:p>
           <a:p>
@@ -18214,8 +20361,13 @@
                   <a:schemeClr val="tx1"/>
                 </a:solidFill>
               </a:rPr>
-              <a:t>Password must be encrypted</a:t>
-            </a:r>
+              <a:t>System must be deployed through HTTPS</a:t>
+            </a:r>
+            <a:endParaRPr lang="en-AU" sz="2000" dirty="0" smtClean="0">
+              <a:solidFill>
+                <a:schemeClr val="tx1"/>
+              </a:solidFill>
+            </a:endParaRPr>
           </a:p>
         </p:txBody>
       </p:sp>
@@ -18423,6 +20575,93 @@
               </a:rPr>
               <a:t>Notes</a:t>
             </a:r>
+          </a:p>
+          <a:p>
+            <a:pPr marL="342900" indent="-342900">
+              <a:buFont typeface="Arial" pitchFamily="34" charset="0"/>
+              <a:buChar char="•"/>
+            </a:pPr>
+            <a:r>
+              <a:rPr lang="en-AU" sz="2000" dirty="0" smtClean="0">
+                <a:solidFill>
+                  <a:schemeClr val="tx1"/>
+                </a:solidFill>
+              </a:rPr>
+              <a:t>Displaying </a:t>
+            </a:r>
+            <a:r>
+              <a:rPr lang="en-AU" sz="2000" dirty="0">
+                <a:solidFill>
+                  <a:schemeClr val="tx1"/>
+                </a:solidFill>
+              </a:rPr>
+              <a:t>CAPTCHA </a:t>
+            </a:r>
+            <a:r>
+              <a:rPr lang="en-AU" sz="2000" dirty="0" smtClean="0">
+                <a:solidFill>
+                  <a:schemeClr val="tx1"/>
+                </a:solidFill>
+              </a:rPr>
+              <a:t>during login/ registration is optional to prevent bot </a:t>
+            </a:r>
+            <a:r>
+              <a:rPr lang="en-AU" sz="2000" dirty="0" smtClean="0">
+                <a:solidFill>
+                  <a:schemeClr val="tx1"/>
+                </a:solidFill>
+              </a:rPr>
+              <a:t>account creation</a:t>
+            </a:r>
+          </a:p>
+          <a:p>
+            <a:pPr marL="342900" indent="-342900">
+              <a:buFont typeface="Arial" pitchFamily="34" charset="0"/>
+              <a:buChar char="•"/>
+            </a:pPr>
+            <a:r>
+              <a:rPr lang="en-AU" sz="2000" dirty="0" smtClean="0">
+                <a:solidFill>
+                  <a:schemeClr val="tx1"/>
+                </a:solidFill>
+              </a:rPr>
+              <a:t>Could use </a:t>
+            </a:r>
+            <a:r>
+              <a:rPr lang="en-AU" sz="2000" dirty="0" err="1" smtClean="0">
+                <a:solidFill>
+                  <a:schemeClr val="tx1"/>
+                </a:solidFill>
+              </a:rPr>
+              <a:t>django</a:t>
+            </a:r>
+            <a:r>
+              <a:rPr lang="en-AU" sz="2000" dirty="0" smtClean="0">
+                <a:solidFill>
+                  <a:schemeClr val="tx1"/>
+                </a:solidFill>
+              </a:rPr>
+              <a:t> query sets for SQL injection protection</a:t>
+            </a:r>
+          </a:p>
+          <a:p>
+            <a:pPr marL="342900" indent="-342900">
+              <a:buFont typeface="Arial" pitchFamily="34" charset="0"/>
+              <a:buChar char="•"/>
+            </a:pPr>
+            <a:r>
+              <a:rPr lang="en-AU" sz="2000" dirty="0" smtClean="0">
+                <a:solidFill>
+                  <a:schemeClr val="tx1"/>
+                </a:solidFill>
+              </a:rPr>
+              <a:t>HTTPS is used to protect authentication credentials of users and prevent malicious attacks</a:t>
+            </a:r>
+            <a:endParaRPr lang="en-AU" sz="2000" dirty="0" smtClean="0">
+              <a:solidFill>
+                <a:schemeClr val="tx1"/>
+              </a:solidFill>
+            </a:endParaRPr>
           </a:p>
           <a:p>
             <a:pPr marL="342900" indent="-342900">
@@ -18724,7 +20963,7 @@
                   <a:schemeClr val="tx1"/>
                 </a:solidFill>
               </a:rPr>
-              <a:t>Account details sent back to user</a:t>
+              <a:t>Account details must be sent back to user once verified</a:t>
             </a:r>
           </a:p>
         </p:txBody>
@@ -18945,7 +21184,15 @@
                   <a:schemeClr val="tx1"/>
                 </a:solidFill>
               </a:rPr>
-              <a:t>Unique verification code sent automatically to account email</a:t>
+              <a:t>Unique verification code sent automatically to account </a:t>
+            </a:r>
+            <a:r>
+              <a:rPr lang="en-AU" sz="2000" dirty="0" smtClean="0">
+                <a:solidFill>
+                  <a:schemeClr val="tx1"/>
+                </a:solidFill>
+              </a:rPr>
+              <a:t>email</a:t>
             </a:r>
           </a:p>
           <a:p>
@@ -18959,8 +21206,38 @@
                   <a:schemeClr val="tx1"/>
                 </a:solidFill>
               </a:rPr>
+              <a:t>Forward email through POP/IMAP</a:t>
+            </a:r>
+            <a:endParaRPr lang="en-AU" sz="2000" dirty="0" smtClean="0">
+              <a:solidFill>
+                <a:schemeClr val="tx1"/>
+              </a:solidFill>
+            </a:endParaRPr>
+          </a:p>
+          <a:p>
+            <a:pPr marL="342900" indent="-342900">
+              <a:buFont typeface="Arial" pitchFamily="34" charset="0"/>
+              <a:buChar char="•"/>
+            </a:pPr>
+            <a:r>
+              <a:rPr lang="en-AU" sz="2000" dirty="0" smtClean="0">
+                <a:solidFill>
+                  <a:schemeClr val="tx1"/>
+                </a:solidFill>
+              </a:rPr>
               <a:t>Add a temporary code into the database table</a:t>
             </a:r>
+          </a:p>
+          <a:p>
+            <a:pPr marL="342900" indent="-342900">
+              <a:buFont typeface="Arial" pitchFamily="34" charset="0"/>
+              <a:buChar char="•"/>
+            </a:pPr>
+            <a:endParaRPr lang="en-AU" sz="2000" dirty="0" smtClean="0">
+              <a:solidFill>
+                <a:schemeClr val="tx1"/>
+              </a:solidFill>
+            </a:endParaRPr>
           </a:p>
         </p:txBody>
       </p:sp>
